--- a/Project_Proposal/Click&Repair_Project_Proposal.pptx
+++ b/Project_Proposal/Click&Repair_Project_Proposal.pptx
@@ -12,7 +12,7 @@
   </p:handoutMasterIdLst>
   <p:sldIdLst>
     <p:sldId id="256" r:id="rId5"/>
-    <p:sldId id="289" r:id="rId6"/>
+    <p:sldId id="291" r:id="rId6"/>
     <p:sldId id="290" r:id="rId7"/>
   </p:sldIdLst>
   <p:sldSz cx="12192000" cy="6858000"/>
@@ -154,14 +154,6 @@
 </p:presentation>
 </file>
 
-<file path=ppt/revisionInfo.xml><?xml version="1.0" encoding="utf-8"?>
-<p1510:revInfo xmlns:a="http://schemas.openxmlformats.org/drawingml/2006/main" xmlns:r="http://schemas.openxmlformats.org/officeDocument/2006/relationships" xmlns:p1510="http://schemas.microsoft.com/office/powerpoint/2015/10/main">
-  <p1510:revLst>
-    <p1510:client id="{B046754A-8043-408E-8926-778C395B763B}" v="1204" dt="2022-11-14T22:25:22.762"/>
-  </p1510:revLst>
-</p1510:revInfo>
-</file>
-
 <file path=ppt/diagrams/colors1.xml><?xml version="1.0" encoding="utf-8"?>
 <dgm:colorsDef xmlns:dgm="http://schemas.openxmlformats.org/drawingml/2006/diagram" xmlns:a="http://schemas.openxmlformats.org/drawingml/2006/main" uniqueId="urn:microsoft.com/office/officeart/2005/8/colors/colorful1">
   <dgm:title val=""/>
@@ -1081,11 +1073,1334 @@
 </dgm:colorsDef>
 </file>
 
+<file path=ppt/diagrams/colors2.xml><?xml version="1.0" encoding="utf-8"?>
+<dgm:colorsDef xmlns:dgm="http://schemas.openxmlformats.org/drawingml/2006/diagram" xmlns:a="http://schemas.openxmlformats.org/drawingml/2006/main" uniqueId="urn:microsoft.com/office/officeart/2005/8/colors/colorful1">
+  <dgm:title val=""/>
+  <dgm:desc val=""/>
+  <dgm:catLst>
+    <dgm:cat type="colorful" pri="10100"/>
+  </dgm:catLst>
+  <dgm:styleLbl name="node0">
+    <dgm:fillClrLst meth="repeat">
+      <a:schemeClr val="accent1"/>
+    </dgm:fillClrLst>
+    <dgm:linClrLst meth="repeat">
+      <a:schemeClr val="lt1"/>
+    </dgm:linClrLst>
+    <dgm:effectClrLst/>
+    <dgm:txLinClrLst/>
+    <dgm:txFillClrLst/>
+    <dgm:txEffectClrLst/>
+  </dgm:styleLbl>
+  <dgm:styleLbl name="node1">
+    <dgm:fillClrLst meth="repeat">
+      <a:schemeClr val="accent2"/>
+      <a:schemeClr val="accent3"/>
+      <a:schemeClr val="accent4"/>
+      <a:schemeClr val="accent5"/>
+      <a:schemeClr val="accent6"/>
+    </dgm:fillClrLst>
+    <dgm:linClrLst meth="repeat">
+      <a:schemeClr val="lt1"/>
+    </dgm:linClrLst>
+    <dgm:effectClrLst/>
+    <dgm:txLinClrLst/>
+    <dgm:txFillClrLst/>
+    <dgm:txEffectClrLst/>
+  </dgm:styleLbl>
+  <dgm:styleLbl name="alignNode1">
+    <dgm:fillClrLst meth="repeat">
+      <a:schemeClr val="accent2"/>
+      <a:schemeClr val="accent3"/>
+      <a:schemeClr val="accent4"/>
+      <a:schemeClr val="accent5"/>
+      <a:schemeClr val="accent6"/>
+    </dgm:fillClrLst>
+    <dgm:linClrLst meth="repeat">
+      <a:schemeClr val="accent2"/>
+      <a:schemeClr val="accent3"/>
+      <a:schemeClr val="accent4"/>
+      <a:schemeClr val="accent5"/>
+      <a:schemeClr val="accent6"/>
+    </dgm:linClrLst>
+    <dgm:effectClrLst/>
+    <dgm:txLinClrLst/>
+    <dgm:txFillClrLst/>
+    <dgm:txEffectClrLst/>
+  </dgm:styleLbl>
+  <dgm:styleLbl name="lnNode1">
+    <dgm:fillClrLst meth="repeat">
+      <a:schemeClr val="accent2"/>
+      <a:schemeClr val="accent3"/>
+      <a:schemeClr val="accent4"/>
+      <a:schemeClr val="accent5"/>
+      <a:schemeClr val="accent6"/>
+    </dgm:fillClrLst>
+    <dgm:linClrLst meth="repeat">
+      <a:schemeClr val="lt1"/>
+    </dgm:linClrLst>
+    <dgm:effectClrLst/>
+    <dgm:txLinClrLst/>
+    <dgm:txFillClrLst/>
+    <dgm:txEffectClrLst/>
+  </dgm:styleLbl>
+  <dgm:styleLbl name="vennNode1">
+    <dgm:fillClrLst meth="repeat">
+      <a:schemeClr val="accent2">
+        <a:alpha val="50000"/>
+      </a:schemeClr>
+      <a:schemeClr val="accent3">
+        <a:alpha val="50000"/>
+      </a:schemeClr>
+      <a:schemeClr val="accent4">
+        <a:alpha val="50000"/>
+      </a:schemeClr>
+      <a:schemeClr val="accent5">
+        <a:alpha val="50000"/>
+      </a:schemeClr>
+      <a:schemeClr val="accent6">
+        <a:alpha val="50000"/>
+      </a:schemeClr>
+    </dgm:fillClrLst>
+    <dgm:linClrLst meth="repeat">
+      <a:schemeClr val="lt1"/>
+    </dgm:linClrLst>
+    <dgm:effectClrLst/>
+    <dgm:txLinClrLst/>
+    <dgm:txFillClrLst/>
+    <dgm:txEffectClrLst/>
+  </dgm:styleLbl>
+  <dgm:styleLbl name="node2">
+    <dgm:fillClrLst>
+      <a:schemeClr val="accent2"/>
+    </dgm:fillClrLst>
+    <dgm:linClrLst meth="repeat">
+      <a:schemeClr val="lt1"/>
+    </dgm:linClrLst>
+    <dgm:effectClrLst/>
+    <dgm:txLinClrLst/>
+    <dgm:txFillClrLst/>
+    <dgm:txEffectClrLst/>
+  </dgm:styleLbl>
+  <dgm:styleLbl name="node3">
+    <dgm:fillClrLst>
+      <a:schemeClr val="accent3"/>
+    </dgm:fillClrLst>
+    <dgm:linClrLst meth="repeat">
+      <a:schemeClr val="lt1"/>
+    </dgm:linClrLst>
+    <dgm:effectClrLst/>
+    <dgm:txLinClrLst/>
+    <dgm:txFillClrLst/>
+    <dgm:txEffectClrLst/>
+  </dgm:styleLbl>
+  <dgm:styleLbl name="node4">
+    <dgm:fillClrLst>
+      <a:schemeClr val="accent4"/>
+    </dgm:fillClrLst>
+    <dgm:linClrLst meth="repeat">
+      <a:schemeClr val="lt1"/>
+    </dgm:linClrLst>
+    <dgm:effectClrLst/>
+    <dgm:txLinClrLst/>
+    <dgm:txFillClrLst/>
+    <dgm:txEffectClrLst/>
+  </dgm:styleLbl>
+  <dgm:styleLbl name="fgImgPlace1">
+    <dgm:fillClrLst meth="repeat">
+      <a:schemeClr val="accent2">
+        <a:tint val="50000"/>
+      </a:schemeClr>
+      <a:schemeClr val="accent3">
+        <a:tint val="50000"/>
+      </a:schemeClr>
+      <a:schemeClr val="accent4">
+        <a:tint val="50000"/>
+      </a:schemeClr>
+      <a:schemeClr val="accent5">
+        <a:tint val="50000"/>
+      </a:schemeClr>
+      <a:schemeClr val="accent6">
+        <a:tint val="50000"/>
+      </a:schemeClr>
+    </dgm:fillClrLst>
+    <dgm:linClrLst meth="repeat">
+      <a:schemeClr val="lt1"/>
+    </dgm:linClrLst>
+    <dgm:effectClrLst/>
+    <dgm:txLinClrLst/>
+    <dgm:txFillClrLst meth="repeat">
+      <a:schemeClr val="lt1"/>
+    </dgm:txFillClrLst>
+    <dgm:txEffectClrLst/>
+  </dgm:styleLbl>
+  <dgm:styleLbl name="alignImgPlace1">
+    <dgm:fillClrLst>
+      <a:schemeClr val="accent1">
+        <a:tint val="50000"/>
+      </a:schemeClr>
+      <a:schemeClr val="accent2">
+        <a:tint val="20000"/>
+      </a:schemeClr>
+    </dgm:fillClrLst>
+    <dgm:linClrLst meth="repeat">
+      <a:schemeClr val="lt1"/>
+    </dgm:linClrLst>
+    <dgm:effectClrLst/>
+    <dgm:txLinClrLst/>
+    <dgm:txFillClrLst meth="repeat">
+      <a:schemeClr val="lt1"/>
+    </dgm:txFillClrLst>
+    <dgm:txEffectClrLst/>
+  </dgm:styleLbl>
+  <dgm:styleLbl name="bgImgPlace1">
+    <dgm:fillClrLst>
+      <a:schemeClr val="accent1">
+        <a:tint val="50000"/>
+      </a:schemeClr>
+      <a:schemeClr val="accent2">
+        <a:tint val="20000"/>
+      </a:schemeClr>
+    </dgm:fillClrLst>
+    <dgm:linClrLst meth="repeat">
+      <a:schemeClr val="lt1"/>
+    </dgm:linClrLst>
+    <dgm:effectClrLst/>
+    <dgm:txLinClrLst/>
+    <dgm:txFillClrLst meth="repeat">
+      <a:schemeClr val="lt1"/>
+    </dgm:txFillClrLst>
+    <dgm:txEffectClrLst/>
+  </dgm:styleLbl>
+  <dgm:styleLbl name="sibTrans2D1">
+    <dgm:fillClrLst meth="repeat">
+      <a:schemeClr val="accent2"/>
+      <a:schemeClr val="accent3"/>
+      <a:schemeClr val="accent4"/>
+      <a:schemeClr val="accent5"/>
+      <a:schemeClr val="accent6"/>
+    </dgm:fillClrLst>
+    <dgm:linClrLst meth="cycle">
+      <a:schemeClr val="lt1"/>
+    </dgm:linClrLst>
+    <dgm:effectClrLst/>
+    <dgm:txLinClrLst/>
+    <dgm:txFillClrLst/>
+    <dgm:txEffectClrLst/>
+  </dgm:styleLbl>
+  <dgm:styleLbl name="fgSibTrans2D1">
+    <dgm:fillClrLst meth="repeat">
+      <a:schemeClr val="accent2"/>
+      <a:schemeClr val="accent3"/>
+      <a:schemeClr val="accent4"/>
+      <a:schemeClr val="accent5"/>
+      <a:schemeClr val="accent6"/>
+    </dgm:fillClrLst>
+    <dgm:linClrLst meth="cycle">
+      <a:schemeClr val="lt1"/>
+    </dgm:linClrLst>
+    <dgm:effectClrLst/>
+    <dgm:txLinClrLst/>
+    <dgm:txFillClrLst meth="repeat">
+      <a:schemeClr val="lt1"/>
+    </dgm:txFillClrLst>
+    <dgm:txEffectClrLst/>
+  </dgm:styleLbl>
+  <dgm:styleLbl name="bgSibTrans2D1">
+    <dgm:fillClrLst meth="repeat">
+      <a:schemeClr val="accent2"/>
+      <a:schemeClr val="accent3"/>
+      <a:schemeClr val="accent4"/>
+      <a:schemeClr val="accent5"/>
+      <a:schemeClr val="accent6"/>
+    </dgm:fillClrLst>
+    <dgm:linClrLst meth="cycle">
+      <a:schemeClr val="lt1"/>
+    </dgm:linClrLst>
+    <dgm:effectClrLst/>
+    <dgm:txLinClrLst/>
+    <dgm:txFillClrLst meth="repeat">
+      <a:schemeClr val="lt1"/>
+    </dgm:txFillClrLst>
+    <dgm:txEffectClrLst/>
+  </dgm:styleLbl>
+  <dgm:styleLbl name="sibTrans1D1">
+    <dgm:fillClrLst meth="repeat">
+      <a:schemeClr val="accent2"/>
+      <a:schemeClr val="accent3"/>
+      <a:schemeClr val="accent4"/>
+      <a:schemeClr val="accent5"/>
+      <a:schemeClr val="accent6"/>
+    </dgm:fillClrLst>
+    <dgm:linClrLst meth="repeat">
+      <a:schemeClr val="accent2"/>
+      <a:schemeClr val="accent3"/>
+      <a:schemeClr val="accent4"/>
+      <a:schemeClr val="accent5"/>
+      <a:schemeClr val="accent6"/>
+    </dgm:linClrLst>
+    <dgm:effectClrLst/>
+    <dgm:txLinClrLst/>
+    <dgm:txFillClrLst meth="repeat">
+      <a:schemeClr val="tx1"/>
+    </dgm:txFillClrLst>
+    <dgm:txEffectClrLst/>
+  </dgm:styleLbl>
+  <dgm:styleLbl name="callout">
+    <dgm:fillClrLst meth="repeat">
+      <a:schemeClr val="accent2"/>
+    </dgm:fillClrLst>
+    <dgm:linClrLst meth="repeat">
+      <a:schemeClr val="accent2">
+        <a:tint val="50000"/>
+      </a:schemeClr>
+    </dgm:linClrLst>
+    <dgm:effectClrLst/>
+    <dgm:txLinClrLst/>
+    <dgm:txFillClrLst meth="repeat">
+      <a:schemeClr val="tx1"/>
+    </dgm:txFillClrLst>
+    <dgm:txEffectClrLst/>
+  </dgm:styleLbl>
+  <dgm:styleLbl name="asst0">
+    <dgm:fillClrLst meth="repeat">
+      <a:schemeClr val="accent1"/>
+    </dgm:fillClrLst>
+    <dgm:linClrLst meth="repeat">
+      <a:schemeClr val="lt1"/>
+    </dgm:linClrLst>
+    <dgm:effectClrLst/>
+    <dgm:txLinClrLst/>
+    <dgm:txFillClrLst/>
+    <dgm:txEffectClrLst/>
+  </dgm:styleLbl>
+  <dgm:styleLbl name="asst1">
+    <dgm:fillClrLst meth="repeat">
+      <a:schemeClr val="accent2"/>
+    </dgm:fillClrLst>
+    <dgm:linClrLst meth="repeat">
+      <a:schemeClr val="lt1"/>
+    </dgm:linClrLst>
+    <dgm:effectClrLst/>
+    <dgm:txLinClrLst/>
+    <dgm:txFillClrLst/>
+    <dgm:txEffectClrLst/>
+  </dgm:styleLbl>
+  <dgm:styleLbl name="asst2">
+    <dgm:fillClrLst>
+      <a:schemeClr val="accent3"/>
+    </dgm:fillClrLst>
+    <dgm:linClrLst meth="repeat">
+      <a:schemeClr val="lt1"/>
+    </dgm:linClrLst>
+    <dgm:effectClrLst/>
+    <dgm:txLinClrLst/>
+    <dgm:txFillClrLst/>
+    <dgm:txEffectClrLst/>
+  </dgm:styleLbl>
+  <dgm:styleLbl name="asst3">
+    <dgm:fillClrLst>
+      <a:schemeClr val="accent4"/>
+    </dgm:fillClrLst>
+    <dgm:linClrLst meth="repeat">
+      <a:schemeClr val="lt1"/>
+    </dgm:linClrLst>
+    <dgm:effectClrLst/>
+    <dgm:txLinClrLst/>
+    <dgm:txFillClrLst/>
+    <dgm:txEffectClrLst/>
+  </dgm:styleLbl>
+  <dgm:styleLbl name="asst4">
+    <dgm:fillClrLst>
+      <a:schemeClr val="accent5"/>
+    </dgm:fillClrLst>
+    <dgm:linClrLst meth="repeat">
+      <a:schemeClr val="lt1"/>
+    </dgm:linClrLst>
+    <dgm:effectClrLst/>
+    <dgm:txLinClrLst/>
+    <dgm:txFillClrLst/>
+    <dgm:txEffectClrLst/>
+  </dgm:styleLbl>
+  <dgm:styleLbl name="parChTrans2D1">
+    <dgm:fillClrLst meth="repeat">
+      <a:schemeClr val="accent2"/>
+    </dgm:fillClrLst>
+    <dgm:linClrLst meth="repeat">
+      <a:schemeClr val="lt1"/>
+    </dgm:linClrLst>
+    <dgm:effectClrLst/>
+    <dgm:txLinClrLst/>
+    <dgm:txFillClrLst meth="repeat">
+      <a:schemeClr val="lt1"/>
+    </dgm:txFillClrLst>
+    <dgm:txEffectClrLst/>
+  </dgm:styleLbl>
+  <dgm:styleLbl name="parChTrans2D2">
+    <dgm:fillClrLst meth="repeat">
+      <a:schemeClr val="accent3"/>
+    </dgm:fillClrLst>
+    <dgm:linClrLst meth="repeat">
+      <a:schemeClr val="lt1"/>
+    </dgm:linClrLst>
+    <dgm:effectClrLst/>
+    <dgm:txLinClrLst/>
+    <dgm:txFillClrLst/>
+    <dgm:txEffectClrLst/>
+  </dgm:styleLbl>
+  <dgm:styleLbl name="parChTrans2D3">
+    <dgm:fillClrLst meth="repeat">
+      <a:schemeClr val="accent4"/>
+    </dgm:fillClrLst>
+    <dgm:linClrLst meth="repeat">
+      <a:schemeClr val="lt1"/>
+    </dgm:linClrLst>
+    <dgm:effectClrLst/>
+    <dgm:txLinClrLst/>
+    <dgm:txFillClrLst/>
+    <dgm:txEffectClrLst/>
+  </dgm:styleLbl>
+  <dgm:styleLbl name="parChTrans2D4">
+    <dgm:fillClrLst meth="repeat">
+      <a:schemeClr val="accent5"/>
+    </dgm:fillClrLst>
+    <dgm:linClrLst meth="repeat">
+      <a:schemeClr val="lt1"/>
+    </dgm:linClrLst>
+    <dgm:effectClrLst/>
+    <dgm:txLinClrLst/>
+    <dgm:txFillClrLst meth="repeat">
+      <a:schemeClr val="lt1"/>
+    </dgm:txFillClrLst>
+    <dgm:txEffectClrLst/>
+  </dgm:styleLbl>
+  <dgm:styleLbl name="parChTrans1D1">
+    <dgm:fillClrLst meth="repeat">
+      <a:schemeClr val="accent2"/>
+    </dgm:fillClrLst>
+    <dgm:linClrLst meth="repeat">
+      <a:schemeClr val="accent1"/>
+    </dgm:linClrLst>
+    <dgm:effectClrLst/>
+    <dgm:txLinClrLst/>
+    <dgm:txFillClrLst meth="repeat">
+      <a:schemeClr val="tx1"/>
+    </dgm:txFillClrLst>
+    <dgm:txEffectClrLst/>
+  </dgm:styleLbl>
+  <dgm:styleLbl name="parChTrans1D2">
+    <dgm:fillClrLst meth="repeat">
+      <a:schemeClr val="accent3">
+        <a:tint val="90000"/>
+      </a:schemeClr>
+    </dgm:fillClrLst>
+    <dgm:linClrLst meth="repeat">
+      <a:schemeClr val="accent2"/>
+    </dgm:linClrLst>
+    <dgm:effectClrLst/>
+    <dgm:txLinClrLst/>
+    <dgm:txFillClrLst meth="repeat">
+      <a:schemeClr val="tx1"/>
+    </dgm:txFillClrLst>
+    <dgm:txEffectClrLst/>
+  </dgm:styleLbl>
+  <dgm:styleLbl name="parChTrans1D3">
+    <dgm:fillClrLst meth="repeat">
+      <a:schemeClr val="accent4">
+        <a:tint val="70000"/>
+      </a:schemeClr>
+    </dgm:fillClrLst>
+    <dgm:linClrLst meth="repeat">
+      <a:schemeClr val="accent3"/>
+    </dgm:linClrLst>
+    <dgm:effectClrLst/>
+    <dgm:txLinClrLst/>
+    <dgm:txFillClrLst meth="repeat">
+      <a:schemeClr val="tx1"/>
+    </dgm:txFillClrLst>
+    <dgm:txEffectClrLst/>
+  </dgm:styleLbl>
+  <dgm:styleLbl name="parChTrans1D4">
+    <dgm:fillClrLst meth="repeat">
+      <a:schemeClr val="accent5">
+        <a:tint val="50000"/>
+      </a:schemeClr>
+    </dgm:fillClrLst>
+    <dgm:linClrLst meth="repeat">
+      <a:schemeClr val="accent4"/>
+    </dgm:linClrLst>
+    <dgm:effectClrLst/>
+    <dgm:txLinClrLst/>
+    <dgm:txFillClrLst meth="repeat">
+      <a:schemeClr val="tx1"/>
+    </dgm:txFillClrLst>
+    <dgm:txEffectClrLst/>
+  </dgm:styleLbl>
+  <dgm:styleLbl name="fgAcc1">
+    <dgm:fillClrLst meth="repeat">
+      <a:schemeClr val="lt1">
+        <a:alpha val="90000"/>
+      </a:schemeClr>
+    </dgm:fillClrLst>
+    <dgm:linClrLst meth="repeat">
+      <a:schemeClr val="accent2"/>
+      <a:schemeClr val="accent3"/>
+      <a:schemeClr val="accent4"/>
+      <a:schemeClr val="accent5"/>
+      <a:schemeClr val="accent6"/>
+    </dgm:linClrLst>
+    <dgm:effectClrLst/>
+    <dgm:txLinClrLst/>
+    <dgm:txFillClrLst meth="repeat">
+      <a:schemeClr val="dk1"/>
+    </dgm:txFillClrLst>
+    <dgm:txEffectClrLst/>
+  </dgm:styleLbl>
+  <dgm:styleLbl name="conFgAcc1">
+    <dgm:fillClrLst meth="repeat">
+      <a:schemeClr val="lt1">
+        <a:alpha val="90000"/>
+      </a:schemeClr>
+    </dgm:fillClrLst>
+    <dgm:linClrLst meth="repeat">
+      <a:schemeClr val="accent2"/>
+      <a:schemeClr val="accent3"/>
+      <a:schemeClr val="accent4"/>
+      <a:schemeClr val="accent5"/>
+      <a:schemeClr val="accent6"/>
+    </dgm:linClrLst>
+    <dgm:effectClrLst/>
+    <dgm:txLinClrLst/>
+    <dgm:txFillClrLst meth="repeat">
+      <a:schemeClr val="dk1"/>
+    </dgm:txFillClrLst>
+    <dgm:txEffectClrLst/>
+  </dgm:styleLbl>
+  <dgm:styleLbl name="alignAcc1">
+    <dgm:fillClrLst meth="repeat">
+      <a:schemeClr val="lt1">
+        <a:alpha val="90000"/>
+      </a:schemeClr>
+    </dgm:fillClrLst>
+    <dgm:linClrLst meth="repeat">
+      <a:schemeClr val="accent2"/>
+      <a:schemeClr val="accent3"/>
+      <a:schemeClr val="accent4"/>
+      <a:schemeClr val="accent5"/>
+      <a:schemeClr val="accent6"/>
+    </dgm:linClrLst>
+    <dgm:effectClrLst/>
+    <dgm:txLinClrLst/>
+    <dgm:txFillClrLst meth="repeat">
+      <a:schemeClr val="dk1"/>
+    </dgm:txFillClrLst>
+    <dgm:txEffectClrLst/>
+  </dgm:styleLbl>
+  <dgm:styleLbl name="trAlignAcc1">
+    <dgm:fillClrLst meth="repeat">
+      <a:schemeClr val="lt1">
+        <a:alpha val="40000"/>
+      </a:schemeClr>
+    </dgm:fillClrLst>
+    <dgm:linClrLst meth="repeat">
+      <a:schemeClr val="accent1"/>
+    </dgm:linClrLst>
+    <dgm:effectClrLst/>
+    <dgm:txLinClrLst/>
+    <dgm:txFillClrLst meth="repeat">
+      <a:schemeClr val="dk1"/>
+    </dgm:txFillClrLst>
+    <dgm:txEffectClrLst/>
+  </dgm:styleLbl>
+  <dgm:styleLbl name="bgAcc1">
+    <dgm:fillClrLst meth="repeat">
+      <a:schemeClr val="lt1">
+        <a:alpha val="90000"/>
+      </a:schemeClr>
+    </dgm:fillClrLst>
+    <dgm:linClrLst meth="repeat">
+      <a:schemeClr val="accent2"/>
+      <a:schemeClr val="accent3"/>
+      <a:schemeClr val="accent4"/>
+      <a:schemeClr val="accent5"/>
+      <a:schemeClr val="accent6"/>
+    </dgm:linClrLst>
+    <dgm:effectClrLst/>
+    <dgm:txLinClrLst/>
+    <dgm:txFillClrLst meth="repeat">
+      <a:schemeClr val="dk1"/>
+    </dgm:txFillClrLst>
+    <dgm:txEffectClrLst/>
+  </dgm:styleLbl>
+  <dgm:styleLbl name="solidFgAcc1">
+    <dgm:fillClrLst meth="repeat">
+      <a:schemeClr val="lt1"/>
+    </dgm:fillClrLst>
+    <dgm:linClrLst meth="repeat">
+      <a:schemeClr val="accent2"/>
+      <a:schemeClr val="accent3"/>
+      <a:schemeClr val="accent4"/>
+      <a:schemeClr val="accent5"/>
+      <a:schemeClr val="accent6"/>
+    </dgm:linClrLst>
+    <dgm:effectClrLst/>
+    <dgm:txLinClrLst/>
+    <dgm:txFillClrLst meth="repeat">
+      <a:schemeClr val="dk1"/>
+    </dgm:txFillClrLst>
+    <dgm:txEffectClrLst/>
+  </dgm:styleLbl>
+  <dgm:styleLbl name="solidAlignAcc1">
+    <dgm:fillClrLst meth="repeat">
+      <a:schemeClr val="lt1"/>
+    </dgm:fillClrLst>
+    <dgm:linClrLst meth="repeat">
+      <a:schemeClr val="accent2"/>
+      <a:schemeClr val="accent3"/>
+      <a:schemeClr val="accent4"/>
+      <a:schemeClr val="accent5"/>
+      <a:schemeClr val="accent6"/>
+    </dgm:linClrLst>
+    <dgm:effectClrLst/>
+    <dgm:txLinClrLst/>
+    <dgm:txFillClrLst meth="repeat">
+      <a:schemeClr val="dk1"/>
+    </dgm:txFillClrLst>
+    <dgm:txEffectClrLst/>
+  </dgm:styleLbl>
+  <dgm:styleLbl name="solidBgAcc1">
+    <dgm:fillClrLst meth="repeat">
+      <a:schemeClr val="lt1"/>
+    </dgm:fillClrLst>
+    <dgm:linClrLst meth="repeat">
+      <a:schemeClr val="accent2"/>
+      <a:schemeClr val="accent3"/>
+      <a:schemeClr val="accent4"/>
+      <a:schemeClr val="accent5"/>
+      <a:schemeClr val="accent6"/>
+    </dgm:linClrLst>
+    <dgm:effectClrLst/>
+    <dgm:txLinClrLst/>
+    <dgm:txFillClrLst meth="repeat">
+      <a:schemeClr val="dk1"/>
+    </dgm:txFillClrLst>
+    <dgm:txEffectClrLst/>
+  </dgm:styleLbl>
+  <dgm:styleLbl name="fgAccFollowNode1">
+    <dgm:fillClrLst meth="repeat">
+      <a:schemeClr val="accent2">
+        <a:tint val="40000"/>
+        <a:alpha val="90000"/>
+      </a:schemeClr>
+      <a:schemeClr val="accent3">
+        <a:tint val="40000"/>
+        <a:alpha val="90000"/>
+      </a:schemeClr>
+      <a:schemeClr val="accent4">
+        <a:tint val="40000"/>
+        <a:alpha val="90000"/>
+      </a:schemeClr>
+      <a:schemeClr val="accent5">
+        <a:tint val="40000"/>
+        <a:alpha val="90000"/>
+      </a:schemeClr>
+      <a:schemeClr val="accent6">
+        <a:tint val="40000"/>
+        <a:alpha val="90000"/>
+      </a:schemeClr>
+    </dgm:fillClrLst>
+    <dgm:linClrLst meth="repeat">
+      <a:schemeClr val="accent2">
+        <a:tint val="40000"/>
+        <a:alpha val="90000"/>
+      </a:schemeClr>
+      <a:schemeClr val="accent3">
+        <a:tint val="40000"/>
+        <a:alpha val="90000"/>
+      </a:schemeClr>
+      <a:schemeClr val="accent4">
+        <a:tint val="40000"/>
+        <a:alpha val="90000"/>
+      </a:schemeClr>
+      <a:schemeClr val="accent5">
+        <a:tint val="40000"/>
+        <a:alpha val="90000"/>
+      </a:schemeClr>
+      <a:schemeClr val="accent6">
+        <a:tint val="40000"/>
+        <a:alpha val="90000"/>
+      </a:schemeClr>
+    </dgm:linClrLst>
+    <dgm:effectClrLst/>
+    <dgm:txLinClrLst/>
+    <dgm:txFillClrLst meth="repeat">
+      <a:schemeClr val="dk1"/>
+    </dgm:txFillClrLst>
+    <dgm:txEffectClrLst/>
+  </dgm:styleLbl>
+  <dgm:styleLbl name="alignAccFollowNode1">
+    <dgm:fillClrLst meth="repeat">
+      <a:schemeClr val="accent2">
+        <a:tint val="40000"/>
+        <a:alpha val="90000"/>
+      </a:schemeClr>
+      <a:schemeClr val="accent3">
+        <a:tint val="40000"/>
+        <a:alpha val="90000"/>
+      </a:schemeClr>
+      <a:schemeClr val="accent4">
+        <a:tint val="40000"/>
+        <a:alpha val="90000"/>
+      </a:schemeClr>
+      <a:schemeClr val="accent5">
+        <a:tint val="40000"/>
+        <a:alpha val="90000"/>
+      </a:schemeClr>
+      <a:schemeClr val="accent6">
+        <a:tint val="40000"/>
+        <a:alpha val="90000"/>
+      </a:schemeClr>
+    </dgm:fillClrLst>
+    <dgm:linClrLst meth="repeat">
+      <a:schemeClr val="accent2">
+        <a:tint val="40000"/>
+        <a:alpha val="90000"/>
+      </a:schemeClr>
+      <a:schemeClr val="accent3">
+        <a:tint val="40000"/>
+        <a:alpha val="90000"/>
+      </a:schemeClr>
+      <a:schemeClr val="accent4">
+        <a:tint val="40000"/>
+        <a:alpha val="90000"/>
+      </a:schemeClr>
+      <a:schemeClr val="accent5">
+        <a:tint val="40000"/>
+        <a:alpha val="90000"/>
+      </a:schemeClr>
+      <a:schemeClr val="accent6">
+        <a:tint val="40000"/>
+        <a:alpha val="90000"/>
+      </a:schemeClr>
+    </dgm:linClrLst>
+    <dgm:effectClrLst/>
+    <dgm:txLinClrLst/>
+    <dgm:txFillClrLst meth="repeat">
+      <a:schemeClr val="dk1"/>
+    </dgm:txFillClrLst>
+    <dgm:txEffectClrLst/>
+  </dgm:styleLbl>
+  <dgm:styleLbl name="bgAccFollowNode1">
+    <dgm:fillClrLst meth="repeat">
+      <a:schemeClr val="accent2">
+        <a:tint val="40000"/>
+        <a:alpha val="90000"/>
+      </a:schemeClr>
+      <a:schemeClr val="accent3">
+        <a:tint val="40000"/>
+        <a:alpha val="90000"/>
+      </a:schemeClr>
+      <a:schemeClr val="accent4">
+        <a:tint val="40000"/>
+        <a:alpha val="90000"/>
+      </a:schemeClr>
+      <a:schemeClr val="accent5">
+        <a:tint val="40000"/>
+        <a:alpha val="90000"/>
+      </a:schemeClr>
+      <a:schemeClr val="accent6">
+        <a:tint val="40000"/>
+        <a:alpha val="90000"/>
+      </a:schemeClr>
+    </dgm:fillClrLst>
+    <dgm:linClrLst meth="repeat">
+      <a:schemeClr val="accent2">
+        <a:tint val="40000"/>
+        <a:alpha val="90000"/>
+      </a:schemeClr>
+      <a:schemeClr val="accent3">
+        <a:tint val="40000"/>
+        <a:alpha val="90000"/>
+      </a:schemeClr>
+      <a:schemeClr val="accent4">
+        <a:tint val="40000"/>
+        <a:alpha val="90000"/>
+      </a:schemeClr>
+      <a:schemeClr val="accent5">
+        <a:tint val="40000"/>
+        <a:alpha val="90000"/>
+      </a:schemeClr>
+      <a:schemeClr val="accent6">
+        <a:tint val="40000"/>
+        <a:alpha val="90000"/>
+      </a:schemeClr>
+    </dgm:linClrLst>
+    <dgm:effectClrLst/>
+    <dgm:txLinClrLst/>
+    <dgm:txFillClrLst meth="repeat">
+      <a:schemeClr val="dk1"/>
+    </dgm:txFillClrLst>
+    <dgm:txEffectClrLst/>
+  </dgm:styleLbl>
+  <dgm:styleLbl name="fgAcc0">
+    <dgm:fillClrLst meth="repeat">
+      <a:schemeClr val="lt1">
+        <a:alpha val="90000"/>
+      </a:schemeClr>
+    </dgm:fillClrLst>
+    <dgm:linClrLst>
+      <a:schemeClr val="accent1"/>
+    </dgm:linClrLst>
+    <dgm:effectClrLst/>
+    <dgm:txLinClrLst/>
+    <dgm:txFillClrLst meth="repeat">
+      <a:schemeClr val="dk1"/>
+    </dgm:txFillClrLst>
+    <dgm:txEffectClrLst/>
+  </dgm:styleLbl>
+  <dgm:styleLbl name="fgAcc2">
+    <dgm:fillClrLst meth="repeat">
+      <a:schemeClr val="lt1">
+        <a:alpha val="90000"/>
+      </a:schemeClr>
+    </dgm:fillClrLst>
+    <dgm:linClrLst>
+      <a:schemeClr val="accent2"/>
+    </dgm:linClrLst>
+    <dgm:effectClrLst/>
+    <dgm:txLinClrLst/>
+    <dgm:txFillClrLst meth="repeat">
+      <a:schemeClr val="dk1"/>
+    </dgm:txFillClrLst>
+    <dgm:txEffectClrLst/>
+  </dgm:styleLbl>
+  <dgm:styleLbl name="fgAcc3">
+    <dgm:fillClrLst meth="repeat">
+      <a:schemeClr val="lt1">
+        <a:alpha val="90000"/>
+      </a:schemeClr>
+    </dgm:fillClrLst>
+    <dgm:linClrLst>
+      <a:schemeClr val="accent3"/>
+    </dgm:linClrLst>
+    <dgm:effectClrLst/>
+    <dgm:txLinClrLst/>
+    <dgm:txFillClrLst meth="repeat">
+      <a:schemeClr val="dk1"/>
+    </dgm:txFillClrLst>
+    <dgm:txEffectClrLst/>
+  </dgm:styleLbl>
+  <dgm:styleLbl name="fgAcc4">
+    <dgm:fillClrLst meth="repeat">
+      <a:schemeClr val="lt1">
+        <a:alpha val="90000"/>
+      </a:schemeClr>
+    </dgm:fillClrLst>
+    <dgm:linClrLst>
+      <a:schemeClr val="accent4"/>
+    </dgm:linClrLst>
+    <dgm:effectClrLst/>
+    <dgm:txLinClrLst/>
+    <dgm:txFillClrLst meth="repeat">
+      <a:schemeClr val="dk1"/>
+    </dgm:txFillClrLst>
+    <dgm:txEffectClrLst/>
+  </dgm:styleLbl>
+  <dgm:styleLbl name="bgShp">
+    <dgm:fillClrLst meth="repeat">
+      <a:schemeClr val="accent2">
+        <a:tint val="40000"/>
+      </a:schemeClr>
+    </dgm:fillClrLst>
+    <dgm:linClrLst meth="repeat">
+      <a:schemeClr val="dk1"/>
+    </dgm:linClrLst>
+    <dgm:effectClrLst/>
+    <dgm:txLinClrLst/>
+    <dgm:txFillClrLst meth="repeat">
+      <a:schemeClr val="dk1"/>
+    </dgm:txFillClrLst>
+    <dgm:txEffectClrLst/>
+  </dgm:styleLbl>
+  <dgm:styleLbl name="dkBgShp">
+    <dgm:fillClrLst meth="repeat">
+      <a:schemeClr val="accent2">
+        <a:shade val="90000"/>
+      </a:schemeClr>
+    </dgm:fillClrLst>
+    <dgm:linClrLst meth="repeat">
+      <a:schemeClr val="dk1"/>
+    </dgm:linClrLst>
+    <dgm:effectClrLst/>
+    <dgm:txLinClrLst/>
+    <dgm:txFillClrLst meth="repeat">
+      <a:schemeClr val="lt1"/>
+    </dgm:txFillClrLst>
+    <dgm:txEffectClrLst/>
+  </dgm:styleLbl>
+  <dgm:styleLbl name="trBgShp">
+    <dgm:fillClrLst meth="repeat">
+      <a:schemeClr val="accent1">
+        <a:tint val="50000"/>
+        <a:alpha val="40000"/>
+      </a:schemeClr>
+    </dgm:fillClrLst>
+    <dgm:linClrLst meth="repeat">
+      <a:schemeClr val="accent2"/>
+    </dgm:linClrLst>
+    <dgm:effectClrLst/>
+    <dgm:txLinClrLst/>
+    <dgm:txFillClrLst meth="repeat">
+      <a:schemeClr val="lt1"/>
+    </dgm:txFillClrLst>
+    <dgm:txEffectClrLst/>
+  </dgm:styleLbl>
+  <dgm:styleLbl name="fgShp">
+    <dgm:fillClrLst meth="repeat">
+      <a:schemeClr val="accent2">
+        <a:tint val="40000"/>
+      </a:schemeClr>
+    </dgm:fillClrLst>
+    <dgm:linClrLst meth="repeat">
+      <a:schemeClr val="lt1"/>
+    </dgm:linClrLst>
+    <dgm:effectClrLst/>
+    <dgm:txLinClrLst/>
+    <dgm:txFillClrLst meth="repeat">
+      <a:schemeClr val="dk1"/>
+    </dgm:txFillClrLst>
+    <dgm:txEffectClrLst/>
+  </dgm:styleLbl>
+  <dgm:styleLbl name="revTx">
+    <dgm:fillClrLst meth="repeat">
+      <a:schemeClr val="lt1">
+        <a:alpha val="0"/>
+      </a:schemeClr>
+    </dgm:fillClrLst>
+    <dgm:linClrLst meth="repeat">
+      <a:schemeClr val="dk1">
+        <a:alpha val="0"/>
+      </a:schemeClr>
+    </dgm:linClrLst>
+    <dgm:effectClrLst/>
+    <dgm:txLinClrLst/>
+    <dgm:txFillClrLst meth="repeat">
+      <a:schemeClr val="tx1"/>
+    </dgm:txFillClrLst>
+    <dgm:txEffectClrLst/>
+  </dgm:styleLbl>
+</dgm:colorsDef>
+</file>
+
 <file path=ppt/diagrams/data1.xml><?xml version="1.0" encoding="utf-8"?>
 <dgm:dataModel xmlns:dgm="http://schemas.openxmlformats.org/drawingml/2006/diagram" xmlns:a="http://schemas.openxmlformats.org/drawingml/2006/main">
   <dgm:ptLst>
+    <dgm:pt modelId="{37FF8B36-F899-451D-A4C2-9A985D416C11}" type="doc">
+      <dgm:prSet loTypeId="urn:microsoft.com/office/officeart/2005/8/layout/list1" loCatId="list" qsTypeId="urn:microsoft.com/office/officeart/2005/8/quickstyle/simple5" qsCatId="simple" csTypeId="urn:microsoft.com/office/officeart/2005/8/colors/colorful1" csCatId="colorful" phldr="1"/>
+      <dgm:spPr/>
+      <dgm:t>
+        <a:bodyPr/>
+        <a:lstStyle/>
+        <a:p>
+          <a:endParaRPr lang="it-IT"/>
+        </a:p>
+      </dgm:t>
+    </dgm:pt>
+    <dgm:pt modelId="{509544B1-8682-4CFB-99C3-99AE65F14FB8}">
+      <dgm:prSet phldrT="[Testo]"/>
+      <dgm:spPr/>
+      <dgm:t>
+        <a:bodyPr/>
+        <a:lstStyle/>
+        <a:p>
+          <a:r>
+            <a:rPr lang="it-IT" b="1" dirty="0"/>
+            <a:t>	QUICK ACCESS</a:t>
+          </a:r>
+          <a:endParaRPr lang="it-IT" dirty="0"/>
+        </a:p>
+      </dgm:t>
+    </dgm:pt>
+    <dgm:pt modelId="{7BBDD8DF-AB92-410B-8934-2CD2950ED332}" type="parTrans" cxnId="{AD6EE0C4-1C47-495E-B01F-580C57317019}">
+      <dgm:prSet/>
+      <dgm:spPr/>
+      <dgm:t>
+        <a:bodyPr/>
+        <a:lstStyle/>
+        <a:p>
+          <a:endParaRPr lang="it-IT"/>
+        </a:p>
+      </dgm:t>
+    </dgm:pt>
+    <dgm:pt modelId="{51B198AD-4176-485D-B301-05B8C8385F68}" type="sibTrans" cxnId="{AD6EE0C4-1C47-495E-B01F-580C57317019}">
+      <dgm:prSet/>
+      <dgm:spPr/>
+      <dgm:t>
+        <a:bodyPr/>
+        <a:lstStyle/>
+        <a:p>
+          <a:endParaRPr lang="it-IT"/>
+        </a:p>
+      </dgm:t>
+    </dgm:pt>
+    <dgm:pt modelId="{9376F86D-BB20-4ED8-ADE9-9A55ABBCB171}">
+      <dgm:prSet phldrT="[Testo]"/>
+      <dgm:spPr/>
+      <dgm:t>
+        <a:bodyPr/>
+        <a:lstStyle/>
+        <a:p>
+          <a:r>
+            <a:rPr lang="it-IT" b="1" dirty="0"/>
+            <a:t>	FEEDBACK</a:t>
+          </a:r>
+          <a:endParaRPr lang="it-IT" dirty="0"/>
+        </a:p>
+      </dgm:t>
+    </dgm:pt>
+    <dgm:pt modelId="{849A8F4C-EE75-47B9-8A08-DBE6976ED1A4}" type="parTrans" cxnId="{8EEC1DAD-E89E-4006-A6DC-881DA17CBDDD}">
+      <dgm:prSet/>
+      <dgm:spPr/>
+      <dgm:t>
+        <a:bodyPr/>
+        <a:lstStyle/>
+        <a:p>
+          <a:endParaRPr lang="it-IT"/>
+        </a:p>
+      </dgm:t>
+    </dgm:pt>
+    <dgm:pt modelId="{E35507E4-08F2-4E66-8D1F-76A447F2B9A8}" type="sibTrans" cxnId="{8EEC1DAD-E89E-4006-A6DC-881DA17CBDDD}">
+      <dgm:prSet/>
+      <dgm:spPr/>
+      <dgm:t>
+        <a:bodyPr/>
+        <a:lstStyle/>
+        <a:p>
+          <a:endParaRPr lang="it-IT"/>
+        </a:p>
+      </dgm:t>
+    </dgm:pt>
+    <dgm:pt modelId="{34B434D6-332E-4992-A89E-52D3B92672AA}">
+      <dgm:prSet phldrT="[Testo]"/>
+      <dgm:spPr/>
+      <dgm:t>
+        <a:bodyPr/>
+        <a:lstStyle/>
+        <a:p>
+          <a:r>
+            <a:rPr lang="it-IT" b="1" dirty="0"/>
+            <a:t>	WRITE YOUR OWN GUIDE</a:t>
+          </a:r>
+          <a:endParaRPr lang="it-IT" dirty="0"/>
+        </a:p>
+      </dgm:t>
+    </dgm:pt>
+    <dgm:pt modelId="{DE21EAB4-19F5-4D37-9BAC-A4BC9C461C02}" type="parTrans" cxnId="{EFFC9B74-4B05-414F-A55A-0762B44C35E0}">
+      <dgm:prSet/>
+      <dgm:spPr/>
+      <dgm:t>
+        <a:bodyPr/>
+        <a:lstStyle/>
+        <a:p>
+          <a:endParaRPr lang="it-IT"/>
+        </a:p>
+      </dgm:t>
+    </dgm:pt>
+    <dgm:pt modelId="{504E4BFD-5224-4554-882B-171427ED9FAF}" type="sibTrans" cxnId="{EFFC9B74-4B05-414F-A55A-0762B44C35E0}">
+      <dgm:prSet/>
+      <dgm:spPr/>
+      <dgm:t>
+        <a:bodyPr/>
+        <a:lstStyle/>
+        <a:p>
+          <a:endParaRPr lang="it-IT"/>
+        </a:p>
+      </dgm:t>
+    </dgm:pt>
+    <dgm:pt modelId="{50E8C6B7-9745-4BBD-B28A-83341A814EC7}">
+      <dgm:prSet phldrT="[Testo]"/>
+      <dgm:spPr/>
+      <dgm:t>
+        <a:bodyPr/>
+        <a:lstStyle/>
+        <a:p>
+          <a:r>
+            <a:rPr lang="en-US">
+              <a:cs typeface="Segoe UI" panose="020B0502040204020203" pitchFamily="34" charset="0"/>
+            </a:rPr>
+            <a:t>Anyone is able to consult the contents published, profiling not required.</a:t>
+          </a:r>
+          <a:br>
+            <a:rPr lang="en-US">
+              <a:cs typeface="Segoe UI" panose="020B0502040204020203" pitchFamily="34" charset="0"/>
+            </a:rPr>
+          </a:br>
+          <a:r>
+            <a:rPr lang="en-US">
+              <a:cs typeface="Segoe UI" panose="020B0502040204020203" pitchFamily="34" charset="0"/>
+            </a:rPr>
+            <a:t>Registered users can create their own personal lists of guides to visit </a:t>
+          </a:r>
+          <a:endParaRPr lang="it-IT" dirty="0"/>
+        </a:p>
+      </dgm:t>
+    </dgm:pt>
+    <dgm:pt modelId="{4A5A4FE9-A264-4A1F-8161-754788033318}" type="parTrans" cxnId="{862A5039-E017-4103-AE62-5251BCC1AAF6}">
+      <dgm:prSet/>
+      <dgm:spPr/>
+      <dgm:t>
+        <a:bodyPr/>
+        <a:lstStyle/>
+        <a:p>
+          <a:endParaRPr lang="it-IT"/>
+        </a:p>
+      </dgm:t>
+    </dgm:pt>
+    <dgm:pt modelId="{C865E5D6-9541-485B-BCCB-73C41FCA830D}" type="sibTrans" cxnId="{862A5039-E017-4103-AE62-5251BCC1AAF6}">
+      <dgm:prSet/>
+      <dgm:spPr/>
+      <dgm:t>
+        <a:bodyPr/>
+        <a:lstStyle/>
+        <a:p>
+          <a:endParaRPr lang="it-IT"/>
+        </a:p>
+      </dgm:t>
+    </dgm:pt>
+    <dgm:pt modelId="{70761E30-16C3-4931-B204-E9C6D63888C7}">
+      <dgm:prSet phldrT="[Testo]"/>
+      <dgm:spPr/>
+      <dgm:t>
+        <a:bodyPr/>
+        <a:lstStyle/>
+        <a:p>
+          <a:r>
+            <a:rPr lang="en-US">
+              <a:cs typeface="Segoe UI" panose="020B0502040204020203" pitchFamily="34" charset="0"/>
+            </a:rPr>
+            <a:t>Registered users can comment and rate the guide with reactions</a:t>
+          </a:r>
+          <a:endParaRPr lang="it-IT" dirty="0"/>
+        </a:p>
+      </dgm:t>
+    </dgm:pt>
+    <dgm:pt modelId="{0DA3FECD-B81F-4AED-8035-ACF090E6A0B2}" type="parTrans" cxnId="{833E1FE7-D93D-4FBA-AF4B-C201E897FE10}">
+      <dgm:prSet/>
+      <dgm:spPr/>
+      <dgm:t>
+        <a:bodyPr/>
+        <a:lstStyle/>
+        <a:p>
+          <a:endParaRPr lang="it-IT"/>
+        </a:p>
+      </dgm:t>
+    </dgm:pt>
+    <dgm:pt modelId="{6D422DC8-010E-4EE7-A112-BD41C3B89F8C}" type="sibTrans" cxnId="{833E1FE7-D93D-4FBA-AF4B-C201E897FE10}">
+      <dgm:prSet/>
+      <dgm:spPr/>
+      <dgm:t>
+        <a:bodyPr/>
+        <a:lstStyle/>
+        <a:p>
+          <a:endParaRPr lang="it-IT"/>
+        </a:p>
+      </dgm:t>
+    </dgm:pt>
+    <dgm:pt modelId="{FB5337BB-04AF-47BE-B238-F229C9EB9253}">
+      <dgm:prSet phldrT="[Testo]"/>
+      <dgm:spPr/>
+      <dgm:t>
+        <a:bodyPr/>
+        <a:lstStyle/>
+        <a:p>
+          <a:r>
+            <a:rPr lang="en-US">
+              <a:cs typeface="Segoe UI" panose="020B0502040204020203" pitchFamily="34" charset="0"/>
+            </a:rPr>
+            <a:t>Those who are registered can also contribute and write their own guide. If approved, it can be researched by anyone under given category </a:t>
+          </a:r>
+          <a:endParaRPr lang="it-IT" dirty="0"/>
+        </a:p>
+      </dgm:t>
+    </dgm:pt>
+    <dgm:pt modelId="{31E2BB42-8169-4A17-A879-12D6A02D84B0}" type="parTrans" cxnId="{31A9FBA6-D09B-4BED-A417-5823CC5FBD50}">
+      <dgm:prSet/>
+      <dgm:spPr/>
+      <dgm:t>
+        <a:bodyPr/>
+        <a:lstStyle/>
+        <a:p>
+          <a:endParaRPr lang="it-IT"/>
+        </a:p>
+      </dgm:t>
+    </dgm:pt>
+    <dgm:pt modelId="{7D494554-FEFC-4AF7-921E-F68E5F40CD32}" type="sibTrans" cxnId="{31A9FBA6-D09B-4BED-A417-5823CC5FBD50}">
+      <dgm:prSet/>
+      <dgm:spPr/>
+      <dgm:t>
+        <a:bodyPr/>
+        <a:lstStyle/>
+        <a:p>
+          <a:endParaRPr lang="it-IT"/>
+        </a:p>
+      </dgm:t>
+    </dgm:pt>
+    <dgm:pt modelId="{76F4B152-554F-4127-A80E-694B3433F8D9}" type="pres">
+      <dgm:prSet presAssocID="{37FF8B36-F899-451D-A4C2-9A985D416C11}" presName="linear" presStyleCnt="0">
+        <dgm:presLayoutVars>
+          <dgm:dir/>
+          <dgm:animLvl val="lvl"/>
+          <dgm:resizeHandles val="exact"/>
+        </dgm:presLayoutVars>
+      </dgm:prSet>
+      <dgm:spPr/>
+    </dgm:pt>
+    <dgm:pt modelId="{FBACB660-5BA4-401B-A857-1A90E81A80E0}" type="pres">
+      <dgm:prSet presAssocID="{509544B1-8682-4CFB-99C3-99AE65F14FB8}" presName="parentLin" presStyleCnt="0"/>
+      <dgm:spPr/>
+    </dgm:pt>
+    <dgm:pt modelId="{228FFBCB-2730-4388-9A28-98BCF831B4EB}" type="pres">
+      <dgm:prSet presAssocID="{509544B1-8682-4CFB-99C3-99AE65F14FB8}" presName="parentLeftMargin" presStyleLbl="node1" presStyleIdx="0" presStyleCnt="3"/>
+      <dgm:spPr/>
+    </dgm:pt>
+    <dgm:pt modelId="{C342D461-31C5-4B38-8687-B45F17612DAE}" type="pres">
+      <dgm:prSet presAssocID="{509544B1-8682-4CFB-99C3-99AE65F14FB8}" presName="parentText" presStyleLbl="node1" presStyleIdx="0" presStyleCnt="3">
+        <dgm:presLayoutVars>
+          <dgm:chMax val="0"/>
+          <dgm:bulletEnabled val="1"/>
+        </dgm:presLayoutVars>
+      </dgm:prSet>
+      <dgm:spPr/>
+    </dgm:pt>
+    <dgm:pt modelId="{B2B91FC7-73C4-4F33-BEE9-51670E51176C}" type="pres">
+      <dgm:prSet presAssocID="{509544B1-8682-4CFB-99C3-99AE65F14FB8}" presName="negativeSpace" presStyleCnt="0"/>
+      <dgm:spPr/>
+    </dgm:pt>
+    <dgm:pt modelId="{8752F7B8-D0B6-4CAD-BC94-16816DDEF3E9}" type="pres">
+      <dgm:prSet presAssocID="{509544B1-8682-4CFB-99C3-99AE65F14FB8}" presName="childText" presStyleLbl="conFgAcc1" presStyleIdx="0" presStyleCnt="3">
+        <dgm:presLayoutVars>
+          <dgm:bulletEnabled val="1"/>
+        </dgm:presLayoutVars>
+      </dgm:prSet>
+      <dgm:spPr/>
+    </dgm:pt>
+    <dgm:pt modelId="{012CDD4B-7C34-44C5-8F83-74CFF0411EA7}" type="pres">
+      <dgm:prSet presAssocID="{51B198AD-4176-485D-B301-05B8C8385F68}" presName="spaceBetweenRectangles" presStyleCnt="0"/>
+      <dgm:spPr/>
+    </dgm:pt>
+    <dgm:pt modelId="{C1E88448-70A3-4F14-851F-1901EACC1920}" type="pres">
+      <dgm:prSet presAssocID="{9376F86D-BB20-4ED8-ADE9-9A55ABBCB171}" presName="parentLin" presStyleCnt="0"/>
+      <dgm:spPr/>
+    </dgm:pt>
+    <dgm:pt modelId="{80CAF0E2-2397-4E34-8B43-1CA64BB6FA2F}" type="pres">
+      <dgm:prSet presAssocID="{9376F86D-BB20-4ED8-ADE9-9A55ABBCB171}" presName="parentLeftMargin" presStyleLbl="node1" presStyleIdx="0" presStyleCnt="3"/>
+      <dgm:spPr/>
+    </dgm:pt>
+    <dgm:pt modelId="{1F0B3AC5-6E14-4B12-ADB3-7CFD73337E90}" type="pres">
+      <dgm:prSet presAssocID="{9376F86D-BB20-4ED8-ADE9-9A55ABBCB171}" presName="parentText" presStyleLbl="node1" presStyleIdx="1" presStyleCnt="3">
+        <dgm:presLayoutVars>
+          <dgm:chMax val="0"/>
+          <dgm:bulletEnabled val="1"/>
+        </dgm:presLayoutVars>
+      </dgm:prSet>
+      <dgm:spPr/>
+    </dgm:pt>
+    <dgm:pt modelId="{A879B3A9-BA11-4979-8BBE-34EA964C0BD5}" type="pres">
+      <dgm:prSet presAssocID="{9376F86D-BB20-4ED8-ADE9-9A55ABBCB171}" presName="negativeSpace" presStyleCnt="0"/>
+      <dgm:spPr/>
+    </dgm:pt>
+    <dgm:pt modelId="{AF08B3F1-2702-4E30-82A2-0DB9FDD36A5C}" type="pres">
+      <dgm:prSet presAssocID="{9376F86D-BB20-4ED8-ADE9-9A55ABBCB171}" presName="childText" presStyleLbl="conFgAcc1" presStyleIdx="1" presStyleCnt="3">
+        <dgm:presLayoutVars>
+          <dgm:bulletEnabled val="1"/>
+        </dgm:presLayoutVars>
+      </dgm:prSet>
+      <dgm:spPr/>
+    </dgm:pt>
+    <dgm:pt modelId="{EF1713C1-7159-40FF-ABBA-896CF33AC50A}" type="pres">
+      <dgm:prSet presAssocID="{E35507E4-08F2-4E66-8D1F-76A447F2B9A8}" presName="spaceBetweenRectangles" presStyleCnt="0"/>
+      <dgm:spPr/>
+    </dgm:pt>
+    <dgm:pt modelId="{4952C6A9-0F7E-420C-BA93-AE8716D38E17}" type="pres">
+      <dgm:prSet presAssocID="{34B434D6-332E-4992-A89E-52D3B92672AA}" presName="parentLin" presStyleCnt="0"/>
+      <dgm:spPr/>
+    </dgm:pt>
+    <dgm:pt modelId="{98C1AB4C-1C66-4630-875B-6328DA659541}" type="pres">
+      <dgm:prSet presAssocID="{34B434D6-332E-4992-A89E-52D3B92672AA}" presName="parentLeftMargin" presStyleLbl="node1" presStyleIdx="1" presStyleCnt="3"/>
+      <dgm:spPr/>
+    </dgm:pt>
+    <dgm:pt modelId="{6F78D9F1-E1C6-42C0-B727-C6E7CE70906E}" type="pres">
+      <dgm:prSet presAssocID="{34B434D6-332E-4992-A89E-52D3B92672AA}" presName="parentText" presStyleLbl="node1" presStyleIdx="2" presStyleCnt="3">
+        <dgm:presLayoutVars>
+          <dgm:chMax val="0"/>
+          <dgm:bulletEnabled val="1"/>
+        </dgm:presLayoutVars>
+      </dgm:prSet>
+      <dgm:spPr/>
+    </dgm:pt>
+    <dgm:pt modelId="{7F2724BB-8A69-47C9-9FAE-0BF6F4AD8BD7}" type="pres">
+      <dgm:prSet presAssocID="{34B434D6-332E-4992-A89E-52D3B92672AA}" presName="negativeSpace" presStyleCnt="0"/>
+      <dgm:spPr/>
+    </dgm:pt>
+    <dgm:pt modelId="{C449F326-FFFE-452A-AE1F-B59A735CAD2E}" type="pres">
+      <dgm:prSet presAssocID="{34B434D6-332E-4992-A89E-52D3B92672AA}" presName="childText" presStyleLbl="conFgAcc1" presStyleIdx="2" presStyleCnt="3">
+        <dgm:presLayoutVars>
+          <dgm:bulletEnabled val="1"/>
+        </dgm:presLayoutVars>
+      </dgm:prSet>
+      <dgm:spPr/>
+    </dgm:pt>
+  </dgm:ptLst>
+  <dgm:cxnLst>
+    <dgm:cxn modelId="{E89F1101-2AFB-43D5-BDC8-9A31F9AED299}" type="presOf" srcId="{9376F86D-BB20-4ED8-ADE9-9A55ABBCB171}" destId="{80CAF0E2-2397-4E34-8B43-1CA64BB6FA2F}" srcOrd="0" destOrd="0" presId="urn:microsoft.com/office/officeart/2005/8/layout/list1"/>
+    <dgm:cxn modelId="{A5E57B02-4B73-416D-B7C2-20424764C623}" type="presOf" srcId="{50E8C6B7-9745-4BBD-B28A-83341A814EC7}" destId="{8752F7B8-D0B6-4CAD-BC94-16816DDEF3E9}" srcOrd="0" destOrd="0" presId="urn:microsoft.com/office/officeart/2005/8/layout/list1"/>
+    <dgm:cxn modelId="{E1A9BB13-9081-4BEE-B7A6-F34BC95F8E2B}" type="presOf" srcId="{9376F86D-BB20-4ED8-ADE9-9A55ABBCB171}" destId="{1F0B3AC5-6E14-4B12-ADB3-7CFD73337E90}" srcOrd="1" destOrd="0" presId="urn:microsoft.com/office/officeart/2005/8/layout/list1"/>
+    <dgm:cxn modelId="{99EA681F-295F-4CF0-91D1-B5157C7F916E}" type="presOf" srcId="{70761E30-16C3-4931-B204-E9C6D63888C7}" destId="{AF08B3F1-2702-4E30-82A2-0DB9FDD36A5C}" srcOrd="0" destOrd="0" presId="urn:microsoft.com/office/officeart/2005/8/layout/list1"/>
+    <dgm:cxn modelId="{606DC524-4B74-4780-848C-824D3AB09E7F}" type="presOf" srcId="{FB5337BB-04AF-47BE-B238-F229C9EB9253}" destId="{C449F326-FFFE-452A-AE1F-B59A735CAD2E}" srcOrd="0" destOrd="0" presId="urn:microsoft.com/office/officeart/2005/8/layout/list1"/>
+    <dgm:cxn modelId="{862A5039-E017-4103-AE62-5251BCC1AAF6}" srcId="{509544B1-8682-4CFB-99C3-99AE65F14FB8}" destId="{50E8C6B7-9745-4BBD-B28A-83341A814EC7}" srcOrd="0" destOrd="0" parTransId="{4A5A4FE9-A264-4A1F-8161-754788033318}" sibTransId="{C865E5D6-9541-485B-BCCB-73C41FCA830D}"/>
+    <dgm:cxn modelId="{EFFC9B74-4B05-414F-A55A-0762B44C35E0}" srcId="{37FF8B36-F899-451D-A4C2-9A985D416C11}" destId="{34B434D6-332E-4992-A89E-52D3B92672AA}" srcOrd="2" destOrd="0" parTransId="{DE21EAB4-19F5-4D37-9BAC-A4BC9C461C02}" sibTransId="{504E4BFD-5224-4554-882B-171427ED9FAF}"/>
+    <dgm:cxn modelId="{31A9FBA6-D09B-4BED-A417-5823CC5FBD50}" srcId="{34B434D6-332E-4992-A89E-52D3B92672AA}" destId="{FB5337BB-04AF-47BE-B238-F229C9EB9253}" srcOrd="0" destOrd="0" parTransId="{31E2BB42-8169-4A17-A879-12D6A02D84B0}" sibTransId="{7D494554-FEFC-4AF7-921E-F68E5F40CD32}"/>
+    <dgm:cxn modelId="{0D2410A7-437B-4024-889A-C60B840907F7}" type="presOf" srcId="{34B434D6-332E-4992-A89E-52D3B92672AA}" destId="{6F78D9F1-E1C6-42C0-B727-C6E7CE70906E}" srcOrd="1" destOrd="0" presId="urn:microsoft.com/office/officeart/2005/8/layout/list1"/>
+    <dgm:cxn modelId="{8EEC1DAD-E89E-4006-A6DC-881DA17CBDDD}" srcId="{37FF8B36-F899-451D-A4C2-9A985D416C11}" destId="{9376F86D-BB20-4ED8-ADE9-9A55ABBCB171}" srcOrd="1" destOrd="0" parTransId="{849A8F4C-EE75-47B9-8A08-DBE6976ED1A4}" sibTransId="{E35507E4-08F2-4E66-8D1F-76A447F2B9A8}"/>
+    <dgm:cxn modelId="{36B549BD-0D39-466B-BC76-0250994D5498}" type="presOf" srcId="{509544B1-8682-4CFB-99C3-99AE65F14FB8}" destId="{C342D461-31C5-4B38-8687-B45F17612DAE}" srcOrd="1" destOrd="0" presId="urn:microsoft.com/office/officeart/2005/8/layout/list1"/>
+    <dgm:cxn modelId="{AD6EE0C4-1C47-495E-B01F-580C57317019}" srcId="{37FF8B36-F899-451D-A4C2-9A985D416C11}" destId="{509544B1-8682-4CFB-99C3-99AE65F14FB8}" srcOrd="0" destOrd="0" parTransId="{7BBDD8DF-AB92-410B-8934-2CD2950ED332}" sibTransId="{51B198AD-4176-485D-B301-05B8C8385F68}"/>
+    <dgm:cxn modelId="{F74E7FD7-AB96-4B58-9311-28577F6F389F}" type="presOf" srcId="{37FF8B36-F899-451D-A4C2-9A985D416C11}" destId="{76F4B152-554F-4127-A80E-694B3433F8D9}" srcOrd="0" destOrd="0" presId="urn:microsoft.com/office/officeart/2005/8/layout/list1"/>
+    <dgm:cxn modelId="{F04A5CE6-E2C9-489A-A73A-0FF964967EE5}" type="presOf" srcId="{509544B1-8682-4CFB-99C3-99AE65F14FB8}" destId="{228FFBCB-2730-4388-9A28-98BCF831B4EB}" srcOrd="0" destOrd="0" presId="urn:microsoft.com/office/officeart/2005/8/layout/list1"/>
+    <dgm:cxn modelId="{4E5AD8E6-473B-4D1D-A409-F82620A14D82}" type="presOf" srcId="{34B434D6-332E-4992-A89E-52D3B92672AA}" destId="{98C1AB4C-1C66-4630-875B-6328DA659541}" srcOrd="0" destOrd="0" presId="urn:microsoft.com/office/officeart/2005/8/layout/list1"/>
+    <dgm:cxn modelId="{833E1FE7-D93D-4FBA-AF4B-C201E897FE10}" srcId="{9376F86D-BB20-4ED8-ADE9-9A55ABBCB171}" destId="{70761E30-16C3-4931-B204-E9C6D63888C7}" srcOrd="0" destOrd="0" parTransId="{0DA3FECD-B81F-4AED-8035-ACF090E6A0B2}" sibTransId="{6D422DC8-010E-4EE7-A112-BD41C3B89F8C}"/>
+    <dgm:cxn modelId="{0BBE393D-B875-491A-9518-D7AC49E2CC61}" type="presParOf" srcId="{76F4B152-554F-4127-A80E-694B3433F8D9}" destId="{FBACB660-5BA4-401B-A857-1A90E81A80E0}" srcOrd="0" destOrd="0" presId="urn:microsoft.com/office/officeart/2005/8/layout/list1"/>
+    <dgm:cxn modelId="{6D22612C-3CF7-48FA-863F-5CD12CF61B05}" type="presParOf" srcId="{FBACB660-5BA4-401B-A857-1A90E81A80E0}" destId="{228FFBCB-2730-4388-9A28-98BCF831B4EB}" srcOrd="0" destOrd="0" presId="urn:microsoft.com/office/officeart/2005/8/layout/list1"/>
+    <dgm:cxn modelId="{BBE26CE7-5E2A-4BBD-8CD2-9E19B9354809}" type="presParOf" srcId="{FBACB660-5BA4-401B-A857-1A90E81A80E0}" destId="{C342D461-31C5-4B38-8687-B45F17612DAE}" srcOrd="1" destOrd="0" presId="urn:microsoft.com/office/officeart/2005/8/layout/list1"/>
+    <dgm:cxn modelId="{DC355BC7-E351-4777-A96C-B6599F4BC6B8}" type="presParOf" srcId="{76F4B152-554F-4127-A80E-694B3433F8D9}" destId="{B2B91FC7-73C4-4F33-BEE9-51670E51176C}" srcOrd="1" destOrd="0" presId="urn:microsoft.com/office/officeart/2005/8/layout/list1"/>
+    <dgm:cxn modelId="{7461E64B-44AD-44BF-BBE5-B36A320817DE}" type="presParOf" srcId="{76F4B152-554F-4127-A80E-694B3433F8D9}" destId="{8752F7B8-D0B6-4CAD-BC94-16816DDEF3E9}" srcOrd="2" destOrd="0" presId="urn:microsoft.com/office/officeart/2005/8/layout/list1"/>
+    <dgm:cxn modelId="{9697CB73-457C-4012-BF49-BFC5DBFA62BF}" type="presParOf" srcId="{76F4B152-554F-4127-A80E-694B3433F8D9}" destId="{012CDD4B-7C34-44C5-8F83-74CFF0411EA7}" srcOrd="3" destOrd="0" presId="urn:microsoft.com/office/officeart/2005/8/layout/list1"/>
+    <dgm:cxn modelId="{A96FE015-865A-4C46-9F5D-638A59839134}" type="presParOf" srcId="{76F4B152-554F-4127-A80E-694B3433F8D9}" destId="{C1E88448-70A3-4F14-851F-1901EACC1920}" srcOrd="4" destOrd="0" presId="urn:microsoft.com/office/officeart/2005/8/layout/list1"/>
+    <dgm:cxn modelId="{D2FF011D-BC47-4CC4-B829-EF6505157981}" type="presParOf" srcId="{C1E88448-70A3-4F14-851F-1901EACC1920}" destId="{80CAF0E2-2397-4E34-8B43-1CA64BB6FA2F}" srcOrd="0" destOrd="0" presId="urn:microsoft.com/office/officeart/2005/8/layout/list1"/>
+    <dgm:cxn modelId="{EAA17157-B2A0-4190-9003-0603B35B7AA5}" type="presParOf" srcId="{C1E88448-70A3-4F14-851F-1901EACC1920}" destId="{1F0B3AC5-6E14-4B12-ADB3-7CFD73337E90}" srcOrd="1" destOrd="0" presId="urn:microsoft.com/office/officeart/2005/8/layout/list1"/>
+    <dgm:cxn modelId="{AC470596-6CE7-46F3-80F6-C2DFC01778D4}" type="presParOf" srcId="{76F4B152-554F-4127-A80E-694B3433F8D9}" destId="{A879B3A9-BA11-4979-8BBE-34EA964C0BD5}" srcOrd="5" destOrd="0" presId="urn:microsoft.com/office/officeart/2005/8/layout/list1"/>
+    <dgm:cxn modelId="{57669BBB-999C-4666-8F49-C3CFEFD9BB00}" type="presParOf" srcId="{76F4B152-554F-4127-A80E-694B3433F8D9}" destId="{AF08B3F1-2702-4E30-82A2-0DB9FDD36A5C}" srcOrd="6" destOrd="0" presId="urn:microsoft.com/office/officeart/2005/8/layout/list1"/>
+    <dgm:cxn modelId="{63A2AF94-364B-4899-A509-6988E83DE469}" type="presParOf" srcId="{76F4B152-554F-4127-A80E-694B3433F8D9}" destId="{EF1713C1-7159-40FF-ABBA-896CF33AC50A}" srcOrd="7" destOrd="0" presId="urn:microsoft.com/office/officeart/2005/8/layout/list1"/>
+    <dgm:cxn modelId="{56497B1A-3461-43E5-B700-5FBFCEDE8A3A}" type="presParOf" srcId="{76F4B152-554F-4127-A80E-694B3433F8D9}" destId="{4952C6A9-0F7E-420C-BA93-AE8716D38E17}" srcOrd="8" destOrd="0" presId="urn:microsoft.com/office/officeart/2005/8/layout/list1"/>
+    <dgm:cxn modelId="{8D1C1175-FCDF-45FE-ADA5-E2BE21F9FC49}" type="presParOf" srcId="{4952C6A9-0F7E-420C-BA93-AE8716D38E17}" destId="{98C1AB4C-1C66-4630-875B-6328DA659541}" srcOrd="0" destOrd="0" presId="urn:microsoft.com/office/officeart/2005/8/layout/list1"/>
+    <dgm:cxn modelId="{2737C047-503B-4F05-B65F-834D9C65906D}" type="presParOf" srcId="{4952C6A9-0F7E-420C-BA93-AE8716D38E17}" destId="{6F78D9F1-E1C6-42C0-B727-C6E7CE70906E}" srcOrd="1" destOrd="0" presId="urn:microsoft.com/office/officeart/2005/8/layout/list1"/>
+    <dgm:cxn modelId="{826D9F7A-4434-4DAA-941B-819BE63E7332}" type="presParOf" srcId="{76F4B152-554F-4127-A80E-694B3433F8D9}" destId="{7F2724BB-8A69-47C9-9FAE-0BF6F4AD8BD7}" srcOrd="9" destOrd="0" presId="urn:microsoft.com/office/officeart/2005/8/layout/list1"/>
+    <dgm:cxn modelId="{A734898A-83C0-4693-BA82-829B50076BEE}" type="presParOf" srcId="{76F4B152-554F-4127-A80E-694B3433F8D9}" destId="{C449F326-FFFE-452A-AE1F-B59A735CAD2E}" srcOrd="10" destOrd="0" presId="urn:microsoft.com/office/officeart/2005/8/layout/list1"/>
+  </dgm:cxnLst>
+  <dgm:bg/>
+  <dgm:whole/>
+  <dgm:extLst>
+    <a:ext uri="http://schemas.microsoft.com/office/drawing/2008/diagram">
+      <dsp:dataModelExt xmlns:dsp="http://schemas.microsoft.com/office/drawing/2008/diagram" relId="rId7" minVer="http://schemas.openxmlformats.org/drawingml/2006/diagram"/>
+    </a:ext>
+  </dgm:extLst>
+</dgm:dataModel>
+</file>
+
+<file path=ppt/diagrams/data2.xml><?xml version="1.0" encoding="utf-8"?>
+<dgm:dataModel xmlns:dgm="http://schemas.openxmlformats.org/drawingml/2006/diagram" xmlns:a="http://schemas.openxmlformats.org/drawingml/2006/main">
+  <dgm:ptLst>
     <dgm:pt modelId="{F46D156F-159D-4A31-A4B6-2570A726F36E}" type="doc">
-      <dgm:prSet loTypeId="urn:microsoft.com/office/officeart/2005/8/layout/cycle4" loCatId="relationship" qsTypeId="urn:microsoft.com/office/officeart/2005/8/quickstyle/simple5" qsCatId="simple" csTypeId="urn:microsoft.com/office/officeart/2005/8/colors/colorful1" csCatId="colorful" phldr="1"/>
+      <dgm:prSet loTypeId="urn:microsoft.com/office/officeart/2005/8/layout/lProcess2" loCatId="relationship" qsTypeId="urn:microsoft.com/office/officeart/2005/8/quickstyle/simple5" qsCatId="simple" csTypeId="urn:microsoft.com/office/officeart/2005/8/colors/colorful1" csCatId="colorful" phldr="1"/>
       <dgm:spPr/>
       <dgm:t>
         <a:bodyPr/>
@@ -1207,17 +2522,17 @@
       </dgm:t>
     </dgm:pt>
     <dgm:pt modelId="{2EED4999-2089-42BD-B378-398C4AFF5DD1}">
-      <dgm:prSet phldrT="[Testo]"/>
+      <dgm:prSet phldrT="[Testo]" custT="1"/>
       <dgm:spPr/>
       <dgm:t>
         <a:bodyPr/>
         <a:lstStyle/>
         <a:p>
           <a:r>
-            <a:rPr lang="en-US" b="1" dirty="0"/>
+            <a:rPr lang="en-US" sz="1700" b="1" dirty="0"/>
             <a:t>Must describe all tools used</a:t>
           </a:r>
-          <a:endParaRPr lang="it-IT" b="1" dirty="0"/>
+          <a:endParaRPr lang="it-IT" sz="1700" b="1" dirty="0"/>
         </a:p>
       </dgm:t>
     </dgm:pt>
@@ -1251,10 +2566,10 @@
         <a:lstStyle/>
         <a:p>
           <a:r>
-            <a:rPr lang="en-US" sz="1400" dirty="0"/>
+            <a:rPr lang="en-US" sz="1800" dirty="0"/>
             <a:t>Any tool of the manual type, or even the digital type, such as software, can be described</a:t>
           </a:r>
-          <a:endParaRPr lang="it-IT" sz="1400" dirty="0"/>
+          <a:endParaRPr lang="it-IT" sz="1800" dirty="0"/>
         </a:p>
       </dgm:t>
     </dgm:pt>
@@ -1281,17 +2596,17 @@
       </dgm:t>
     </dgm:pt>
     <dgm:pt modelId="{3877CA04-24C1-48B3-A9E0-23595455CF9A}">
-      <dgm:prSet phldrT="[Testo]"/>
+      <dgm:prSet phldrT="[Testo]" custT="1"/>
       <dgm:spPr/>
       <dgm:t>
         <a:bodyPr/>
         <a:lstStyle/>
         <a:p>
           <a:r>
-            <a:rPr lang="en-US" dirty="0"/>
+            <a:rPr lang="en-US" sz="2000" dirty="0"/>
             <a:t>It could have a Wikipedia-style binder of suggestions.</a:t>
           </a:r>
-          <a:endParaRPr lang="it-IT" dirty="0"/>
+          <a:endParaRPr lang="it-IT" sz="2000" dirty="0"/>
         </a:p>
       </dgm:t>
     </dgm:pt>
@@ -1318,17 +2633,17 @@
       </dgm:t>
     </dgm:pt>
     <dgm:pt modelId="{CF7EA0AC-9DA2-4156-BB12-2D5C8C55AA3F}">
-      <dgm:prSet phldrT="[Testo]"/>
+      <dgm:prSet phldrT="[Testo]" custT="1"/>
       <dgm:spPr/>
       <dgm:t>
         <a:bodyPr/>
         <a:lstStyle/>
         <a:p>
           <a:r>
-            <a:rPr lang="en-US" b="1" dirty="0"/>
+            <a:rPr lang="en-US" sz="1700" b="1" dirty="0"/>
             <a:t>Describes the list of spare parts</a:t>
           </a:r>
-          <a:endParaRPr lang="it-IT" b="1" dirty="0"/>
+          <a:endParaRPr lang="it-IT" sz="1700" b="1" dirty="0"/>
         </a:p>
       </dgm:t>
     </dgm:pt>
@@ -1362,10 +2677,10 @@
         <a:lstStyle/>
         <a:p>
           <a:r>
-            <a:rPr lang="en-US" sz="1400" dirty="0"/>
+            <a:rPr lang="en-US" sz="1800" dirty="0"/>
             <a:t>Describes in the header and the guide itself all used and optional components, redirecting to the store</a:t>
           </a:r>
-          <a:endParaRPr lang="it-IT" sz="1400" dirty="0"/>
+          <a:endParaRPr lang="it-IT" sz="1800" dirty="0"/>
         </a:p>
       </dgm:t>
     </dgm:pt>
@@ -1391,10 +2706,83 @@
         </a:p>
       </dgm:t>
     </dgm:pt>
-    <dgm:pt modelId="{7B3EC574-7FA9-40BB-BE03-30F973E22A6C}" type="pres">
-      <dgm:prSet presAssocID="{F46D156F-159D-4A31-A4B6-2570A726F36E}" presName="cycleMatrixDiagram" presStyleCnt="0">
+    <dgm:pt modelId="{515BBF43-8916-4540-9133-4DA6CE3457BB}">
+      <dgm:prSet phldrT="[Testo]"/>
+      <dgm:spPr/>
+      <dgm:t>
+        <a:bodyPr/>
+        <a:lstStyle/>
+        <a:p>
+          <a:r>
+            <a:rPr lang="en-US" b="1" dirty="0"/>
+            <a:t>Keywords and demonstration images</a:t>
+          </a:r>
+          <a:endParaRPr lang="it-IT" b="1" dirty="0"/>
+        </a:p>
+      </dgm:t>
+    </dgm:pt>
+    <dgm:pt modelId="{D1DFED0A-BF7F-45B8-AFEB-4C20BCA82A90}" type="parTrans" cxnId="{BF9B54F7-2795-48F8-BB1F-D4F302312053}">
+      <dgm:prSet/>
+      <dgm:spPr/>
+      <dgm:t>
+        <a:bodyPr/>
+        <a:lstStyle/>
+        <a:p>
+          <a:endParaRPr lang="it-IT"/>
+        </a:p>
+      </dgm:t>
+    </dgm:pt>
+    <dgm:pt modelId="{6B72477B-75DD-433D-8BBC-256E2CB80898}" type="sibTrans" cxnId="{BF9B54F7-2795-48F8-BB1F-D4F302312053}">
+      <dgm:prSet/>
+      <dgm:spPr/>
+      <dgm:t>
+        <a:bodyPr/>
+        <a:lstStyle/>
+        <a:p>
+          <a:endParaRPr lang="it-IT"/>
+        </a:p>
+      </dgm:t>
+    </dgm:pt>
+    <dgm:pt modelId="{4D3D1910-F6AF-46D4-8964-15622B70ACE0}">
+      <dgm:prSet phldrT="[Testo]" custT="1"/>
+      <dgm:spPr/>
+      <dgm:t>
+        <a:bodyPr/>
+        <a:lstStyle/>
+        <a:p>
+          <a:r>
+            <a:rPr lang="en-US" sz="2400" b="0" dirty="0"/>
+            <a:t>Demonstrated step-by-step to facilitate the user's work</a:t>
+          </a:r>
+          <a:endParaRPr lang="it-IT" sz="2400" b="0" dirty="0"/>
+        </a:p>
+      </dgm:t>
+    </dgm:pt>
+    <dgm:pt modelId="{E28DDF02-FBD7-45AB-A575-F6BBE0296F23}" type="parTrans" cxnId="{5FCF8592-767A-4D69-B5FF-3EA98EC4C675}">
+      <dgm:prSet/>
+      <dgm:spPr/>
+      <dgm:t>
+        <a:bodyPr/>
+        <a:lstStyle/>
+        <a:p>
+          <a:endParaRPr lang="it-IT"/>
+        </a:p>
+      </dgm:t>
+    </dgm:pt>
+    <dgm:pt modelId="{433F9865-3020-4709-91B4-2672941FD6F3}" type="sibTrans" cxnId="{5FCF8592-767A-4D69-B5FF-3EA98EC4C675}">
+      <dgm:prSet/>
+      <dgm:spPr/>
+      <dgm:t>
+        <a:bodyPr/>
+        <a:lstStyle/>
+        <a:p>
+          <a:endParaRPr lang="it-IT"/>
+        </a:p>
+      </dgm:t>
+    </dgm:pt>
+    <dgm:pt modelId="{18FBE551-E08F-4004-BD1C-8CF492D6C0E7}" type="pres">
+      <dgm:prSet presAssocID="{F46D156F-159D-4A31-A4B6-2570A726F36E}" presName="theList" presStyleCnt="0">
         <dgm:presLayoutVars>
-          <dgm:chMax val="1"/>
           <dgm:dir/>
           <dgm:animLvl val="lvl"/>
           <dgm:resizeHandles val="exact"/>
@@ -1402,175 +2790,224 @@
       </dgm:prSet>
       <dgm:spPr/>
     </dgm:pt>
-    <dgm:pt modelId="{F3C5CE7F-E3C6-4266-B93C-9E64EDE9A8CB}" type="pres">
-      <dgm:prSet presAssocID="{F46D156F-159D-4A31-A4B6-2570A726F36E}" presName="children" presStyleCnt="0"/>
+    <dgm:pt modelId="{38511D35-22DC-4763-A252-2854A100AA09}" type="pres">
+      <dgm:prSet presAssocID="{515BBF43-8916-4540-9133-4DA6CE3457BB}" presName="compNode" presStyleCnt="0"/>
       <dgm:spPr/>
     </dgm:pt>
-    <dgm:pt modelId="{7B4E2CD8-EB3C-46F9-9160-B44B36538B86}" type="pres">
-      <dgm:prSet presAssocID="{F46D156F-159D-4A31-A4B6-2570A726F36E}" presName="child1group" presStyleCnt="0"/>
+    <dgm:pt modelId="{63868493-A5B0-4EFB-BFD6-B73A078941D3}" type="pres">
+      <dgm:prSet presAssocID="{515BBF43-8916-4540-9133-4DA6CE3457BB}" presName="aNode" presStyleLbl="bgShp" presStyleIdx="0" presStyleCnt="5"/>
       <dgm:spPr/>
     </dgm:pt>
-    <dgm:pt modelId="{6B7D53B6-4B03-4F75-94C4-46F60E24E9CE}" type="pres">
-      <dgm:prSet presAssocID="{F46D156F-159D-4A31-A4B6-2570A726F36E}" presName="child1" presStyleLbl="bgAcc1" presStyleIdx="0" presStyleCnt="4" custLinFactNeighborX="-14833"/>
+    <dgm:pt modelId="{1C8AB972-1E80-41A5-B830-7AD08359F3F3}" type="pres">
+      <dgm:prSet presAssocID="{515BBF43-8916-4540-9133-4DA6CE3457BB}" presName="textNode" presStyleLbl="bgShp" presStyleIdx="0" presStyleCnt="5"/>
       <dgm:spPr/>
     </dgm:pt>
-    <dgm:pt modelId="{F42F725E-0051-4DCD-A7FA-A836CFFB6FC1}" type="pres">
-      <dgm:prSet presAssocID="{F46D156F-159D-4A31-A4B6-2570A726F36E}" presName="child1Text" presStyleLbl="bgAcc1" presStyleIdx="0" presStyleCnt="4">
+    <dgm:pt modelId="{3348DEEB-15BF-4D2A-82F8-4960707DB77D}" type="pres">
+      <dgm:prSet presAssocID="{515BBF43-8916-4540-9133-4DA6CE3457BB}" presName="compChildNode" presStyleCnt="0"/>
+      <dgm:spPr/>
+    </dgm:pt>
+    <dgm:pt modelId="{027F834B-BDB9-4262-8839-90EAD00AAF9E}" type="pres">
+      <dgm:prSet presAssocID="{515BBF43-8916-4540-9133-4DA6CE3457BB}" presName="theInnerList" presStyleCnt="0"/>
+      <dgm:spPr/>
+    </dgm:pt>
+    <dgm:pt modelId="{22960FB9-B0EC-461B-9D29-93B56B7208CE}" type="pres">
+      <dgm:prSet presAssocID="{4D3D1910-F6AF-46D4-8964-15622B70ACE0}" presName="childNode" presStyleLbl="node1" presStyleIdx="0" presStyleCnt="5">
         <dgm:presLayoutVars>
           <dgm:bulletEnabled val="1"/>
         </dgm:presLayoutVars>
       </dgm:prSet>
       <dgm:spPr/>
     </dgm:pt>
-    <dgm:pt modelId="{BE19A346-E7ED-468A-B0CF-EB22E1916EAC}" type="pres">
-      <dgm:prSet presAssocID="{F46D156F-159D-4A31-A4B6-2570A726F36E}" presName="child2group" presStyleCnt="0"/>
+    <dgm:pt modelId="{8D27E1FC-34B3-429C-9A7C-FAD15F99C8F6}" type="pres">
+      <dgm:prSet presAssocID="{515BBF43-8916-4540-9133-4DA6CE3457BB}" presName="aSpace" presStyleCnt="0"/>
       <dgm:spPr/>
     </dgm:pt>
-    <dgm:pt modelId="{8855DE70-82B1-49F3-8995-1F08E099FB61}" type="pres">
-      <dgm:prSet presAssocID="{F46D156F-159D-4A31-A4B6-2570A726F36E}" presName="child2" presStyleLbl="bgAcc1" presStyleIdx="1" presStyleCnt="4" custLinFactNeighborX="9888" custLinFactNeighborY="-694"/>
+    <dgm:pt modelId="{0E251ECE-0266-44D3-B6B7-3263F671C317}" type="pres">
+      <dgm:prSet presAssocID="{A18226C6-9783-4446-BFDA-F7604FBDEB9E}" presName="compNode" presStyleCnt="0"/>
       <dgm:spPr/>
     </dgm:pt>
-    <dgm:pt modelId="{65A429FF-9653-49DD-B594-F06D27D1E7EB}" type="pres">
-      <dgm:prSet presAssocID="{F46D156F-159D-4A31-A4B6-2570A726F36E}" presName="child2Text" presStyleLbl="bgAcc1" presStyleIdx="1" presStyleCnt="4">
+    <dgm:pt modelId="{B613E02B-AD3A-4748-8ED7-52EB6444B941}" type="pres">
+      <dgm:prSet presAssocID="{A18226C6-9783-4446-BFDA-F7604FBDEB9E}" presName="aNode" presStyleLbl="bgShp" presStyleIdx="1" presStyleCnt="5"/>
+      <dgm:spPr/>
+    </dgm:pt>
+    <dgm:pt modelId="{6E14F9B9-3804-47CE-BC82-EFC0BA8F6308}" type="pres">
+      <dgm:prSet presAssocID="{A18226C6-9783-4446-BFDA-F7604FBDEB9E}" presName="textNode" presStyleLbl="bgShp" presStyleIdx="1" presStyleCnt="5"/>
+      <dgm:spPr/>
+    </dgm:pt>
+    <dgm:pt modelId="{56659B29-21D6-4D9F-B1CD-46D810065AAD}" type="pres">
+      <dgm:prSet presAssocID="{A18226C6-9783-4446-BFDA-F7604FBDEB9E}" presName="compChildNode" presStyleCnt="0"/>
+      <dgm:spPr/>
+    </dgm:pt>
+    <dgm:pt modelId="{088BC268-4D6A-4DD0-8AE5-051F81BD36F9}" type="pres">
+      <dgm:prSet presAssocID="{A18226C6-9783-4446-BFDA-F7604FBDEB9E}" presName="theInnerList" presStyleCnt="0"/>
+      <dgm:spPr/>
+    </dgm:pt>
+    <dgm:pt modelId="{1958474B-3B53-49A4-9FC5-C82F6C7D6B0A}" type="pres">
+      <dgm:prSet presAssocID="{3877CA04-24C1-48B3-A9E0-23595455CF9A}" presName="childNode" presStyleLbl="node1" presStyleIdx="1" presStyleCnt="5">
         <dgm:presLayoutVars>
           <dgm:bulletEnabled val="1"/>
         </dgm:presLayoutVars>
       </dgm:prSet>
       <dgm:spPr/>
     </dgm:pt>
-    <dgm:pt modelId="{9DE836EA-E11C-4619-9499-6EA843D39364}" type="pres">
-      <dgm:prSet presAssocID="{F46D156F-159D-4A31-A4B6-2570A726F36E}" presName="child3group" presStyleCnt="0"/>
+    <dgm:pt modelId="{378D0D5C-5883-446B-B14E-A815E0908DBF}" type="pres">
+      <dgm:prSet presAssocID="{A18226C6-9783-4446-BFDA-F7604FBDEB9E}" presName="aSpace" presStyleCnt="0"/>
       <dgm:spPr/>
     </dgm:pt>
-    <dgm:pt modelId="{EA650767-B41D-470C-B673-014A85E66645}" type="pres">
-      <dgm:prSet presAssocID="{F46D156F-159D-4A31-A4B6-2570A726F36E}" presName="child3" presStyleLbl="bgAcc1" presStyleIdx="2" presStyleCnt="4" custLinFactNeighborX="10338"/>
+    <dgm:pt modelId="{3C94C092-3340-441B-910D-707EBCE1D4B3}" type="pres">
+      <dgm:prSet presAssocID="{AE23422A-9A31-47DD-A9EB-02E6EDD534E0}" presName="compNode" presStyleCnt="0"/>
       <dgm:spPr/>
     </dgm:pt>
-    <dgm:pt modelId="{29149CD7-D8E8-4C5E-8D83-301508992F3D}" type="pres">
-      <dgm:prSet presAssocID="{F46D156F-159D-4A31-A4B6-2570A726F36E}" presName="child3Text" presStyleLbl="bgAcc1" presStyleIdx="2" presStyleCnt="4">
+    <dgm:pt modelId="{F541FBF4-ED2A-4A3F-B331-8D627EF19C29}" type="pres">
+      <dgm:prSet presAssocID="{AE23422A-9A31-47DD-A9EB-02E6EDD534E0}" presName="aNode" presStyleLbl="bgShp" presStyleIdx="2" presStyleCnt="5"/>
+      <dgm:spPr/>
+    </dgm:pt>
+    <dgm:pt modelId="{980DEFED-1BAB-4806-ACAA-DE88E6CAE9AA}" type="pres">
+      <dgm:prSet presAssocID="{AE23422A-9A31-47DD-A9EB-02E6EDD534E0}" presName="textNode" presStyleLbl="bgShp" presStyleIdx="2" presStyleCnt="5"/>
+      <dgm:spPr/>
+    </dgm:pt>
+    <dgm:pt modelId="{C98402D6-C8C3-4633-B540-077F258C0656}" type="pres">
+      <dgm:prSet presAssocID="{AE23422A-9A31-47DD-A9EB-02E6EDD534E0}" presName="compChildNode" presStyleCnt="0"/>
+      <dgm:spPr/>
+    </dgm:pt>
+    <dgm:pt modelId="{8DA6E20C-0C83-44E1-96E8-7A52C7598D72}" type="pres">
+      <dgm:prSet presAssocID="{AE23422A-9A31-47DD-A9EB-02E6EDD534E0}" presName="theInnerList" presStyleCnt="0"/>
+      <dgm:spPr/>
+    </dgm:pt>
+    <dgm:pt modelId="{F1DDAAB3-B087-4E4C-8FB8-D27251089A2D}" type="pres">
+      <dgm:prSet presAssocID="{FD610062-8264-4BE0-BD73-081792DAB7F2}" presName="childNode" presStyleLbl="node1" presStyleIdx="2" presStyleCnt="5">
         <dgm:presLayoutVars>
           <dgm:bulletEnabled val="1"/>
         </dgm:presLayoutVars>
       </dgm:prSet>
       <dgm:spPr/>
     </dgm:pt>
-    <dgm:pt modelId="{FED0DD4A-1D77-4765-9C83-4FD4BED477AA}" type="pres">
-      <dgm:prSet presAssocID="{F46D156F-159D-4A31-A4B6-2570A726F36E}" presName="child4group" presStyleCnt="0"/>
+    <dgm:pt modelId="{80DCD9B2-C89C-432E-AA61-7D315924C5A2}" type="pres">
+      <dgm:prSet presAssocID="{AE23422A-9A31-47DD-A9EB-02E6EDD534E0}" presName="aSpace" presStyleCnt="0"/>
       <dgm:spPr/>
     </dgm:pt>
-    <dgm:pt modelId="{62B41C99-B227-40F1-A405-504469CF65C9}" type="pres">
-      <dgm:prSet presAssocID="{F46D156F-159D-4A31-A4B6-2570A726F36E}" presName="child4" presStyleLbl="bgAcc1" presStyleIdx="3" presStyleCnt="4" custLinFactNeighborX="-11237"/>
+    <dgm:pt modelId="{C13C23BB-2C20-41F2-BB52-FA7EDD7C18D5}" type="pres">
+      <dgm:prSet presAssocID="{2EED4999-2089-42BD-B378-398C4AFF5DD1}" presName="compNode" presStyleCnt="0"/>
       <dgm:spPr/>
     </dgm:pt>
-    <dgm:pt modelId="{0FEE1AE6-EF01-441B-AAD7-559FEB9F9CC1}" type="pres">
-      <dgm:prSet presAssocID="{F46D156F-159D-4A31-A4B6-2570A726F36E}" presName="child4Text" presStyleLbl="bgAcc1" presStyleIdx="3" presStyleCnt="4">
+    <dgm:pt modelId="{541CF748-45E1-42E2-9842-E30B7095D05D}" type="pres">
+      <dgm:prSet presAssocID="{2EED4999-2089-42BD-B378-398C4AFF5DD1}" presName="aNode" presStyleLbl="bgShp" presStyleIdx="3" presStyleCnt="5"/>
+      <dgm:spPr/>
+    </dgm:pt>
+    <dgm:pt modelId="{88C477C1-20B8-411A-B0DE-71039442B252}" type="pres">
+      <dgm:prSet presAssocID="{2EED4999-2089-42BD-B378-398C4AFF5DD1}" presName="textNode" presStyleLbl="bgShp" presStyleIdx="3" presStyleCnt="5"/>
+      <dgm:spPr/>
+    </dgm:pt>
+    <dgm:pt modelId="{FCAB9CB1-D1BF-4AE8-9242-FD890A63A718}" type="pres">
+      <dgm:prSet presAssocID="{2EED4999-2089-42BD-B378-398C4AFF5DD1}" presName="compChildNode" presStyleCnt="0"/>
+      <dgm:spPr/>
+    </dgm:pt>
+    <dgm:pt modelId="{55C71B65-2275-4689-9C7E-638FCE020467}" type="pres">
+      <dgm:prSet presAssocID="{2EED4999-2089-42BD-B378-398C4AFF5DD1}" presName="theInnerList" presStyleCnt="0"/>
+      <dgm:spPr/>
+    </dgm:pt>
+    <dgm:pt modelId="{2B28B881-AF5D-4C71-9B84-C095985EC724}" type="pres">
+      <dgm:prSet presAssocID="{11F26875-0067-474B-B05E-82898D7B0B07}" presName="childNode" presStyleLbl="node1" presStyleIdx="3" presStyleCnt="5">
         <dgm:presLayoutVars>
           <dgm:bulletEnabled val="1"/>
         </dgm:presLayoutVars>
       </dgm:prSet>
       <dgm:spPr/>
     </dgm:pt>
-    <dgm:pt modelId="{0B262E0B-5F3C-41B2-BCF1-7568943C4583}" type="pres">
-      <dgm:prSet presAssocID="{F46D156F-159D-4A31-A4B6-2570A726F36E}" presName="childPlaceholder" presStyleCnt="0"/>
+    <dgm:pt modelId="{0AC33A59-60C9-4B8E-A027-152B3BB700AB}" type="pres">
+      <dgm:prSet presAssocID="{2EED4999-2089-42BD-B378-398C4AFF5DD1}" presName="aSpace" presStyleCnt="0"/>
       <dgm:spPr/>
     </dgm:pt>
-    <dgm:pt modelId="{561AAF67-C91D-4E4A-BB3E-8ACDB5E0169D}" type="pres">
-      <dgm:prSet presAssocID="{F46D156F-159D-4A31-A4B6-2570A726F36E}" presName="circle" presStyleCnt="0"/>
+    <dgm:pt modelId="{60C653A3-B594-4695-A013-E0E4A4F1E029}" type="pres">
+      <dgm:prSet presAssocID="{CF7EA0AC-9DA2-4156-BB12-2D5C8C55AA3F}" presName="compNode" presStyleCnt="0"/>
       <dgm:spPr/>
     </dgm:pt>
-    <dgm:pt modelId="{A558877E-3208-477B-AA79-734B2B847881}" type="pres">
-      <dgm:prSet presAssocID="{F46D156F-159D-4A31-A4B6-2570A726F36E}" presName="quadrant1" presStyleLbl="node1" presStyleIdx="0" presStyleCnt="4">
+    <dgm:pt modelId="{9112B494-74F5-477F-8C00-899D974A454C}" type="pres">
+      <dgm:prSet presAssocID="{CF7EA0AC-9DA2-4156-BB12-2D5C8C55AA3F}" presName="aNode" presStyleLbl="bgShp" presStyleIdx="4" presStyleCnt="5"/>
+      <dgm:spPr/>
+    </dgm:pt>
+    <dgm:pt modelId="{C3DE6E47-92A4-4015-8A27-E750336AC120}" type="pres">
+      <dgm:prSet presAssocID="{CF7EA0AC-9DA2-4156-BB12-2D5C8C55AA3F}" presName="textNode" presStyleLbl="bgShp" presStyleIdx="4" presStyleCnt="5"/>
+      <dgm:spPr/>
+    </dgm:pt>
+    <dgm:pt modelId="{56510A6C-6238-4684-B276-91CA82CA37CD}" type="pres">
+      <dgm:prSet presAssocID="{CF7EA0AC-9DA2-4156-BB12-2D5C8C55AA3F}" presName="compChildNode" presStyleCnt="0"/>
+      <dgm:spPr/>
+    </dgm:pt>
+    <dgm:pt modelId="{88D6F87C-885C-486F-9BF9-3127C8BE359F}" type="pres">
+      <dgm:prSet presAssocID="{CF7EA0AC-9DA2-4156-BB12-2D5C8C55AA3F}" presName="theInnerList" presStyleCnt="0"/>
+      <dgm:spPr/>
+    </dgm:pt>
+    <dgm:pt modelId="{559AFDB4-75B7-46BE-B908-B641ADAFFBB2}" type="pres">
+      <dgm:prSet presAssocID="{9086DE10-1473-4021-8A8D-D96C57D4B896}" presName="childNode" presStyleLbl="node1" presStyleIdx="4" presStyleCnt="5">
         <dgm:presLayoutVars>
-          <dgm:chMax val="1"/>
           <dgm:bulletEnabled val="1"/>
         </dgm:presLayoutVars>
       </dgm:prSet>
       <dgm:spPr/>
     </dgm:pt>
-    <dgm:pt modelId="{030C66A4-2178-45E2-9543-B71308BDB4F9}" type="pres">
-      <dgm:prSet presAssocID="{F46D156F-159D-4A31-A4B6-2570A726F36E}" presName="quadrant2" presStyleLbl="node1" presStyleIdx="1" presStyleCnt="4">
-        <dgm:presLayoutVars>
-          <dgm:chMax val="1"/>
-          <dgm:bulletEnabled val="1"/>
-        </dgm:presLayoutVars>
-      </dgm:prSet>
-      <dgm:spPr/>
-    </dgm:pt>
-    <dgm:pt modelId="{5B20D011-5AE2-4073-8649-7ED421F2F4C1}" type="pres">
-      <dgm:prSet presAssocID="{F46D156F-159D-4A31-A4B6-2570A726F36E}" presName="quadrant3" presStyleLbl="node1" presStyleIdx="2" presStyleCnt="4">
-        <dgm:presLayoutVars>
-          <dgm:chMax val="1"/>
-          <dgm:bulletEnabled val="1"/>
-        </dgm:presLayoutVars>
-      </dgm:prSet>
-      <dgm:spPr/>
-    </dgm:pt>
-    <dgm:pt modelId="{B592C757-66C5-4660-8D31-35100AA125C7}" type="pres">
-      <dgm:prSet presAssocID="{F46D156F-159D-4A31-A4B6-2570A726F36E}" presName="quadrant4" presStyleLbl="node1" presStyleIdx="3" presStyleCnt="4">
-        <dgm:presLayoutVars>
-          <dgm:chMax val="1"/>
-          <dgm:bulletEnabled val="1"/>
-        </dgm:presLayoutVars>
-      </dgm:prSet>
-      <dgm:spPr/>
-    </dgm:pt>
-    <dgm:pt modelId="{607211D5-5566-4FD2-9627-75BA8478AC9C}" type="pres">
-      <dgm:prSet presAssocID="{F46D156F-159D-4A31-A4B6-2570A726F36E}" presName="quadrantPlaceholder" presStyleCnt="0"/>
-      <dgm:spPr/>
-    </dgm:pt>
-    <dgm:pt modelId="{B168B3AD-841E-4658-97A0-72901F9D0AD2}" type="pres">
-      <dgm:prSet presAssocID="{F46D156F-159D-4A31-A4B6-2570A726F36E}" presName="center1" presStyleLbl="fgShp" presStyleIdx="0" presStyleCnt="2"/>
-      <dgm:spPr/>
-    </dgm:pt>
-    <dgm:pt modelId="{888BD5F6-E168-4438-A0E6-974B0CA81C7C}" type="pres">
-      <dgm:prSet presAssocID="{F46D156F-159D-4A31-A4B6-2570A726F36E}" presName="center2" presStyleLbl="fgShp" presStyleIdx="1" presStyleCnt="2"/>
-      <dgm:spPr/>
-    </dgm:pt>
   </dgm:ptLst>
   <dgm:cxnLst>
-    <dgm:cxn modelId="{B7818115-6CBA-43E9-B715-AD56E563E0FD}" type="presOf" srcId="{2EED4999-2089-42BD-B378-398C4AFF5DD1}" destId="{5B20D011-5AE2-4073-8649-7ED421F2F4C1}" srcOrd="0" destOrd="0" presId="urn:microsoft.com/office/officeart/2005/8/layout/cycle4"/>
+    <dgm:cxn modelId="{C22C1111-3BDE-4297-BAB6-ECC306C5B665}" type="presOf" srcId="{AE23422A-9A31-47DD-A9EB-02E6EDD534E0}" destId="{F541FBF4-ED2A-4A3F-B331-8D627EF19C29}" srcOrd="0" destOrd="0" presId="urn:microsoft.com/office/officeart/2005/8/layout/lProcess2"/>
     <dgm:cxn modelId="{12BCA215-CDDE-49BB-A579-1DE80BFBE6D2}" srcId="{2EED4999-2089-42BD-B378-398C4AFF5DD1}" destId="{11F26875-0067-474B-B05E-82898D7B0B07}" srcOrd="0" destOrd="0" parTransId="{5B6D32D3-F7A1-4262-A286-1DFAFA932D53}" sibTransId="{FFD2C9F7-D7D6-409D-AC0A-238222AD50A2}"/>
+    <dgm:cxn modelId="{14AE8318-1402-43AE-B926-79303A754C5F}" type="presOf" srcId="{F46D156F-159D-4A31-A4B6-2570A726F36E}" destId="{18FBE551-E08F-4004-BD1C-8CF492D6C0E7}" srcOrd="0" destOrd="0" presId="urn:microsoft.com/office/officeart/2005/8/layout/lProcess2"/>
     <dgm:cxn modelId="{10696E1F-267A-4C5A-A7C0-08550E91E77D}" srcId="{AE23422A-9A31-47DD-A9EB-02E6EDD534E0}" destId="{FD610062-8264-4BE0-BD73-081792DAB7F2}" srcOrd="0" destOrd="0" parTransId="{33FBBF35-0BEC-48AB-B8EA-F716DA135055}" sibTransId="{4A416FA6-3FDB-4A56-AD84-313E20474F97}"/>
-    <dgm:cxn modelId="{0F4C583C-6D67-48BA-90FE-A4C3A10FB980}" type="presOf" srcId="{F46D156F-159D-4A31-A4B6-2570A726F36E}" destId="{7B3EC574-7FA9-40BB-BE03-30F973E22A6C}" srcOrd="0" destOrd="0" presId="urn:microsoft.com/office/officeart/2005/8/layout/cycle4"/>
+    <dgm:cxn modelId="{BAC8A22F-5280-4FCD-AF9A-A16C15BF402A}" type="presOf" srcId="{9086DE10-1473-4021-8A8D-D96C57D4B896}" destId="{559AFDB4-75B7-46BE-B908-B641ADAFFBB2}" srcOrd="0" destOrd="0" presId="urn:microsoft.com/office/officeart/2005/8/layout/lProcess2"/>
     <dgm:cxn modelId="{FCC0E65D-A052-4624-92CF-00A7C8D3A75E}" srcId="{A18226C6-9783-4446-BFDA-F7604FBDEB9E}" destId="{3877CA04-24C1-48B3-A9E0-23595455CF9A}" srcOrd="0" destOrd="0" parTransId="{6A5AD606-0EDA-4A0F-82F0-FBFE3CDF8FB4}" sibTransId="{83F739E3-5C6C-45AA-8B9E-7056F21A9928}"/>
-    <dgm:cxn modelId="{F136B942-7FAD-4E1C-A6A5-0188A2254E2C}" type="presOf" srcId="{AE23422A-9A31-47DD-A9EB-02E6EDD534E0}" destId="{030C66A4-2178-45E2-9543-B71308BDB4F9}" srcOrd="0" destOrd="0" presId="urn:microsoft.com/office/officeart/2005/8/layout/cycle4"/>
-    <dgm:cxn modelId="{C96A2365-3EE6-4597-A210-E8DA64B68D27}" type="presOf" srcId="{11F26875-0067-474B-B05E-82898D7B0B07}" destId="{29149CD7-D8E8-4C5E-8D83-301508992F3D}" srcOrd="1" destOrd="0" presId="urn:microsoft.com/office/officeart/2005/8/layout/cycle4"/>
-    <dgm:cxn modelId="{DACE5353-C03F-4A5F-A87E-73BAE6AA9238}" type="presOf" srcId="{11F26875-0067-474B-B05E-82898D7B0B07}" destId="{EA650767-B41D-470C-B673-014A85E66645}" srcOrd="0" destOrd="0" presId="urn:microsoft.com/office/officeart/2005/8/layout/cycle4"/>
-    <dgm:cxn modelId="{AE2E2977-1851-4229-A071-C9B2FC8A81E8}" type="presOf" srcId="{3877CA04-24C1-48B3-A9E0-23595455CF9A}" destId="{F42F725E-0051-4DCD-A7FA-A836CFFB6FC1}" srcOrd="1" destOrd="0" presId="urn:microsoft.com/office/officeart/2005/8/layout/cycle4"/>
-    <dgm:cxn modelId="{11E1DD79-5F7B-4A5A-8AA6-8B8B57EA891F}" type="presOf" srcId="{9086DE10-1473-4021-8A8D-D96C57D4B896}" destId="{62B41C99-B227-40F1-A405-504469CF65C9}" srcOrd="0" destOrd="0" presId="urn:microsoft.com/office/officeart/2005/8/layout/cycle4"/>
-    <dgm:cxn modelId="{4252917B-B849-4C5A-9300-B463B7E5344E}" type="presOf" srcId="{CF7EA0AC-9DA2-4156-BB12-2D5C8C55AA3F}" destId="{B592C757-66C5-4660-8D31-35100AA125C7}" srcOrd="0" destOrd="0" presId="urn:microsoft.com/office/officeart/2005/8/layout/cycle4"/>
-    <dgm:cxn modelId="{4591D394-DF36-4C76-A958-C4FF317BBFB2}" srcId="{F46D156F-159D-4A31-A4B6-2570A726F36E}" destId="{A18226C6-9783-4446-BFDA-F7604FBDEB9E}" srcOrd="0" destOrd="0" parTransId="{99A0B4B8-443F-4E17-AAE4-87F5197268CB}" sibTransId="{36D53383-93E0-47F2-8C47-C8F2A454A45F}"/>
-    <dgm:cxn modelId="{6CE76AA9-92E0-498C-AF2D-9DCDE008E509}" type="presOf" srcId="{FD610062-8264-4BE0-BD73-081792DAB7F2}" destId="{65A429FF-9653-49DD-B594-F06D27D1E7EB}" srcOrd="1" destOrd="0" presId="urn:microsoft.com/office/officeart/2005/8/layout/cycle4"/>
-    <dgm:cxn modelId="{5FD627AF-BD11-4CAF-BB29-8CE154398A74}" type="presOf" srcId="{3877CA04-24C1-48B3-A9E0-23595455CF9A}" destId="{6B7D53B6-4B03-4F75-94C4-46F60E24E9CE}" srcOrd="0" destOrd="0" presId="urn:microsoft.com/office/officeart/2005/8/layout/cycle4"/>
-    <dgm:cxn modelId="{D3A988BA-D339-4416-9AAC-95B23397281E}" type="presOf" srcId="{9086DE10-1473-4021-8A8D-D96C57D4B896}" destId="{0FEE1AE6-EF01-441B-AAD7-559FEB9F9CC1}" srcOrd="1" destOrd="0" presId="urn:microsoft.com/office/officeart/2005/8/layout/cycle4"/>
-    <dgm:cxn modelId="{31F25CBE-21FE-4667-9A6C-00C4979411B0}" srcId="{F46D156F-159D-4A31-A4B6-2570A726F36E}" destId="{2EED4999-2089-42BD-B378-398C4AFF5DD1}" srcOrd="2" destOrd="0" parTransId="{CDD5C763-2C2B-45EF-B1BD-A690BCAF7C4E}" sibTransId="{542C09FC-1049-40B9-9DE9-C60E6D8D8944}"/>
-    <dgm:cxn modelId="{C8FE7CC2-28E2-4507-8ABA-CFBF411DE4AC}" type="presOf" srcId="{A18226C6-9783-4446-BFDA-F7604FBDEB9E}" destId="{A558877E-3208-477B-AA79-734B2B847881}" srcOrd="0" destOrd="0" presId="urn:microsoft.com/office/officeart/2005/8/layout/cycle4"/>
+    <dgm:cxn modelId="{B0557241-A7C6-437E-8CE9-C7BC7F910C44}" type="presOf" srcId="{4D3D1910-F6AF-46D4-8964-15622B70ACE0}" destId="{22960FB9-B0EC-461B-9D29-93B56B7208CE}" srcOrd="0" destOrd="0" presId="urn:microsoft.com/office/officeart/2005/8/layout/lProcess2"/>
+    <dgm:cxn modelId="{2EC26E47-8303-482D-B7B6-657109CF4070}" type="presOf" srcId="{2EED4999-2089-42BD-B378-398C4AFF5DD1}" destId="{88C477C1-20B8-411A-B0DE-71039442B252}" srcOrd="1" destOrd="0" presId="urn:microsoft.com/office/officeart/2005/8/layout/lProcess2"/>
+    <dgm:cxn modelId="{5DD29667-EDFB-4BD4-B0F8-8148490F3536}" type="presOf" srcId="{A18226C6-9783-4446-BFDA-F7604FBDEB9E}" destId="{B613E02B-AD3A-4748-8ED7-52EB6444B941}" srcOrd="0" destOrd="0" presId="urn:microsoft.com/office/officeart/2005/8/layout/lProcess2"/>
+    <dgm:cxn modelId="{0C537A48-C983-4250-8AE4-0512A051E1E9}" type="presOf" srcId="{2EED4999-2089-42BD-B378-398C4AFF5DD1}" destId="{541CF748-45E1-42E2-9842-E30B7095D05D}" srcOrd="0" destOrd="0" presId="urn:microsoft.com/office/officeart/2005/8/layout/lProcess2"/>
+    <dgm:cxn modelId="{D084D54C-52D0-4FB7-93C3-26BDFE511EF6}" type="presOf" srcId="{CF7EA0AC-9DA2-4156-BB12-2D5C8C55AA3F}" destId="{C3DE6E47-92A4-4015-8A27-E750336AC120}" srcOrd="1" destOrd="0" presId="urn:microsoft.com/office/officeart/2005/8/layout/lProcess2"/>
+    <dgm:cxn modelId="{FB2B807D-96A4-4CBB-88EB-6FF3DC35559D}" type="presOf" srcId="{FD610062-8264-4BE0-BD73-081792DAB7F2}" destId="{F1DDAAB3-B087-4E4C-8FB8-D27251089A2D}" srcOrd="0" destOrd="0" presId="urn:microsoft.com/office/officeart/2005/8/layout/lProcess2"/>
+    <dgm:cxn modelId="{372EED7D-A302-4FD3-9AC5-FC9523F27AF9}" type="presOf" srcId="{A18226C6-9783-4446-BFDA-F7604FBDEB9E}" destId="{6E14F9B9-3804-47CE-BC82-EFC0BA8F6308}" srcOrd="1" destOrd="0" presId="urn:microsoft.com/office/officeart/2005/8/layout/lProcess2"/>
+    <dgm:cxn modelId="{5FCF8592-767A-4D69-B5FF-3EA98EC4C675}" srcId="{515BBF43-8916-4540-9133-4DA6CE3457BB}" destId="{4D3D1910-F6AF-46D4-8964-15622B70ACE0}" srcOrd="0" destOrd="0" parTransId="{E28DDF02-FBD7-45AB-A575-F6BBE0296F23}" sibTransId="{433F9865-3020-4709-91B4-2672941FD6F3}"/>
+    <dgm:cxn modelId="{4591D394-DF36-4C76-A958-C4FF317BBFB2}" srcId="{F46D156F-159D-4A31-A4B6-2570A726F36E}" destId="{A18226C6-9783-4446-BFDA-F7604FBDEB9E}" srcOrd="1" destOrd="0" parTransId="{99A0B4B8-443F-4E17-AAE4-87F5197268CB}" sibTransId="{36D53383-93E0-47F2-8C47-C8F2A454A45F}"/>
+    <dgm:cxn modelId="{88AD63AC-4FA5-40FF-81EA-4E8A77D92743}" type="presOf" srcId="{11F26875-0067-474B-B05E-82898D7B0B07}" destId="{2B28B881-AF5D-4C71-9B84-C095985EC724}" srcOrd="0" destOrd="0" presId="urn:microsoft.com/office/officeart/2005/8/layout/lProcess2"/>
+    <dgm:cxn modelId="{D5EC86B0-2B4A-480D-8402-411DCB1B1729}" type="presOf" srcId="{AE23422A-9A31-47DD-A9EB-02E6EDD534E0}" destId="{980DEFED-1BAB-4806-ACAA-DE88E6CAE9AA}" srcOrd="1" destOrd="0" presId="urn:microsoft.com/office/officeart/2005/8/layout/lProcess2"/>
+    <dgm:cxn modelId="{ABA9E8BA-10A3-408C-BC5E-A6BC1ED2F47D}" type="presOf" srcId="{515BBF43-8916-4540-9133-4DA6CE3457BB}" destId="{63868493-A5B0-4EFB-BFD6-B73A078941D3}" srcOrd="0" destOrd="0" presId="urn:microsoft.com/office/officeart/2005/8/layout/lProcess2"/>
+    <dgm:cxn modelId="{31F25CBE-21FE-4667-9A6C-00C4979411B0}" srcId="{F46D156F-159D-4A31-A4B6-2570A726F36E}" destId="{2EED4999-2089-42BD-B378-398C4AFF5DD1}" srcOrd="3" destOrd="0" parTransId="{CDD5C763-2C2B-45EF-B1BD-A690BCAF7C4E}" sibTransId="{542C09FC-1049-40B9-9DE9-C60E6D8D8944}"/>
     <dgm:cxn modelId="{02E563C7-6FEC-4022-ABDF-9EDF5D78833F}" srcId="{CF7EA0AC-9DA2-4156-BB12-2D5C8C55AA3F}" destId="{9086DE10-1473-4021-8A8D-D96C57D4B896}" srcOrd="0" destOrd="0" parTransId="{DEEF9766-E385-4505-A013-7BA771971BAD}" sibTransId="{3F29A733-34E1-42B6-8972-96FCB285332C}"/>
-    <dgm:cxn modelId="{2E02A1D0-9D57-4426-9F53-FFED92128E9E}" srcId="{F46D156F-159D-4A31-A4B6-2570A726F36E}" destId="{CF7EA0AC-9DA2-4156-BB12-2D5C8C55AA3F}" srcOrd="3" destOrd="0" parTransId="{2C6BC8A6-48D8-40F8-BFF2-6DD228C0DF9D}" sibTransId="{F7A96237-EA74-4141-838F-BCA0D00BAED7}"/>
-    <dgm:cxn modelId="{E7F61DF6-D8BB-4B61-B955-891845ABDFC7}" srcId="{F46D156F-159D-4A31-A4B6-2570A726F36E}" destId="{AE23422A-9A31-47DD-A9EB-02E6EDD534E0}" srcOrd="1" destOrd="0" parTransId="{274D0D63-48BA-4F63-85CE-8405C6627EF1}" sibTransId="{818D0904-BDB2-4E00-91E5-942986E143E7}"/>
-    <dgm:cxn modelId="{43B2DFFB-056D-413E-B9B8-8885364F1723}" type="presOf" srcId="{FD610062-8264-4BE0-BD73-081792DAB7F2}" destId="{8855DE70-82B1-49F3-8995-1F08E099FB61}" srcOrd="0" destOrd="0" presId="urn:microsoft.com/office/officeart/2005/8/layout/cycle4"/>
-    <dgm:cxn modelId="{B4780D49-1466-4778-99FD-B5C791BE9EEE}" type="presParOf" srcId="{7B3EC574-7FA9-40BB-BE03-30F973E22A6C}" destId="{F3C5CE7F-E3C6-4266-B93C-9E64EDE9A8CB}" srcOrd="0" destOrd="0" presId="urn:microsoft.com/office/officeart/2005/8/layout/cycle4"/>
-    <dgm:cxn modelId="{E4FB892D-52D9-45C1-9591-D9ABA5E50EE1}" type="presParOf" srcId="{F3C5CE7F-E3C6-4266-B93C-9E64EDE9A8CB}" destId="{7B4E2CD8-EB3C-46F9-9160-B44B36538B86}" srcOrd="0" destOrd="0" presId="urn:microsoft.com/office/officeart/2005/8/layout/cycle4"/>
-    <dgm:cxn modelId="{A9C73307-A1CC-4582-A95C-2E9DBBF691FA}" type="presParOf" srcId="{7B4E2CD8-EB3C-46F9-9160-B44B36538B86}" destId="{6B7D53B6-4B03-4F75-94C4-46F60E24E9CE}" srcOrd="0" destOrd="0" presId="urn:microsoft.com/office/officeart/2005/8/layout/cycle4"/>
-    <dgm:cxn modelId="{6D5D3629-BA25-41CA-8890-5F08160BC3B9}" type="presParOf" srcId="{7B4E2CD8-EB3C-46F9-9160-B44B36538B86}" destId="{F42F725E-0051-4DCD-A7FA-A836CFFB6FC1}" srcOrd="1" destOrd="0" presId="urn:microsoft.com/office/officeart/2005/8/layout/cycle4"/>
-    <dgm:cxn modelId="{5953CA31-2815-423F-A888-FCBB4661445D}" type="presParOf" srcId="{F3C5CE7F-E3C6-4266-B93C-9E64EDE9A8CB}" destId="{BE19A346-E7ED-468A-B0CF-EB22E1916EAC}" srcOrd="1" destOrd="0" presId="urn:microsoft.com/office/officeart/2005/8/layout/cycle4"/>
-    <dgm:cxn modelId="{081C2148-EC1F-48EF-BD42-2185F93ECF96}" type="presParOf" srcId="{BE19A346-E7ED-468A-B0CF-EB22E1916EAC}" destId="{8855DE70-82B1-49F3-8995-1F08E099FB61}" srcOrd="0" destOrd="0" presId="urn:microsoft.com/office/officeart/2005/8/layout/cycle4"/>
-    <dgm:cxn modelId="{67A4E58B-9D3B-4CE3-BDF4-1FEB03DDB0EE}" type="presParOf" srcId="{BE19A346-E7ED-468A-B0CF-EB22E1916EAC}" destId="{65A429FF-9653-49DD-B594-F06D27D1E7EB}" srcOrd="1" destOrd="0" presId="urn:microsoft.com/office/officeart/2005/8/layout/cycle4"/>
-    <dgm:cxn modelId="{DC0FCB46-F32A-4E54-8E36-7EDAFAD3C5BE}" type="presParOf" srcId="{F3C5CE7F-E3C6-4266-B93C-9E64EDE9A8CB}" destId="{9DE836EA-E11C-4619-9499-6EA843D39364}" srcOrd="2" destOrd="0" presId="urn:microsoft.com/office/officeart/2005/8/layout/cycle4"/>
-    <dgm:cxn modelId="{7121F67B-60AF-49D3-AE71-E6D0A7346F8D}" type="presParOf" srcId="{9DE836EA-E11C-4619-9499-6EA843D39364}" destId="{EA650767-B41D-470C-B673-014A85E66645}" srcOrd="0" destOrd="0" presId="urn:microsoft.com/office/officeart/2005/8/layout/cycle4"/>
-    <dgm:cxn modelId="{B453D588-EDD1-4DE5-BEC6-C722DB5BA38B}" type="presParOf" srcId="{9DE836EA-E11C-4619-9499-6EA843D39364}" destId="{29149CD7-D8E8-4C5E-8D83-301508992F3D}" srcOrd="1" destOrd="0" presId="urn:microsoft.com/office/officeart/2005/8/layout/cycle4"/>
-    <dgm:cxn modelId="{D49CAC50-AF9E-41AB-946B-4C63B92D2B96}" type="presParOf" srcId="{F3C5CE7F-E3C6-4266-B93C-9E64EDE9A8CB}" destId="{FED0DD4A-1D77-4765-9C83-4FD4BED477AA}" srcOrd="3" destOrd="0" presId="urn:microsoft.com/office/officeart/2005/8/layout/cycle4"/>
-    <dgm:cxn modelId="{B0E89BEF-23D5-477F-9A2C-49B4AC34534D}" type="presParOf" srcId="{FED0DD4A-1D77-4765-9C83-4FD4BED477AA}" destId="{62B41C99-B227-40F1-A405-504469CF65C9}" srcOrd="0" destOrd="0" presId="urn:microsoft.com/office/officeart/2005/8/layout/cycle4"/>
-    <dgm:cxn modelId="{82B3E949-28C0-4EC6-80F1-226E4114F826}" type="presParOf" srcId="{FED0DD4A-1D77-4765-9C83-4FD4BED477AA}" destId="{0FEE1AE6-EF01-441B-AAD7-559FEB9F9CC1}" srcOrd="1" destOrd="0" presId="urn:microsoft.com/office/officeart/2005/8/layout/cycle4"/>
-    <dgm:cxn modelId="{8015C0F6-7CE1-40C0-8643-8DDA49DCEA8A}" type="presParOf" srcId="{F3C5CE7F-E3C6-4266-B93C-9E64EDE9A8CB}" destId="{0B262E0B-5F3C-41B2-BCF1-7568943C4583}" srcOrd="4" destOrd="0" presId="urn:microsoft.com/office/officeart/2005/8/layout/cycle4"/>
-    <dgm:cxn modelId="{689DCB6A-8955-4227-BEA4-30E475B85CA9}" type="presParOf" srcId="{7B3EC574-7FA9-40BB-BE03-30F973E22A6C}" destId="{561AAF67-C91D-4E4A-BB3E-8ACDB5E0169D}" srcOrd="1" destOrd="0" presId="urn:microsoft.com/office/officeart/2005/8/layout/cycle4"/>
-    <dgm:cxn modelId="{5AB7718E-302A-4878-8358-2F1A4F97B509}" type="presParOf" srcId="{561AAF67-C91D-4E4A-BB3E-8ACDB5E0169D}" destId="{A558877E-3208-477B-AA79-734B2B847881}" srcOrd="0" destOrd="0" presId="urn:microsoft.com/office/officeart/2005/8/layout/cycle4"/>
-    <dgm:cxn modelId="{E41A2EEB-34BD-4DA9-96B9-32589172712B}" type="presParOf" srcId="{561AAF67-C91D-4E4A-BB3E-8ACDB5E0169D}" destId="{030C66A4-2178-45E2-9543-B71308BDB4F9}" srcOrd="1" destOrd="0" presId="urn:microsoft.com/office/officeart/2005/8/layout/cycle4"/>
-    <dgm:cxn modelId="{EC14145A-606D-405B-AA7C-66E1D24E3674}" type="presParOf" srcId="{561AAF67-C91D-4E4A-BB3E-8ACDB5E0169D}" destId="{5B20D011-5AE2-4073-8649-7ED421F2F4C1}" srcOrd="2" destOrd="0" presId="urn:microsoft.com/office/officeart/2005/8/layout/cycle4"/>
-    <dgm:cxn modelId="{00344BD2-3BE9-40A3-9863-6095CBA3FAB7}" type="presParOf" srcId="{561AAF67-C91D-4E4A-BB3E-8ACDB5E0169D}" destId="{B592C757-66C5-4660-8D31-35100AA125C7}" srcOrd="3" destOrd="0" presId="urn:microsoft.com/office/officeart/2005/8/layout/cycle4"/>
-    <dgm:cxn modelId="{21C6ACD2-37E4-4A89-9075-E5978B3C8C8B}" type="presParOf" srcId="{561AAF67-C91D-4E4A-BB3E-8ACDB5E0169D}" destId="{607211D5-5566-4FD2-9627-75BA8478AC9C}" srcOrd="4" destOrd="0" presId="urn:microsoft.com/office/officeart/2005/8/layout/cycle4"/>
-    <dgm:cxn modelId="{FF18B132-51FA-4360-8FE4-FCD55E8A6E27}" type="presParOf" srcId="{7B3EC574-7FA9-40BB-BE03-30F973E22A6C}" destId="{B168B3AD-841E-4658-97A0-72901F9D0AD2}" srcOrd="2" destOrd="0" presId="urn:microsoft.com/office/officeart/2005/8/layout/cycle4"/>
-    <dgm:cxn modelId="{963641CF-CC1B-4135-B471-A223B7030185}" type="presParOf" srcId="{7B3EC574-7FA9-40BB-BE03-30F973E22A6C}" destId="{888BD5F6-E168-4438-A0E6-974B0CA81C7C}" srcOrd="3" destOrd="0" presId="urn:microsoft.com/office/officeart/2005/8/layout/cycle4"/>
+    <dgm:cxn modelId="{2E02A1D0-9D57-4426-9F53-FFED92128E9E}" srcId="{F46D156F-159D-4A31-A4B6-2570A726F36E}" destId="{CF7EA0AC-9DA2-4156-BB12-2D5C8C55AA3F}" srcOrd="4" destOrd="0" parTransId="{2C6BC8A6-48D8-40F8-BFF2-6DD228C0DF9D}" sibTransId="{F7A96237-EA74-4141-838F-BCA0D00BAED7}"/>
+    <dgm:cxn modelId="{12491DE1-63A6-4CCF-B083-5972C8363676}" type="presOf" srcId="{CF7EA0AC-9DA2-4156-BB12-2D5C8C55AA3F}" destId="{9112B494-74F5-477F-8C00-899D974A454C}" srcOrd="0" destOrd="0" presId="urn:microsoft.com/office/officeart/2005/8/layout/lProcess2"/>
+    <dgm:cxn modelId="{1532B4EF-4560-4296-BA89-93B2806C52C2}" type="presOf" srcId="{3877CA04-24C1-48B3-A9E0-23595455CF9A}" destId="{1958474B-3B53-49A4-9FC5-C82F6C7D6B0A}" srcOrd="0" destOrd="0" presId="urn:microsoft.com/office/officeart/2005/8/layout/lProcess2"/>
+    <dgm:cxn modelId="{E7F61DF6-D8BB-4B61-B955-891845ABDFC7}" srcId="{F46D156F-159D-4A31-A4B6-2570A726F36E}" destId="{AE23422A-9A31-47DD-A9EB-02E6EDD534E0}" srcOrd="2" destOrd="0" parTransId="{274D0D63-48BA-4F63-85CE-8405C6627EF1}" sibTransId="{818D0904-BDB2-4E00-91E5-942986E143E7}"/>
+    <dgm:cxn modelId="{FA59F1F6-8A75-4FBB-A11C-975BC0928482}" type="presOf" srcId="{515BBF43-8916-4540-9133-4DA6CE3457BB}" destId="{1C8AB972-1E80-41A5-B830-7AD08359F3F3}" srcOrd="1" destOrd="0" presId="urn:microsoft.com/office/officeart/2005/8/layout/lProcess2"/>
+    <dgm:cxn modelId="{BF9B54F7-2795-48F8-BB1F-D4F302312053}" srcId="{F46D156F-159D-4A31-A4B6-2570A726F36E}" destId="{515BBF43-8916-4540-9133-4DA6CE3457BB}" srcOrd="0" destOrd="0" parTransId="{D1DFED0A-BF7F-45B8-AFEB-4C20BCA82A90}" sibTransId="{6B72477B-75DD-433D-8BBC-256E2CB80898}"/>
+    <dgm:cxn modelId="{AE86DE01-FFC3-46E7-8171-A44C0632C396}" type="presParOf" srcId="{18FBE551-E08F-4004-BD1C-8CF492D6C0E7}" destId="{38511D35-22DC-4763-A252-2854A100AA09}" srcOrd="0" destOrd="0" presId="urn:microsoft.com/office/officeart/2005/8/layout/lProcess2"/>
+    <dgm:cxn modelId="{BB6F7683-42A0-4F79-849D-4DBA98A5DDD0}" type="presParOf" srcId="{38511D35-22DC-4763-A252-2854A100AA09}" destId="{63868493-A5B0-4EFB-BFD6-B73A078941D3}" srcOrd="0" destOrd="0" presId="urn:microsoft.com/office/officeart/2005/8/layout/lProcess2"/>
+    <dgm:cxn modelId="{B951FC0E-51CA-4DFD-A4DB-815F97494474}" type="presParOf" srcId="{38511D35-22DC-4763-A252-2854A100AA09}" destId="{1C8AB972-1E80-41A5-B830-7AD08359F3F3}" srcOrd="1" destOrd="0" presId="urn:microsoft.com/office/officeart/2005/8/layout/lProcess2"/>
+    <dgm:cxn modelId="{66310096-66E0-4FE4-B13E-93E90E937546}" type="presParOf" srcId="{38511D35-22DC-4763-A252-2854A100AA09}" destId="{3348DEEB-15BF-4D2A-82F8-4960707DB77D}" srcOrd="2" destOrd="0" presId="urn:microsoft.com/office/officeart/2005/8/layout/lProcess2"/>
+    <dgm:cxn modelId="{33976724-A4A1-4470-A663-20157940191D}" type="presParOf" srcId="{3348DEEB-15BF-4D2A-82F8-4960707DB77D}" destId="{027F834B-BDB9-4262-8839-90EAD00AAF9E}" srcOrd="0" destOrd="0" presId="urn:microsoft.com/office/officeart/2005/8/layout/lProcess2"/>
+    <dgm:cxn modelId="{428FC17D-D8FA-482A-9F65-3E7429B670F6}" type="presParOf" srcId="{027F834B-BDB9-4262-8839-90EAD00AAF9E}" destId="{22960FB9-B0EC-461B-9D29-93B56B7208CE}" srcOrd="0" destOrd="0" presId="urn:microsoft.com/office/officeart/2005/8/layout/lProcess2"/>
+    <dgm:cxn modelId="{EE38DEF2-A37C-431F-B5F3-48C9F097BEC0}" type="presParOf" srcId="{18FBE551-E08F-4004-BD1C-8CF492D6C0E7}" destId="{8D27E1FC-34B3-429C-9A7C-FAD15F99C8F6}" srcOrd="1" destOrd="0" presId="urn:microsoft.com/office/officeart/2005/8/layout/lProcess2"/>
+    <dgm:cxn modelId="{B469EDAE-803B-4CA3-9E37-1A5DBEC84424}" type="presParOf" srcId="{18FBE551-E08F-4004-BD1C-8CF492D6C0E7}" destId="{0E251ECE-0266-44D3-B6B7-3263F671C317}" srcOrd="2" destOrd="0" presId="urn:microsoft.com/office/officeart/2005/8/layout/lProcess2"/>
+    <dgm:cxn modelId="{9EB7149F-C6CC-40D3-8C23-5B511B68B53C}" type="presParOf" srcId="{0E251ECE-0266-44D3-B6B7-3263F671C317}" destId="{B613E02B-AD3A-4748-8ED7-52EB6444B941}" srcOrd="0" destOrd="0" presId="urn:microsoft.com/office/officeart/2005/8/layout/lProcess2"/>
+    <dgm:cxn modelId="{B5311E6E-8029-4CA3-B5FA-6FCFC5713BB6}" type="presParOf" srcId="{0E251ECE-0266-44D3-B6B7-3263F671C317}" destId="{6E14F9B9-3804-47CE-BC82-EFC0BA8F6308}" srcOrd="1" destOrd="0" presId="urn:microsoft.com/office/officeart/2005/8/layout/lProcess2"/>
+    <dgm:cxn modelId="{5FC6F0E7-CE4B-422B-98C4-BB916FDE714D}" type="presParOf" srcId="{0E251ECE-0266-44D3-B6B7-3263F671C317}" destId="{56659B29-21D6-4D9F-B1CD-46D810065AAD}" srcOrd="2" destOrd="0" presId="urn:microsoft.com/office/officeart/2005/8/layout/lProcess2"/>
+    <dgm:cxn modelId="{6B7A2191-F8C1-4F12-B963-1E34CD61E72D}" type="presParOf" srcId="{56659B29-21D6-4D9F-B1CD-46D810065AAD}" destId="{088BC268-4D6A-4DD0-8AE5-051F81BD36F9}" srcOrd="0" destOrd="0" presId="urn:microsoft.com/office/officeart/2005/8/layout/lProcess2"/>
+    <dgm:cxn modelId="{C77E2D9A-D8BF-404F-815C-DBA2C74CEAA1}" type="presParOf" srcId="{088BC268-4D6A-4DD0-8AE5-051F81BD36F9}" destId="{1958474B-3B53-49A4-9FC5-C82F6C7D6B0A}" srcOrd="0" destOrd="0" presId="urn:microsoft.com/office/officeart/2005/8/layout/lProcess2"/>
+    <dgm:cxn modelId="{06B553B4-BD7B-4D90-B4A1-4D3CB913C153}" type="presParOf" srcId="{18FBE551-E08F-4004-BD1C-8CF492D6C0E7}" destId="{378D0D5C-5883-446B-B14E-A815E0908DBF}" srcOrd="3" destOrd="0" presId="urn:microsoft.com/office/officeart/2005/8/layout/lProcess2"/>
+    <dgm:cxn modelId="{A19DC441-BED4-4236-9625-FFB916BE9F2E}" type="presParOf" srcId="{18FBE551-E08F-4004-BD1C-8CF492D6C0E7}" destId="{3C94C092-3340-441B-910D-707EBCE1D4B3}" srcOrd="4" destOrd="0" presId="urn:microsoft.com/office/officeart/2005/8/layout/lProcess2"/>
+    <dgm:cxn modelId="{E3423FE1-B5E1-4DB8-A90D-07471B2E1797}" type="presParOf" srcId="{3C94C092-3340-441B-910D-707EBCE1D4B3}" destId="{F541FBF4-ED2A-4A3F-B331-8D627EF19C29}" srcOrd="0" destOrd="0" presId="urn:microsoft.com/office/officeart/2005/8/layout/lProcess2"/>
+    <dgm:cxn modelId="{AAFAD28E-EA4A-4D86-A395-A42676F5B7CC}" type="presParOf" srcId="{3C94C092-3340-441B-910D-707EBCE1D4B3}" destId="{980DEFED-1BAB-4806-ACAA-DE88E6CAE9AA}" srcOrd="1" destOrd="0" presId="urn:microsoft.com/office/officeart/2005/8/layout/lProcess2"/>
+    <dgm:cxn modelId="{A0ABB765-C770-44D1-BA34-CBCBD51F5F0F}" type="presParOf" srcId="{3C94C092-3340-441B-910D-707EBCE1D4B3}" destId="{C98402D6-C8C3-4633-B540-077F258C0656}" srcOrd="2" destOrd="0" presId="urn:microsoft.com/office/officeart/2005/8/layout/lProcess2"/>
+    <dgm:cxn modelId="{3EB28223-042B-4B3B-ABB7-F0B31F53BEC0}" type="presParOf" srcId="{C98402D6-C8C3-4633-B540-077F258C0656}" destId="{8DA6E20C-0C83-44E1-96E8-7A52C7598D72}" srcOrd="0" destOrd="0" presId="urn:microsoft.com/office/officeart/2005/8/layout/lProcess2"/>
+    <dgm:cxn modelId="{427730B7-374F-492F-AE23-D880DFA4F90C}" type="presParOf" srcId="{8DA6E20C-0C83-44E1-96E8-7A52C7598D72}" destId="{F1DDAAB3-B087-4E4C-8FB8-D27251089A2D}" srcOrd="0" destOrd="0" presId="urn:microsoft.com/office/officeart/2005/8/layout/lProcess2"/>
+    <dgm:cxn modelId="{D3B05B06-5CE2-4489-A408-8D09B6905464}" type="presParOf" srcId="{18FBE551-E08F-4004-BD1C-8CF492D6C0E7}" destId="{80DCD9B2-C89C-432E-AA61-7D315924C5A2}" srcOrd="5" destOrd="0" presId="urn:microsoft.com/office/officeart/2005/8/layout/lProcess2"/>
+    <dgm:cxn modelId="{AB7F8109-C1FB-4ACF-AFA7-B457A861B5AD}" type="presParOf" srcId="{18FBE551-E08F-4004-BD1C-8CF492D6C0E7}" destId="{C13C23BB-2C20-41F2-BB52-FA7EDD7C18D5}" srcOrd="6" destOrd="0" presId="urn:microsoft.com/office/officeart/2005/8/layout/lProcess2"/>
+    <dgm:cxn modelId="{CABF6DF0-6A74-45E7-84E3-919C7678567A}" type="presParOf" srcId="{C13C23BB-2C20-41F2-BB52-FA7EDD7C18D5}" destId="{541CF748-45E1-42E2-9842-E30B7095D05D}" srcOrd="0" destOrd="0" presId="urn:microsoft.com/office/officeart/2005/8/layout/lProcess2"/>
+    <dgm:cxn modelId="{184070AC-B8F7-4D28-8D8A-5FB04C7015CE}" type="presParOf" srcId="{C13C23BB-2C20-41F2-BB52-FA7EDD7C18D5}" destId="{88C477C1-20B8-411A-B0DE-71039442B252}" srcOrd="1" destOrd="0" presId="urn:microsoft.com/office/officeart/2005/8/layout/lProcess2"/>
+    <dgm:cxn modelId="{0166BF8E-0344-4C05-A939-4948BCAC98C4}" type="presParOf" srcId="{C13C23BB-2C20-41F2-BB52-FA7EDD7C18D5}" destId="{FCAB9CB1-D1BF-4AE8-9242-FD890A63A718}" srcOrd="2" destOrd="0" presId="urn:microsoft.com/office/officeart/2005/8/layout/lProcess2"/>
+    <dgm:cxn modelId="{A380D701-DEC8-422C-85BE-CC0A0DC6FDB7}" type="presParOf" srcId="{FCAB9CB1-D1BF-4AE8-9242-FD890A63A718}" destId="{55C71B65-2275-4689-9C7E-638FCE020467}" srcOrd="0" destOrd="0" presId="urn:microsoft.com/office/officeart/2005/8/layout/lProcess2"/>
+    <dgm:cxn modelId="{5C17D2F2-6767-4281-A612-77DB96FB020B}" type="presParOf" srcId="{55C71B65-2275-4689-9C7E-638FCE020467}" destId="{2B28B881-AF5D-4C71-9B84-C095985EC724}" srcOrd="0" destOrd="0" presId="urn:microsoft.com/office/officeart/2005/8/layout/lProcess2"/>
+    <dgm:cxn modelId="{A74E0E13-7465-4AEB-95C0-0A5CDE702431}" type="presParOf" srcId="{18FBE551-E08F-4004-BD1C-8CF492D6C0E7}" destId="{0AC33A59-60C9-4B8E-A027-152B3BB700AB}" srcOrd="7" destOrd="0" presId="urn:microsoft.com/office/officeart/2005/8/layout/lProcess2"/>
+    <dgm:cxn modelId="{39B1BBD2-1001-4450-8C83-1110E0EDDDDF}" type="presParOf" srcId="{18FBE551-E08F-4004-BD1C-8CF492D6C0E7}" destId="{60C653A3-B594-4695-A013-E0E4A4F1E029}" srcOrd="8" destOrd="0" presId="urn:microsoft.com/office/officeart/2005/8/layout/lProcess2"/>
+    <dgm:cxn modelId="{E401CDEA-71B3-49BC-A86A-6056BAF0FBC3}" type="presParOf" srcId="{60C653A3-B594-4695-A013-E0E4A4F1E029}" destId="{9112B494-74F5-477F-8C00-899D974A454C}" srcOrd="0" destOrd="0" presId="urn:microsoft.com/office/officeart/2005/8/layout/lProcess2"/>
+    <dgm:cxn modelId="{66E290F6-C177-4FF8-841A-29BF487BC537}" type="presParOf" srcId="{60C653A3-B594-4695-A013-E0E4A4F1E029}" destId="{C3DE6E47-92A4-4015-8A27-E750336AC120}" srcOrd="1" destOrd="0" presId="urn:microsoft.com/office/officeart/2005/8/layout/lProcess2"/>
+    <dgm:cxn modelId="{F3347A40-ABE9-4410-9EB7-F0C09F285855}" type="presParOf" srcId="{60C653A3-B594-4695-A013-E0E4A4F1E029}" destId="{56510A6C-6238-4684-B276-91CA82CA37CD}" srcOrd="2" destOrd="0" presId="urn:microsoft.com/office/officeart/2005/8/layout/lProcess2"/>
+    <dgm:cxn modelId="{E225CAB0-C425-4E4B-9DC6-D322476209AB}" type="presParOf" srcId="{56510A6C-6238-4684-B276-91CA82CA37CD}" destId="{88D6F87C-885C-486F-9BF9-3127C8BE359F}" srcOrd="0" destOrd="0" presId="urn:microsoft.com/office/officeart/2005/8/layout/lProcess2"/>
+    <dgm:cxn modelId="{B353BA2A-8F6E-4AD6-8383-9FF16C2A0944}" type="presParOf" srcId="{88D6F87C-885C-486F-9BF9-3127C8BE359F}" destId="{559AFDB4-75B7-46BE-B908-B641ADAFFBB2}" srcOrd="0" destOrd="0" presId="urn:microsoft.com/office/officeart/2005/8/layout/lProcess2"/>
   </dgm:cxnLst>
   <dgm:bg/>
   <dgm:whole/>
@@ -1590,260 +3027,18 @@
       <dsp:cNvGrpSpPr/>
     </dsp:nvGrpSpPr>
     <dsp:grpSpPr/>
-    <dsp:sp modelId="{EA650767-B41D-470C-B673-014A85E66645}">
+    <dsp:sp modelId="{8752F7B8-D0B6-4CAD-BC94-16816DDEF3E9}">
       <dsp:nvSpPr>
         <dsp:cNvPr id="0" name=""/>
         <dsp:cNvSpPr/>
       </dsp:nvSpPr>
       <dsp:spPr>
         <a:xfrm>
-          <a:off x="5262813" y="3936804"/>
-          <a:ext cx="2859972" cy="1852613"/>
+          <a:off x="0" y="498944"/>
+          <a:ext cx="8128000" cy="1705725"/>
         </a:xfrm>
-        <a:prstGeom prst="roundRect">
-          <a:avLst>
-            <a:gd name="adj" fmla="val 10000"/>
-          </a:avLst>
-        </a:prstGeom>
-        <a:solidFill>
-          <a:schemeClr val="lt1">
-            <a:alpha val="90000"/>
-            <a:hueOff val="0"/>
-            <a:satOff val="0"/>
-            <a:lumOff val="0"/>
-            <a:alphaOff val="0"/>
-          </a:schemeClr>
-        </a:solidFill>
-        <a:ln w="6350" cap="flat" cmpd="sng" algn="ctr">
-          <a:solidFill>
-            <a:schemeClr val="accent4">
-              <a:hueOff val="0"/>
-              <a:satOff val="0"/>
-              <a:lumOff val="0"/>
-              <a:alphaOff val="0"/>
-            </a:schemeClr>
-          </a:solidFill>
-          <a:prstDash val="solid"/>
-          <a:miter lim="800000"/>
-        </a:ln>
-        <a:effectLst/>
-      </dsp:spPr>
-      <dsp:style>
-        <a:lnRef idx="1">
-          <a:scrgbClr r="0" g="0" b="0"/>
-        </a:lnRef>
-        <a:fillRef idx="1">
-          <a:scrgbClr r="0" g="0" b="0"/>
-        </a:fillRef>
-        <a:effectRef idx="2">
-          <a:scrgbClr r="0" g="0" b="0"/>
-        </a:effectRef>
-        <a:fontRef idx="minor"/>
-      </dsp:style>
-      <dsp:txBody>
-        <a:bodyPr spcFirstLastPara="0" vert="horz" wrap="square" lIns="53340" tIns="53340" rIns="53340" bIns="53340" numCol="1" spcCol="1270" anchor="t" anchorCtr="0">
-          <a:noAutofit/>
-        </a:bodyPr>
-        <a:lstStyle/>
-        <a:p>
-          <a:pPr marL="114300" lvl="1" indent="-114300" algn="l" defTabSz="622300">
-            <a:lnSpc>
-              <a:spcPct val="90000"/>
-            </a:lnSpc>
-            <a:spcBef>
-              <a:spcPct val="0"/>
-            </a:spcBef>
-            <a:spcAft>
-              <a:spcPct val="15000"/>
-            </a:spcAft>
-            <a:buChar char="•"/>
-          </a:pPr>
-          <a:r>
-            <a:rPr lang="en-US" sz="1400" kern="1200" dirty="0"/>
-            <a:t>Any tool of the manual type, or even the digital type, such as software, can be described</a:t>
-          </a:r>
-          <a:endParaRPr lang="it-IT" sz="1400" kern="1200" dirty="0"/>
-        </a:p>
-      </dsp:txBody>
-      <dsp:txXfrm>
-        <a:off x="6161500" y="4440653"/>
-        <a:ext cx="1920588" cy="1308068"/>
-      </dsp:txXfrm>
-    </dsp:sp>
-    <dsp:sp modelId="{62B41C99-B227-40F1-A405-504469CF65C9}">
-      <dsp:nvSpPr>
-        <dsp:cNvPr id="0" name=""/>
-        <dsp:cNvSpPr/>
-      </dsp:nvSpPr>
-      <dsp:spPr>
-        <a:xfrm>
-          <a:off x="0" y="3936804"/>
-          <a:ext cx="2859972" cy="1852613"/>
-        </a:xfrm>
-        <a:prstGeom prst="roundRect">
-          <a:avLst>
-            <a:gd name="adj" fmla="val 10000"/>
-          </a:avLst>
-        </a:prstGeom>
-        <a:solidFill>
-          <a:schemeClr val="lt1">
-            <a:alpha val="90000"/>
-            <a:hueOff val="0"/>
-            <a:satOff val="0"/>
-            <a:lumOff val="0"/>
-            <a:alphaOff val="0"/>
-          </a:schemeClr>
-        </a:solidFill>
-        <a:ln w="6350" cap="flat" cmpd="sng" algn="ctr">
-          <a:solidFill>
-            <a:schemeClr val="accent5">
-              <a:hueOff val="0"/>
-              <a:satOff val="0"/>
-              <a:lumOff val="0"/>
-              <a:alphaOff val="0"/>
-            </a:schemeClr>
-          </a:solidFill>
-          <a:prstDash val="solid"/>
-          <a:miter lim="800000"/>
-        </a:ln>
-        <a:effectLst/>
-      </dsp:spPr>
-      <dsp:style>
-        <a:lnRef idx="1">
-          <a:scrgbClr r="0" g="0" b="0"/>
-        </a:lnRef>
-        <a:fillRef idx="1">
-          <a:scrgbClr r="0" g="0" b="0"/>
-        </a:fillRef>
-        <a:effectRef idx="2">
-          <a:scrgbClr r="0" g="0" b="0"/>
-        </a:effectRef>
-        <a:fontRef idx="minor"/>
-      </dsp:style>
-      <dsp:txBody>
-        <a:bodyPr spcFirstLastPara="0" vert="horz" wrap="square" lIns="53340" tIns="53340" rIns="53340" bIns="53340" numCol="1" spcCol="1270" anchor="t" anchorCtr="0">
-          <a:noAutofit/>
-        </a:bodyPr>
-        <a:lstStyle/>
-        <a:p>
-          <a:pPr marL="114300" lvl="1" indent="-114300" algn="l" defTabSz="622300">
-            <a:lnSpc>
-              <a:spcPct val="90000"/>
-            </a:lnSpc>
-            <a:spcBef>
-              <a:spcPct val="0"/>
-            </a:spcBef>
-            <a:spcAft>
-              <a:spcPct val="15000"/>
-            </a:spcAft>
-            <a:buChar char="•"/>
-          </a:pPr>
-          <a:r>
-            <a:rPr lang="en-US" sz="1400" kern="1200" dirty="0"/>
-            <a:t>Describes in the header and the guide itself all used and optional components, redirecting to the store</a:t>
-          </a:r>
-          <a:endParaRPr lang="it-IT" sz="1400" kern="1200" dirty="0"/>
-        </a:p>
-      </dsp:txBody>
-      <dsp:txXfrm>
-        <a:off x="40696" y="4440653"/>
-        <a:ext cx="1920588" cy="1308068"/>
-      </dsp:txXfrm>
-    </dsp:sp>
-    <dsp:sp modelId="{8855DE70-82B1-49F3-8995-1F08E099FB61}">
-      <dsp:nvSpPr>
-        <dsp:cNvPr id="0" name=""/>
-        <dsp:cNvSpPr/>
-      </dsp:nvSpPr>
-      <dsp:spPr>
-        <a:xfrm>
-          <a:off x="5249943" y="0"/>
-          <a:ext cx="2859972" cy="1852613"/>
-        </a:xfrm>
-        <a:prstGeom prst="roundRect">
-          <a:avLst>
-            <a:gd name="adj" fmla="val 10000"/>
-          </a:avLst>
-        </a:prstGeom>
-        <a:solidFill>
-          <a:schemeClr val="lt1">
-            <a:alpha val="90000"/>
-            <a:hueOff val="0"/>
-            <a:satOff val="0"/>
-            <a:lumOff val="0"/>
-            <a:alphaOff val="0"/>
-          </a:schemeClr>
-        </a:solidFill>
-        <a:ln w="6350" cap="flat" cmpd="sng" algn="ctr">
-          <a:solidFill>
-            <a:schemeClr val="accent3">
-              <a:hueOff val="0"/>
-              <a:satOff val="0"/>
-              <a:lumOff val="0"/>
-              <a:alphaOff val="0"/>
-            </a:schemeClr>
-          </a:solidFill>
-          <a:prstDash val="solid"/>
-          <a:miter lim="800000"/>
-        </a:ln>
-        <a:effectLst/>
-      </dsp:spPr>
-      <dsp:style>
-        <a:lnRef idx="1">
-          <a:scrgbClr r="0" g="0" b="0"/>
-        </a:lnRef>
-        <a:fillRef idx="1">
-          <a:scrgbClr r="0" g="0" b="0"/>
-        </a:fillRef>
-        <a:effectRef idx="2">
-          <a:scrgbClr r="0" g="0" b="0"/>
-        </a:effectRef>
-        <a:fontRef idx="minor"/>
-      </dsp:style>
-      <dsp:txBody>
-        <a:bodyPr spcFirstLastPara="0" vert="horz" wrap="square" lIns="72390" tIns="72390" rIns="72390" bIns="72390" numCol="1" spcCol="1270" anchor="t" anchorCtr="0">
-          <a:noAutofit/>
-        </a:bodyPr>
-        <a:lstStyle/>
-        <a:p>
-          <a:pPr marL="114300" lvl="1" indent="-114300" algn="l" defTabSz="666750">
-            <a:lnSpc>
-              <a:spcPct val="90000"/>
-            </a:lnSpc>
-            <a:spcBef>
-              <a:spcPct val="0"/>
-            </a:spcBef>
-            <a:spcAft>
-              <a:spcPct val="15000"/>
-            </a:spcAft>
-            <a:buChar char="•"/>
-          </a:pPr>
-          <a:r>
-            <a:rPr lang="en-US" sz="1500" kern="1200" dirty="0"/>
-            <a:t>To help less experienced users understand the level of knowledge before starting work</a:t>
-          </a:r>
-          <a:endParaRPr lang="it-IT" sz="1500" kern="1200" dirty="0"/>
-        </a:p>
-      </dsp:txBody>
-      <dsp:txXfrm>
-        <a:off x="6148631" y="40696"/>
-        <a:ext cx="1920588" cy="1308068"/>
-      </dsp:txXfrm>
-    </dsp:sp>
-    <dsp:sp modelId="{6B7D53B6-4B03-4F75-94C4-46F60E24E9CE}">
-      <dsp:nvSpPr>
-        <dsp:cNvPr id="0" name=""/>
-        <dsp:cNvSpPr/>
-      </dsp:nvSpPr>
-      <dsp:spPr>
-        <a:xfrm>
-          <a:off x="0" y="0"/>
-          <a:ext cx="2859972" cy="1852613"/>
-        </a:xfrm>
-        <a:prstGeom prst="roundRect">
-          <a:avLst>
-            <a:gd name="adj" fmla="val 10000"/>
-          </a:avLst>
+        <a:prstGeom prst="rect">
+          <a:avLst/>
         </a:prstGeom>
         <a:solidFill>
           <a:schemeClr val="lt1">
@@ -1881,12 +3076,12 @@
         <a:fontRef idx="minor"/>
       </dsp:style>
       <dsp:txBody>
-        <a:bodyPr spcFirstLastPara="0" vert="horz" wrap="square" lIns="72390" tIns="72390" rIns="72390" bIns="72390" numCol="1" spcCol="1270" anchor="t" anchorCtr="0">
+        <a:bodyPr spcFirstLastPara="0" vert="horz" wrap="square" lIns="630823" tIns="395732" rIns="630823" bIns="135128" numCol="1" spcCol="1270" anchor="t" anchorCtr="0">
           <a:noAutofit/>
         </a:bodyPr>
         <a:lstStyle/>
         <a:p>
-          <a:pPr marL="114300" lvl="1" indent="-114300" algn="l" defTabSz="666750">
+          <a:pPr marL="171450" lvl="1" indent="-171450" algn="l" defTabSz="844550">
             <a:lnSpc>
               <a:spcPct val="90000"/>
             </a:lnSpc>
@@ -1899,28 +3094,41 @@
             <a:buChar char="•"/>
           </a:pPr>
           <a:r>
-            <a:rPr lang="en-US" sz="1500" kern="1200" dirty="0"/>
-            <a:t>It could have a Wikipedia-style binder of suggestions.</a:t>
+            <a:rPr lang="en-US" sz="1900" kern="1200">
+              <a:cs typeface="Segoe UI" panose="020B0502040204020203" pitchFamily="34" charset="0"/>
+            </a:rPr>
+            <a:t>Anyone is able to consult the contents published, profiling not required.</a:t>
           </a:r>
-          <a:endParaRPr lang="it-IT" sz="1500" kern="1200" dirty="0"/>
+          <a:br>
+            <a:rPr lang="en-US" sz="1900" kern="1200">
+              <a:cs typeface="Segoe UI" panose="020B0502040204020203" pitchFamily="34" charset="0"/>
+            </a:rPr>
+          </a:br>
+          <a:r>
+            <a:rPr lang="en-US" sz="1900" kern="1200">
+              <a:cs typeface="Segoe UI" panose="020B0502040204020203" pitchFamily="34" charset="0"/>
+            </a:rPr>
+            <a:t>Registered users can create their own personal lists of guides to visit </a:t>
+          </a:r>
+          <a:endParaRPr lang="it-IT" sz="1900" kern="1200" dirty="0"/>
         </a:p>
       </dsp:txBody>
       <dsp:txXfrm>
-        <a:off x="40696" y="40696"/>
-        <a:ext cx="1920588" cy="1308068"/>
+        <a:off x="0" y="498944"/>
+        <a:ext cx="8128000" cy="1705725"/>
       </dsp:txXfrm>
     </dsp:sp>
-    <dsp:sp modelId="{A558877E-3208-477B-AA79-734B2B847881}">
+    <dsp:sp modelId="{C342D461-31C5-4B38-8687-B45F17612DAE}">
       <dsp:nvSpPr>
         <dsp:cNvPr id="0" name=""/>
         <dsp:cNvSpPr/>
       </dsp:nvSpPr>
       <dsp:spPr>
         <a:xfrm>
-          <a:off x="1499287" y="329996"/>
-          <a:ext cx="2506817" cy="2506817"/>
+          <a:off x="406400" y="218504"/>
+          <a:ext cx="5689600" cy="560880"/>
         </a:xfrm>
-        <a:prstGeom prst="pieWedge">
+        <a:prstGeom prst="roundRect">
           <a:avLst/>
         </a:prstGeom>
         <a:gradFill rotWithShape="0">
@@ -1987,12 +3195,12 @@
         </a:fontRef>
       </dsp:style>
       <dsp:txBody>
-        <a:bodyPr spcFirstLastPara="0" vert="horz" wrap="square" lIns="135128" tIns="135128" rIns="135128" bIns="135128" numCol="1" spcCol="1270" anchor="ctr" anchorCtr="0">
+        <a:bodyPr spcFirstLastPara="0" vert="horz" wrap="square" lIns="215053" tIns="0" rIns="215053" bIns="0" numCol="1" spcCol="1270" anchor="ctr" anchorCtr="0">
           <a:noAutofit/>
         </a:bodyPr>
         <a:lstStyle/>
         <a:p>
-          <a:pPr marL="0" lvl="0" indent="0" algn="ctr" defTabSz="844550">
+          <a:pPr marL="0" lvl="0" indent="0" algn="l" defTabSz="844550">
             <a:lnSpc>
               <a:spcPct val="90000"/>
             </a:lnSpc>
@@ -2005,28 +3213,108 @@
             <a:buNone/>
           </a:pPr>
           <a:r>
-            <a:rPr lang="en-US" sz="1900" b="1" kern="1200" dirty="0"/>
-            <a:t>Can only be edited by the author or contributors to the app</a:t>
+            <a:rPr lang="it-IT" sz="1900" b="1" kern="1200" dirty="0"/>
+            <a:t>	QUICK ACCESS</a:t>
           </a:r>
-          <a:endParaRPr lang="it-IT" sz="1900" b="1" kern="1200" dirty="0"/>
+          <a:endParaRPr lang="it-IT" sz="1900" kern="1200" dirty="0"/>
         </a:p>
       </dsp:txBody>
       <dsp:txXfrm>
-        <a:off x="2233517" y="1064226"/>
-        <a:ext cx="1772587" cy="1772587"/>
+        <a:off x="433780" y="245884"/>
+        <a:ext cx="5634840" cy="506120"/>
       </dsp:txXfrm>
     </dsp:sp>
-    <dsp:sp modelId="{030C66A4-2178-45E2-9543-B71308BDB4F9}">
+    <dsp:sp modelId="{AF08B3F1-2702-4E30-82A2-0DB9FDD36A5C}">
       <dsp:nvSpPr>
         <dsp:cNvPr id="0" name=""/>
         <dsp:cNvSpPr/>
       </dsp:nvSpPr>
       <dsp:spPr>
-        <a:xfrm rot="5400000">
-          <a:off x="4121894" y="329996"/>
-          <a:ext cx="2506817" cy="2506817"/>
+        <a:xfrm>
+          <a:off x="0" y="2587709"/>
+          <a:ext cx="8128000" cy="822937"/>
         </a:xfrm>
-        <a:prstGeom prst="pieWedge">
+        <a:prstGeom prst="rect">
+          <a:avLst/>
+        </a:prstGeom>
+        <a:solidFill>
+          <a:schemeClr val="lt1">
+            <a:alpha val="90000"/>
+            <a:hueOff val="0"/>
+            <a:satOff val="0"/>
+            <a:lumOff val="0"/>
+            <a:alphaOff val="0"/>
+          </a:schemeClr>
+        </a:solidFill>
+        <a:ln w="6350" cap="flat" cmpd="sng" algn="ctr">
+          <a:solidFill>
+            <a:schemeClr val="accent3">
+              <a:hueOff val="0"/>
+              <a:satOff val="0"/>
+              <a:lumOff val="0"/>
+              <a:alphaOff val="0"/>
+            </a:schemeClr>
+          </a:solidFill>
+          <a:prstDash val="solid"/>
+          <a:miter lim="800000"/>
+        </a:ln>
+        <a:effectLst/>
+      </dsp:spPr>
+      <dsp:style>
+        <a:lnRef idx="1">
+          <a:scrgbClr r="0" g="0" b="0"/>
+        </a:lnRef>
+        <a:fillRef idx="1">
+          <a:scrgbClr r="0" g="0" b="0"/>
+        </a:fillRef>
+        <a:effectRef idx="2">
+          <a:scrgbClr r="0" g="0" b="0"/>
+        </a:effectRef>
+        <a:fontRef idx="minor"/>
+      </dsp:style>
+      <dsp:txBody>
+        <a:bodyPr spcFirstLastPara="0" vert="horz" wrap="square" lIns="630823" tIns="395732" rIns="630823" bIns="135128" numCol="1" spcCol="1270" anchor="t" anchorCtr="0">
+          <a:noAutofit/>
+        </a:bodyPr>
+        <a:lstStyle/>
+        <a:p>
+          <a:pPr marL="171450" lvl="1" indent="-171450" algn="l" defTabSz="844550">
+            <a:lnSpc>
+              <a:spcPct val="90000"/>
+            </a:lnSpc>
+            <a:spcBef>
+              <a:spcPct val="0"/>
+            </a:spcBef>
+            <a:spcAft>
+              <a:spcPct val="15000"/>
+            </a:spcAft>
+            <a:buChar char="•"/>
+          </a:pPr>
+          <a:r>
+            <a:rPr lang="en-US" sz="1900" kern="1200">
+              <a:cs typeface="Segoe UI" panose="020B0502040204020203" pitchFamily="34" charset="0"/>
+            </a:rPr>
+            <a:t>Registered users can comment and rate the guide with reactions</a:t>
+          </a:r>
+          <a:endParaRPr lang="it-IT" sz="1900" kern="1200" dirty="0"/>
+        </a:p>
+      </dsp:txBody>
+      <dsp:txXfrm>
+        <a:off x="0" y="2587709"/>
+        <a:ext cx="8128000" cy="822937"/>
+      </dsp:txXfrm>
+    </dsp:sp>
+    <dsp:sp modelId="{1F0B3AC5-6E14-4B12-ADB3-7CFD73337E90}">
+      <dsp:nvSpPr>
+        <dsp:cNvPr id="0" name=""/>
+        <dsp:cNvSpPr/>
+      </dsp:nvSpPr>
+      <dsp:spPr>
+        <a:xfrm>
+          <a:off x="406400" y="2307269"/>
+          <a:ext cx="5689600" cy="560880"/>
+        </a:xfrm>
+        <a:prstGeom prst="roundRect">
           <a:avLst/>
         </a:prstGeom>
         <a:gradFill rotWithShape="0">
@@ -2093,12 +3381,12 @@
         </a:fontRef>
       </dsp:style>
       <dsp:txBody>
-        <a:bodyPr spcFirstLastPara="0" vert="horz" wrap="square" lIns="135128" tIns="135128" rIns="135128" bIns="135128" numCol="1" spcCol="1270" anchor="ctr" anchorCtr="0">
+        <a:bodyPr spcFirstLastPara="0" vert="horz" wrap="square" lIns="215053" tIns="0" rIns="215053" bIns="0" numCol="1" spcCol="1270" anchor="ctr" anchorCtr="0">
           <a:noAutofit/>
         </a:bodyPr>
         <a:lstStyle/>
         <a:p>
-          <a:pPr marL="0" lvl="0" indent="0" algn="ctr" defTabSz="844550">
+          <a:pPr marL="0" lvl="0" indent="0" algn="l" defTabSz="844550">
             <a:lnSpc>
               <a:spcPct val="90000"/>
             </a:lnSpc>
@@ -2111,28 +3399,108 @@
             <a:buNone/>
           </a:pPr>
           <a:r>
-            <a:rPr lang="en-US" sz="1900" b="1" kern="1200" dirty="0"/>
-            <a:t>Has a level of difficulty</a:t>
+            <a:rPr lang="it-IT" sz="1900" b="1" kern="1200" dirty="0"/>
+            <a:t>	FEEDBACK</a:t>
           </a:r>
-          <a:endParaRPr lang="it-IT" sz="1900" b="1" kern="1200" dirty="0"/>
+          <a:endParaRPr lang="it-IT" sz="1900" kern="1200" dirty="0"/>
         </a:p>
       </dsp:txBody>
-      <dsp:txXfrm rot="-5400000">
-        <a:off x="4121894" y="1064226"/>
-        <a:ext cx="1772587" cy="1772587"/>
+      <dsp:txXfrm>
+        <a:off x="433780" y="2334649"/>
+        <a:ext cx="5634840" cy="506120"/>
       </dsp:txXfrm>
     </dsp:sp>
-    <dsp:sp modelId="{5B20D011-5AE2-4073-8649-7ED421F2F4C1}">
+    <dsp:sp modelId="{C449F326-FFFE-452A-AE1F-B59A735CAD2E}">
       <dsp:nvSpPr>
         <dsp:cNvPr id="0" name=""/>
         <dsp:cNvSpPr/>
       </dsp:nvSpPr>
       <dsp:spPr>
-        <a:xfrm rot="10800000">
-          <a:off x="4121894" y="2952603"/>
-          <a:ext cx="2506817" cy="2506817"/>
+        <a:xfrm>
+          <a:off x="0" y="3793687"/>
+          <a:ext cx="8128000" cy="1406475"/>
         </a:xfrm>
-        <a:prstGeom prst="pieWedge">
+        <a:prstGeom prst="rect">
+          <a:avLst/>
+        </a:prstGeom>
+        <a:solidFill>
+          <a:schemeClr val="lt1">
+            <a:alpha val="90000"/>
+            <a:hueOff val="0"/>
+            <a:satOff val="0"/>
+            <a:lumOff val="0"/>
+            <a:alphaOff val="0"/>
+          </a:schemeClr>
+        </a:solidFill>
+        <a:ln w="6350" cap="flat" cmpd="sng" algn="ctr">
+          <a:solidFill>
+            <a:schemeClr val="accent4">
+              <a:hueOff val="0"/>
+              <a:satOff val="0"/>
+              <a:lumOff val="0"/>
+              <a:alphaOff val="0"/>
+            </a:schemeClr>
+          </a:solidFill>
+          <a:prstDash val="solid"/>
+          <a:miter lim="800000"/>
+        </a:ln>
+        <a:effectLst/>
+      </dsp:spPr>
+      <dsp:style>
+        <a:lnRef idx="1">
+          <a:scrgbClr r="0" g="0" b="0"/>
+        </a:lnRef>
+        <a:fillRef idx="1">
+          <a:scrgbClr r="0" g="0" b="0"/>
+        </a:fillRef>
+        <a:effectRef idx="2">
+          <a:scrgbClr r="0" g="0" b="0"/>
+        </a:effectRef>
+        <a:fontRef idx="minor"/>
+      </dsp:style>
+      <dsp:txBody>
+        <a:bodyPr spcFirstLastPara="0" vert="horz" wrap="square" lIns="630823" tIns="395732" rIns="630823" bIns="135128" numCol="1" spcCol="1270" anchor="t" anchorCtr="0">
+          <a:noAutofit/>
+        </a:bodyPr>
+        <a:lstStyle/>
+        <a:p>
+          <a:pPr marL="171450" lvl="1" indent="-171450" algn="l" defTabSz="844550">
+            <a:lnSpc>
+              <a:spcPct val="90000"/>
+            </a:lnSpc>
+            <a:spcBef>
+              <a:spcPct val="0"/>
+            </a:spcBef>
+            <a:spcAft>
+              <a:spcPct val="15000"/>
+            </a:spcAft>
+            <a:buChar char="•"/>
+          </a:pPr>
+          <a:r>
+            <a:rPr lang="en-US" sz="1900" kern="1200">
+              <a:cs typeface="Segoe UI" panose="020B0502040204020203" pitchFamily="34" charset="0"/>
+            </a:rPr>
+            <a:t>Those who are registered can also contribute and write their own guide. If approved, it can be researched by anyone under given category </a:t>
+          </a:r>
+          <a:endParaRPr lang="it-IT" sz="1900" kern="1200" dirty="0"/>
+        </a:p>
+      </dsp:txBody>
+      <dsp:txXfrm>
+        <a:off x="0" y="3793687"/>
+        <a:ext cx="8128000" cy="1406475"/>
+      </dsp:txXfrm>
+    </dsp:sp>
+    <dsp:sp modelId="{6F78D9F1-E1C6-42C0-B727-C6E7CE70906E}">
+      <dsp:nvSpPr>
+        <dsp:cNvPr id="0" name=""/>
+        <dsp:cNvSpPr/>
+      </dsp:nvSpPr>
+      <dsp:spPr>
+        <a:xfrm>
+          <a:off x="406400" y="3513247"/>
+          <a:ext cx="5689600" cy="560880"/>
+        </a:xfrm>
+        <a:prstGeom prst="roundRect">
           <a:avLst/>
         </a:prstGeom>
         <a:gradFill rotWithShape="0">
@@ -2199,12 +3567,12 @@
         </a:fontRef>
       </dsp:style>
       <dsp:txBody>
-        <a:bodyPr spcFirstLastPara="0" vert="horz" wrap="square" lIns="135128" tIns="135128" rIns="135128" bIns="135128" numCol="1" spcCol="1270" anchor="ctr" anchorCtr="0">
+        <a:bodyPr spcFirstLastPara="0" vert="horz" wrap="square" lIns="215053" tIns="0" rIns="215053" bIns="0" numCol="1" spcCol="1270" anchor="ctr" anchorCtr="0">
           <a:noAutofit/>
         </a:bodyPr>
         <a:lstStyle/>
         <a:p>
-          <a:pPr marL="0" lvl="0" indent="0" algn="ctr" defTabSz="844550">
+          <a:pPr marL="0" lvl="0" indent="0" algn="l" defTabSz="844550">
             <a:lnSpc>
               <a:spcPct val="90000"/>
             </a:lnSpc>
@@ -2217,29 +3585,651 @@
             <a:buNone/>
           </a:pPr>
           <a:r>
-            <a:rPr lang="en-US" sz="1900" b="1" kern="1200" dirty="0"/>
-            <a:t>Must describe all tools used</a:t>
+            <a:rPr lang="it-IT" sz="1900" b="1" kern="1200" dirty="0"/>
+            <a:t>	WRITE YOUR OWN GUIDE</a:t>
           </a:r>
-          <a:endParaRPr lang="it-IT" sz="1900" b="1" kern="1200" dirty="0"/>
+          <a:endParaRPr lang="it-IT" sz="1900" kern="1200" dirty="0"/>
         </a:p>
       </dsp:txBody>
-      <dsp:txXfrm rot="10800000">
-        <a:off x="4121894" y="2952603"/>
-        <a:ext cx="1772587" cy="1772587"/>
+      <dsp:txXfrm>
+        <a:off x="433780" y="3540627"/>
+        <a:ext cx="5634840" cy="506120"/>
       </dsp:txXfrm>
     </dsp:sp>
-    <dsp:sp modelId="{B592C757-66C5-4660-8D31-35100AA125C7}">
+  </dsp:spTree>
+</dsp:drawing>
+</file>
+
+<file path=ppt/diagrams/drawing2.xml><?xml version="1.0" encoding="utf-8"?>
+<dsp:drawing xmlns:dgm="http://schemas.openxmlformats.org/drawingml/2006/diagram" xmlns:dsp="http://schemas.microsoft.com/office/drawing/2008/diagram" xmlns:a="http://schemas.openxmlformats.org/drawingml/2006/main">
+  <dsp:spTree>
+    <dsp:nvGrpSpPr>
+      <dsp:cNvPr id="0" name=""/>
+      <dsp:cNvGrpSpPr/>
+    </dsp:nvGrpSpPr>
+    <dsp:grpSpPr/>
+    <dsp:sp modelId="{63868493-A5B0-4EFB-BFD6-B73A078941D3}">
       <dsp:nvSpPr>
         <dsp:cNvPr id="0" name=""/>
         <dsp:cNvSpPr/>
       </dsp:nvSpPr>
       <dsp:spPr>
-        <a:xfrm rot="16200000">
-          <a:off x="1499287" y="2952603"/>
-          <a:ext cx="2506817" cy="2506817"/>
+        <a:xfrm>
+          <a:off x="6302" y="0"/>
+          <a:ext cx="2211734" cy="5947810"/>
         </a:xfrm>
-        <a:prstGeom prst="pieWedge">
-          <a:avLst/>
+        <a:prstGeom prst="roundRect">
+          <a:avLst>
+            <a:gd name="adj" fmla="val 10000"/>
+          </a:avLst>
+        </a:prstGeom>
+        <a:solidFill>
+          <a:schemeClr val="accent2">
+            <a:tint val="40000"/>
+            <a:hueOff val="0"/>
+            <a:satOff val="0"/>
+            <a:lumOff val="0"/>
+            <a:alphaOff val="0"/>
+          </a:schemeClr>
+        </a:solidFill>
+        <a:ln>
+          <a:noFill/>
+        </a:ln>
+        <a:effectLst/>
+      </dsp:spPr>
+      <dsp:style>
+        <a:lnRef idx="0">
+          <a:scrgbClr r="0" g="0" b="0"/>
+        </a:lnRef>
+        <a:fillRef idx="1">
+          <a:scrgbClr r="0" g="0" b="0"/>
+        </a:fillRef>
+        <a:effectRef idx="2">
+          <a:scrgbClr r="0" g="0" b="0"/>
+        </a:effectRef>
+        <a:fontRef idx="minor"/>
+      </dsp:style>
+      <dsp:txBody>
+        <a:bodyPr spcFirstLastPara="0" vert="horz" wrap="square" lIns="80010" tIns="80010" rIns="80010" bIns="80010" numCol="1" spcCol="1270" anchor="ctr" anchorCtr="0">
+          <a:noAutofit/>
+        </a:bodyPr>
+        <a:lstStyle/>
+        <a:p>
+          <a:pPr marL="0" lvl="0" indent="0" algn="ctr" defTabSz="933450">
+            <a:lnSpc>
+              <a:spcPct val="90000"/>
+            </a:lnSpc>
+            <a:spcBef>
+              <a:spcPct val="0"/>
+            </a:spcBef>
+            <a:spcAft>
+              <a:spcPct val="35000"/>
+            </a:spcAft>
+            <a:buNone/>
+          </a:pPr>
+          <a:r>
+            <a:rPr lang="en-US" sz="2100" b="1" kern="1200" dirty="0"/>
+            <a:t>Keywords and demonstration images</a:t>
+          </a:r>
+          <a:endParaRPr lang="it-IT" sz="2100" b="1" kern="1200" dirty="0"/>
+        </a:p>
+      </dsp:txBody>
+      <dsp:txXfrm>
+        <a:off x="6302" y="0"/>
+        <a:ext cx="2211734" cy="1784343"/>
+      </dsp:txXfrm>
+    </dsp:sp>
+    <dsp:sp modelId="{22960FB9-B0EC-461B-9D29-93B56B7208CE}">
+      <dsp:nvSpPr>
+        <dsp:cNvPr id="0" name=""/>
+        <dsp:cNvSpPr/>
+      </dsp:nvSpPr>
+      <dsp:spPr>
+        <a:xfrm>
+          <a:off x="227476" y="1784343"/>
+          <a:ext cx="1769387" cy="3866076"/>
+        </a:xfrm>
+        <a:prstGeom prst="roundRect">
+          <a:avLst>
+            <a:gd name="adj" fmla="val 10000"/>
+          </a:avLst>
+        </a:prstGeom>
+        <a:gradFill rotWithShape="0">
+          <a:gsLst>
+            <a:gs pos="0">
+              <a:schemeClr val="accent2">
+                <a:hueOff val="0"/>
+                <a:satOff val="0"/>
+                <a:lumOff val="0"/>
+                <a:alphaOff val="0"/>
+                <a:satMod val="103000"/>
+                <a:lumMod val="102000"/>
+                <a:tint val="94000"/>
+              </a:schemeClr>
+            </a:gs>
+            <a:gs pos="50000">
+              <a:schemeClr val="accent2">
+                <a:hueOff val="0"/>
+                <a:satOff val="0"/>
+                <a:lumOff val="0"/>
+                <a:alphaOff val="0"/>
+                <a:satMod val="110000"/>
+                <a:lumMod val="100000"/>
+                <a:shade val="100000"/>
+              </a:schemeClr>
+            </a:gs>
+            <a:gs pos="100000">
+              <a:schemeClr val="accent2">
+                <a:hueOff val="0"/>
+                <a:satOff val="0"/>
+                <a:lumOff val="0"/>
+                <a:alphaOff val="0"/>
+                <a:lumMod val="99000"/>
+                <a:satMod val="120000"/>
+                <a:shade val="78000"/>
+              </a:schemeClr>
+            </a:gs>
+          </a:gsLst>
+          <a:lin ang="5400000" scaled="0"/>
+        </a:gradFill>
+        <a:ln>
+          <a:noFill/>
+        </a:ln>
+        <a:effectLst>
+          <a:outerShdw blurRad="57150" dist="19050" dir="5400000" algn="ctr" rotWithShape="0">
+            <a:srgbClr val="000000">
+              <a:alpha val="63000"/>
+            </a:srgbClr>
+          </a:outerShdw>
+        </a:effectLst>
+      </dsp:spPr>
+      <dsp:style>
+        <a:lnRef idx="0">
+          <a:scrgbClr r="0" g="0" b="0"/>
+        </a:lnRef>
+        <a:fillRef idx="3">
+          <a:scrgbClr r="0" g="0" b="0"/>
+        </a:fillRef>
+        <a:effectRef idx="3">
+          <a:scrgbClr r="0" g="0" b="0"/>
+        </a:effectRef>
+        <a:fontRef idx="minor">
+          <a:schemeClr val="lt1"/>
+        </a:fontRef>
+      </dsp:style>
+      <dsp:txBody>
+        <a:bodyPr spcFirstLastPara="0" vert="horz" wrap="square" lIns="60960" tIns="45720" rIns="60960" bIns="45720" numCol="1" spcCol="1270" anchor="ctr" anchorCtr="0">
+          <a:noAutofit/>
+        </a:bodyPr>
+        <a:lstStyle/>
+        <a:p>
+          <a:pPr marL="0" lvl="0" indent="0" algn="ctr" defTabSz="1066800">
+            <a:lnSpc>
+              <a:spcPct val="90000"/>
+            </a:lnSpc>
+            <a:spcBef>
+              <a:spcPct val="0"/>
+            </a:spcBef>
+            <a:spcAft>
+              <a:spcPct val="35000"/>
+            </a:spcAft>
+            <a:buNone/>
+          </a:pPr>
+          <a:r>
+            <a:rPr lang="en-US" sz="2400" b="0" kern="1200" dirty="0"/>
+            <a:t>Demonstrated step-by-step to facilitate the user's work</a:t>
+          </a:r>
+          <a:endParaRPr lang="it-IT" sz="2400" b="0" kern="1200" dirty="0"/>
+        </a:p>
+      </dsp:txBody>
+      <dsp:txXfrm>
+        <a:off x="279300" y="1836167"/>
+        <a:ext cx="1665739" cy="3762428"/>
+      </dsp:txXfrm>
+    </dsp:sp>
+    <dsp:sp modelId="{B613E02B-AD3A-4748-8ED7-52EB6444B941}">
+      <dsp:nvSpPr>
+        <dsp:cNvPr id="0" name=""/>
+        <dsp:cNvSpPr/>
+      </dsp:nvSpPr>
+      <dsp:spPr>
+        <a:xfrm>
+          <a:off x="2383917" y="0"/>
+          <a:ext cx="2211734" cy="5947810"/>
+        </a:xfrm>
+        <a:prstGeom prst="roundRect">
+          <a:avLst>
+            <a:gd name="adj" fmla="val 10000"/>
+          </a:avLst>
+        </a:prstGeom>
+        <a:solidFill>
+          <a:schemeClr val="accent2">
+            <a:tint val="40000"/>
+            <a:hueOff val="0"/>
+            <a:satOff val="0"/>
+            <a:lumOff val="0"/>
+            <a:alphaOff val="0"/>
+          </a:schemeClr>
+        </a:solidFill>
+        <a:ln>
+          <a:noFill/>
+        </a:ln>
+        <a:effectLst/>
+      </dsp:spPr>
+      <dsp:style>
+        <a:lnRef idx="0">
+          <a:scrgbClr r="0" g="0" b="0"/>
+        </a:lnRef>
+        <a:fillRef idx="1">
+          <a:scrgbClr r="0" g="0" b="0"/>
+        </a:fillRef>
+        <a:effectRef idx="2">
+          <a:scrgbClr r="0" g="0" b="0"/>
+        </a:effectRef>
+        <a:fontRef idx="minor"/>
+      </dsp:style>
+      <dsp:txBody>
+        <a:bodyPr spcFirstLastPara="0" vert="horz" wrap="square" lIns="80010" tIns="80010" rIns="80010" bIns="80010" numCol="1" spcCol="1270" anchor="ctr" anchorCtr="0">
+          <a:noAutofit/>
+        </a:bodyPr>
+        <a:lstStyle/>
+        <a:p>
+          <a:pPr marL="0" lvl="0" indent="0" algn="ctr" defTabSz="933450">
+            <a:lnSpc>
+              <a:spcPct val="90000"/>
+            </a:lnSpc>
+            <a:spcBef>
+              <a:spcPct val="0"/>
+            </a:spcBef>
+            <a:spcAft>
+              <a:spcPct val="35000"/>
+            </a:spcAft>
+            <a:buNone/>
+          </a:pPr>
+          <a:r>
+            <a:rPr lang="en-US" sz="2100" b="1" kern="1200" dirty="0"/>
+            <a:t>Can only be edited by the author or contributors to the app</a:t>
+          </a:r>
+          <a:endParaRPr lang="it-IT" sz="2100" b="1" kern="1200" dirty="0"/>
+        </a:p>
+      </dsp:txBody>
+      <dsp:txXfrm>
+        <a:off x="2383917" y="0"/>
+        <a:ext cx="2211734" cy="1784343"/>
+      </dsp:txXfrm>
+    </dsp:sp>
+    <dsp:sp modelId="{1958474B-3B53-49A4-9FC5-C82F6C7D6B0A}">
+      <dsp:nvSpPr>
+        <dsp:cNvPr id="0" name=""/>
+        <dsp:cNvSpPr/>
+      </dsp:nvSpPr>
+      <dsp:spPr>
+        <a:xfrm>
+          <a:off x="2605091" y="1784343"/>
+          <a:ext cx="1769387" cy="3866076"/>
+        </a:xfrm>
+        <a:prstGeom prst="roundRect">
+          <a:avLst>
+            <a:gd name="adj" fmla="val 10000"/>
+          </a:avLst>
+        </a:prstGeom>
+        <a:gradFill rotWithShape="0">
+          <a:gsLst>
+            <a:gs pos="0">
+              <a:schemeClr val="accent3">
+                <a:hueOff val="0"/>
+                <a:satOff val="0"/>
+                <a:lumOff val="0"/>
+                <a:alphaOff val="0"/>
+                <a:satMod val="103000"/>
+                <a:lumMod val="102000"/>
+                <a:tint val="94000"/>
+              </a:schemeClr>
+            </a:gs>
+            <a:gs pos="50000">
+              <a:schemeClr val="accent3">
+                <a:hueOff val="0"/>
+                <a:satOff val="0"/>
+                <a:lumOff val="0"/>
+                <a:alphaOff val="0"/>
+                <a:satMod val="110000"/>
+                <a:lumMod val="100000"/>
+                <a:shade val="100000"/>
+              </a:schemeClr>
+            </a:gs>
+            <a:gs pos="100000">
+              <a:schemeClr val="accent3">
+                <a:hueOff val="0"/>
+                <a:satOff val="0"/>
+                <a:lumOff val="0"/>
+                <a:alphaOff val="0"/>
+                <a:lumMod val="99000"/>
+                <a:satMod val="120000"/>
+                <a:shade val="78000"/>
+              </a:schemeClr>
+            </a:gs>
+          </a:gsLst>
+          <a:lin ang="5400000" scaled="0"/>
+        </a:gradFill>
+        <a:ln>
+          <a:noFill/>
+        </a:ln>
+        <a:effectLst>
+          <a:outerShdw blurRad="57150" dist="19050" dir="5400000" algn="ctr" rotWithShape="0">
+            <a:srgbClr val="000000">
+              <a:alpha val="63000"/>
+            </a:srgbClr>
+          </a:outerShdw>
+        </a:effectLst>
+      </dsp:spPr>
+      <dsp:style>
+        <a:lnRef idx="0">
+          <a:scrgbClr r="0" g="0" b="0"/>
+        </a:lnRef>
+        <a:fillRef idx="3">
+          <a:scrgbClr r="0" g="0" b="0"/>
+        </a:fillRef>
+        <a:effectRef idx="3">
+          <a:scrgbClr r="0" g="0" b="0"/>
+        </a:effectRef>
+        <a:fontRef idx="minor">
+          <a:schemeClr val="lt1"/>
+        </a:fontRef>
+      </dsp:style>
+      <dsp:txBody>
+        <a:bodyPr spcFirstLastPara="0" vert="horz" wrap="square" lIns="50800" tIns="38100" rIns="50800" bIns="38100" numCol="1" spcCol="1270" anchor="ctr" anchorCtr="0">
+          <a:noAutofit/>
+        </a:bodyPr>
+        <a:lstStyle/>
+        <a:p>
+          <a:pPr marL="0" lvl="0" indent="0" algn="ctr" defTabSz="889000">
+            <a:lnSpc>
+              <a:spcPct val="90000"/>
+            </a:lnSpc>
+            <a:spcBef>
+              <a:spcPct val="0"/>
+            </a:spcBef>
+            <a:spcAft>
+              <a:spcPct val="35000"/>
+            </a:spcAft>
+            <a:buNone/>
+          </a:pPr>
+          <a:r>
+            <a:rPr lang="en-US" sz="2000" kern="1200" dirty="0"/>
+            <a:t>It could have a Wikipedia-style binder of suggestions.</a:t>
+          </a:r>
+          <a:endParaRPr lang="it-IT" sz="2000" kern="1200" dirty="0"/>
+        </a:p>
+      </dsp:txBody>
+      <dsp:txXfrm>
+        <a:off x="2656915" y="1836167"/>
+        <a:ext cx="1665739" cy="3762428"/>
+      </dsp:txXfrm>
+    </dsp:sp>
+    <dsp:sp modelId="{F541FBF4-ED2A-4A3F-B331-8D627EF19C29}">
+      <dsp:nvSpPr>
+        <dsp:cNvPr id="0" name=""/>
+        <dsp:cNvSpPr/>
+      </dsp:nvSpPr>
+      <dsp:spPr>
+        <a:xfrm>
+          <a:off x="4761532" y="0"/>
+          <a:ext cx="2211734" cy="5947810"/>
+        </a:xfrm>
+        <a:prstGeom prst="roundRect">
+          <a:avLst>
+            <a:gd name="adj" fmla="val 10000"/>
+          </a:avLst>
+        </a:prstGeom>
+        <a:solidFill>
+          <a:schemeClr val="accent2">
+            <a:tint val="40000"/>
+            <a:hueOff val="0"/>
+            <a:satOff val="0"/>
+            <a:lumOff val="0"/>
+            <a:alphaOff val="0"/>
+          </a:schemeClr>
+        </a:solidFill>
+        <a:ln>
+          <a:noFill/>
+        </a:ln>
+        <a:effectLst/>
+      </dsp:spPr>
+      <dsp:style>
+        <a:lnRef idx="0">
+          <a:scrgbClr r="0" g="0" b="0"/>
+        </a:lnRef>
+        <a:fillRef idx="1">
+          <a:scrgbClr r="0" g="0" b="0"/>
+        </a:fillRef>
+        <a:effectRef idx="2">
+          <a:scrgbClr r="0" g="0" b="0"/>
+        </a:effectRef>
+        <a:fontRef idx="minor"/>
+      </dsp:style>
+      <dsp:txBody>
+        <a:bodyPr spcFirstLastPara="0" vert="horz" wrap="square" lIns="80010" tIns="80010" rIns="80010" bIns="80010" numCol="1" spcCol="1270" anchor="ctr" anchorCtr="0">
+          <a:noAutofit/>
+        </a:bodyPr>
+        <a:lstStyle/>
+        <a:p>
+          <a:pPr marL="0" lvl="0" indent="0" algn="ctr" defTabSz="933450">
+            <a:lnSpc>
+              <a:spcPct val="90000"/>
+            </a:lnSpc>
+            <a:spcBef>
+              <a:spcPct val="0"/>
+            </a:spcBef>
+            <a:spcAft>
+              <a:spcPct val="35000"/>
+            </a:spcAft>
+            <a:buNone/>
+          </a:pPr>
+          <a:r>
+            <a:rPr lang="en-US" sz="2100" b="1" kern="1200" dirty="0"/>
+            <a:t>Has a level of difficulty</a:t>
+          </a:r>
+          <a:endParaRPr lang="it-IT" sz="2100" b="1" kern="1200" dirty="0"/>
+        </a:p>
+      </dsp:txBody>
+      <dsp:txXfrm>
+        <a:off x="4761532" y="0"/>
+        <a:ext cx="2211734" cy="1784343"/>
+      </dsp:txXfrm>
+    </dsp:sp>
+    <dsp:sp modelId="{F1DDAAB3-B087-4E4C-8FB8-D27251089A2D}">
+      <dsp:nvSpPr>
+        <dsp:cNvPr id="0" name=""/>
+        <dsp:cNvSpPr/>
+      </dsp:nvSpPr>
+      <dsp:spPr>
+        <a:xfrm>
+          <a:off x="4982706" y="1784343"/>
+          <a:ext cx="1769387" cy="3866076"/>
+        </a:xfrm>
+        <a:prstGeom prst="roundRect">
+          <a:avLst>
+            <a:gd name="adj" fmla="val 10000"/>
+          </a:avLst>
+        </a:prstGeom>
+        <a:gradFill rotWithShape="0">
+          <a:gsLst>
+            <a:gs pos="0">
+              <a:schemeClr val="accent4">
+                <a:hueOff val="0"/>
+                <a:satOff val="0"/>
+                <a:lumOff val="0"/>
+                <a:alphaOff val="0"/>
+                <a:satMod val="103000"/>
+                <a:lumMod val="102000"/>
+                <a:tint val="94000"/>
+              </a:schemeClr>
+            </a:gs>
+            <a:gs pos="50000">
+              <a:schemeClr val="accent4">
+                <a:hueOff val="0"/>
+                <a:satOff val="0"/>
+                <a:lumOff val="0"/>
+                <a:alphaOff val="0"/>
+                <a:satMod val="110000"/>
+                <a:lumMod val="100000"/>
+                <a:shade val="100000"/>
+              </a:schemeClr>
+            </a:gs>
+            <a:gs pos="100000">
+              <a:schemeClr val="accent4">
+                <a:hueOff val="0"/>
+                <a:satOff val="0"/>
+                <a:lumOff val="0"/>
+                <a:alphaOff val="0"/>
+                <a:lumMod val="99000"/>
+                <a:satMod val="120000"/>
+                <a:shade val="78000"/>
+              </a:schemeClr>
+            </a:gs>
+          </a:gsLst>
+          <a:lin ang="5400000" scaled="0"/>
+        </a:gradFill>
+        <a:ln>
+          <a:noFill/>
+        </a:ln>
+        <a:effectLst>
+          <a:outerShdw blurRad="57150" dist="19050" dir="5400000" algn="ctr" rotWithShape="0">
+            <a:srgbClr val="000000">
+              <a:alpha val="63000"/>
+            </a:srgbClr>
+          </a:outerShdw>
+        </a:effectLst>
+      </dsp:spPr>
+      <dsp:style>
+        <a:lnRef idx="0">
+          <a:scrgbClr r="0" g="0" b="0"/>
+        </a:lnRef>
+        <a:fillRef idx="3">
+          <a:scrgbClr r="0" g="0" b="0"/>
+        </a:fillRef>
+        <a:effectRef idx="3">
+          <a:scrgbClr r="0" g="0" b="0"/>
+        </a:effectRef>
+        <a:fontRef idx="minor">
+          <a:schemeClr val="lt1"/>
+        </a:fontRef>
+      </dsp:style>
+      <dsp:txBody>
+        <a:bodyPr spcFirstLastPara="0" vert="horz" wrap="square" lIns="58420" tIns="43815" rIns="58420" bIns="43815" numCol="1" spcCol="1270" anchor="ctr" anchorCtr="0">
+          <a:noAutofit/>
+        </a:bodyPr>
+        <a:lstStyle/>
+        <a:p>
+          <a:pPr marL="0" lvl="0" indent="0" algn="ctr" defTabSz="1022350">
+            <a:lnSpc>
+              <a:spcPct val="90000"/>
+            </a:lnSpc>
+            <a:spcBef>
+              <a:spcPct val="0"/>
+            </a:spcBef>
+            <a:spcAft>
+              <a:spcPct val="35000"/>
+            </a:spcAft>
+            <a:buNone/>
+          </a:pPr>
+          <a:r>
+            <a:rPr lang="en-US" sz="2300" kern="1200" dirty="0"/>
+            <a:t>To help less experienced users understand the level of knowledge before starting work</a:t>
+          </a:r>
+          <a:endParaRPr lang="it-IT" sz="2300" kern="1200" dirty="0"/>
+        </a:p>
+      </dsp:txBody>
+      <dsp:txXfrm>
+        <a:off x="5034530" y="1836167"/>
+        <a:ext cx="1665739" cy="3762428"/>
+      </dsp:txXfrm>
+    </dsp:sp>
+    <dsp:sp modelId="{541CF748-45E1-42E2-9842-E30B7095D05D}">
+      <dsp:nvSpPr>
+        <dsp:cNvPr id="0" name=""/>
+        <dsp:cNvSpPr/>
+      </dsp:nvSpPr>
+      <dsp:spPr>
+        <a:xfrm>
+          <a:off x="7139147" y="0"/>
+          <a:ext cx="2211734" cy="5947810"/>
+        </a:xfrm>
+        <a:prstGeom prst="roundRect">
+          <a:avLst>
+            <a:gd name="adj" fmla="val 10000"/>
+          </a:avLst>
+        </a:prstGeom>
+        <a:solidFill>
+          <a:schemeClr val="accent2">
+            <a:tint val="40000"/>
+            <a:hueOff val="0"/>
+            <a:satOff val="0"/>
+            <a:lumOff val="0"/>
+            <a:alphaOff val="0"/>
+          </a:schemeClr>
+        </a:solidFill>
+        <a:ln>
+          <a:noFill/>
+        </a:ln>
+        <a:effectLst/>
+      </dsp:spPr>
+      <dsp:style>
+        <a:lnRef idx="0">
+          <a:scrgbClr r="0" g="0" b="0"/>
+        </a:lnRef>
+        <a:fillRef idx="1">
+          <a:scrgbClr r="0" g="0" b="0"/>
+        </a:fillRef>
+        <a:effectRef idx="2">
+          <a:scrgbClr r="0" g="0" b="0"/>
+        </a:effectRef>
+        <a:fontRef idx="minor"/>
+      </dsp:style>
+      <dsp:txBody>
+        <a:bodyPr spcFirstLastPara="0" vert="horz" wrap="square" lIns="64770" tIns="64770" rIns="64770" bIns="64770" numCol="1" spcCol="1270" anchor="ctr" anchorCtr="0">
+          <a:noAutofit/>
+        </a:bodyPr>
+        <a:lstStyle/>
+        <a:p>
+          <a:pPr marL="0" lvl="0" indent="0" algn="ctr" defTabSz="755650">
+            <a:lnSpc>
+              <a:spcPct val="90000"/>
+            </a:lnSpc>
+            <a:spcBef>
+              <a:spcPct val="0"/>
+            </a:spcBef>
+            <a:spcAft>
+              <a:spcPct val="35000"/>
+            </a:spcAft>
+            <a:buNone/>
+          </a:pPr>
+          <a:r>
+            <a:rPr lang="en-US" sz="1700" b="1" kern="1200" dirty="0"/>
+            <a:t>Must describe all tools used</a:t>
+          </a:r>
+          <a:endParaRPr lang="it-IT" sz="1700" b="1" kern="1200" dirty="0"/>
+        </a:p>
+      </dsp:txBody>
+      <dsp:txXfrm>
+        <a:off x="7139147" y="0"/>
+        <a:ext cx="2211734" cy="1784343"/>
+      </dsp:txXfrm>
+    </dsp:sp>
+    <dsp:sp modelId="{2B28B881-AF5D-4C71-9B84-C095985EC724}">
+      <dsp:nvSpPr>
+        <dsp:cNvPr id="0" name=""/>
+        <dsp:cNvSpPr/>
+      </dsp:nvSpPr>
+      <dsp:spPr>
+        <a:xfrm>
+          <a:off x="7360320" y="1784343"/>
+          <a:ext cx="1769387" cy="3866076"/>
+        </a:xfrm>
+        <a:prstGeom prst="roundRect">
+          <a:avLst>
+            <a:gd name="adj" fmla="val 10000"/>
+          </a:avLst>
         </a:prstGeom>
         <a:gradFill rotWithShape="0">
           <a:gsLst>
@@ -2305,12 +4295,12 @@
         </a:fontRef>
       </dsp:style>
       <dsp:txBody>
-        <a:bodyPr spcFirstLastPara="0" vert="horz" wrap="square" lIns="135128" tIns="135128" rIns="135128" bIns="135128" numCol="1" spcCol="1270" anchor="ctr" anchorCtr="0">
+        <a:bodyPr spcFirstLastPara="0" vert="horz" wrap="square" lIns="45720" tIns="34290" rIns="45720" bIns="34290" numCol="1" spcCol="1270" anchor="ctr" anchorCtr="0">
           <a:noAutofit/>
         </a:bodyPr>
         <a:lstStyle/>
         <a:p>
-          <a:pPr marL="0" lvl="0" indent="0" algn="ctr" defTabSz="844550">
+          <a:pPr marL="0" lvl="0" indent="0" algn="ctr" defTabSz="800100">
             <a:lnSpc>
               <a:spcPct val="90000"/>
             </a:lnSpc>
@@ -2323,35 +4313,107 @@
             <a:buNone/>
           </a:pPr>
           <a:r>
-            <a:rPr lang="en-US" sz="1900" b="1" kern="1200" dirty="0"/>
-            <a:t>Describes the list of spare parts</a:t>
+            <a:rPr lang="en-US" sz="1800" kern="1200" dirty="0"/>
+            <a:t>Any tool of the manual type, or even the digital type, such as software, can be described</a:t>
           </a:r>
-          <a:endParaRPr lang="it-IT" sz="1900" b="1" kern="1200" dirty="0"/>
+          <a:endParaRPr lang="it-IT" sz="1800" kern="1200" dirty="0"/>
         </a:p>
       </dsp:txBody>
-      <dsp:txXfrm rot="5400000">
-        <a:off x="2233517" y="2952603"/>
-        <a:ext cx="1772587" cy="1772587"/>
+      <dsp:txXfrm>
+        <a:off x="7412144" y="1836167"/>
+        <a:ext cx="1665739" cy="3762428"/>
       </dsp:txXfrm>
     </dsp:sp>
-    <dsp:sp modelId="{B168B3AD-841E-4658-97A0-72901F9D0AD2}">
+    <dsp:sp modelId="{9112B494-74F5-477F-8C00-899D974A454C}">
       <dsp:nvSpPr>
         <dsp:cNvPr id="0" name=""/>
         <dsp:cNvSpPr/>
       </dsp:nvSpPr>
       <dsp:spPr>
         <a:xfrm>
-          <a:off x="3631241" y="2373661"/>
-          <a:ext cx="865517" cy="752624"/>
+          <a:off x="9516762" y="0"/>
+          <a:ext cx="2211734" cy="5947810"/>
         </a:xfrm>
-        <a:prstGeom prst="circularArrow">
-          <a:avLst/>
+        <a:prstGeom prst="roundRect">
+          <a:avLst>
+            <a:gd name="adj" fmla="val 10000"/>
+          </a:avLst>
+        </a:prstGeom>
+        <a:solidFill>
+          <a:schemeClr val="accent2">
+            <a:tint val="40000"/>
+            <a:hueOff val="0"/>
+            <a:satOff val="0"/>
+            <a:lumOff val="0"/>
+            <a:alphaOff val="0"/>
+          </a:schemeClr>
+        </a:solidFill>
+        <a:ln>
+          <a:noFill/>
+        </a:ln>
+        <a:effectLst/>
+      </dsp:spPr>
+      <dsp:style>
+        <a:lnRef idx="0">
+          <a:scrgbClr r="0" g="0" b="0"/>
+        </a:lnRef>
+        <a:fillRef idx="1">
+          <a:scrgbClr r="0" g="0" b="0"/>
+        </a:fillRef>
+        <a:effectRef idx="2">
+          <a:scrgbClr r="0" g="0" b="0"/>
+        </a:effectRef>
+        <a:fontRef idx="minor"/>
+      </dsp:style>
+      <dsp:txBody>
+        <a:bodyPr spcFirstLastPara="0" vert="horz" wrap="square" lIns="64770" tIns="64770" rIns="64770" bIns="64770" numCol="1" spcCol="1270" anchor="ctr" anchorCtr="0">
+          <a:noAutofit/>
+        </a:bodyPr>
+        <a:lstStyle/>
+        <a:p>
+          <a:pPr marL="0" lvl="0" indent="0" algn="ctr" defTabSz="755650">
+            <a:lnSpc>
+              <a:spcPct val="90000"/>
+            </a:lnSpc>
+            <a:spcBef>
+              <a:spcPct val="0"/>
+            </a:spcBef>
+            <a:spcAft>
+              <a:spcPct val="35000"/>
+            </a:spcAft>
+            <a:buNone/>
+          </a:pPr>
+          <a:r>
+            <a:rPr lang="en-US" sz="1700" b="1" kern="1200" dirty="0"/>
+            <a:t>Describes the list of spare parts</a:t>
+          </a:r>
+          <a:endParaRPr lang="it-IT" sz="1700" b="1" kern="1200" dirty="0"/>
+        </a:p>
+      </dsp:txBody>
+      <dsp:txXfrm>
+        <a:off x="9516762" y="0"/>
+        <a:ext cx="2211734" cy="1784343"/>
+      </dsp:txXfrm>
+    </dsp:sp>
+    <dsp:sp modelId="{559AFDB4-75B7-46BE-B908-B641ADAFFBB2}">
+      <dsp:nvSpPr>
+        <dsp:cNvPr id="0" name=""/>
+        <dsp:cNvSpPr/>
+      </dsp:nvSpPr>
+      <dsp:spPr>
+        <a:xfrm>
+          <a:off x="9737935" y="1784343"/>
+          <a:ext cx="1769387" cy="3866076"/>
+        </a:xfrm>
+        <a:prstGeom prst="roundRect">
+          <a:avLst>
+            <a:gd name="adj" fmla="val 10000"/>
+          </a:avLst>
         </a:prstGeom>
         <a:gradFill rotWithShape="0">
           <a:gsLst>
             <a:gs pos="0">
-              <a:schemeClr val="accent2">
-                <a:tint val="40000"/>
+              <a:schemeClr val="accent6">
                 <a:hueOff val="0"/>
                 <a:satOff val="0"/>
                 <a:lumOff val="0"/>
@@ -2362,8 +4424,7 @@
               </a:schemeClr>
             </a:gs>
             <a:gs pos="50000">
-              <a:schemeClr val="accent2">
-                <a:tint val="40000"/>
+              <a:schemeClr val="accent6">
                 <a:hueOff val="0"/>
                 <a:satOff val="0"/>
                 <a:lumOff val="0"/>
@@ -2374,8 +4435,7 @@
               </a:schemeClr>
             </a:gs>
             <a:gs pos="100000">
-              <a:schemeClr val="accent2">
-                <a:tint val="40000"/>
+              <a:schemeClr val="accent6">
                 <a:hueOff val="0"/>
                 <a:satOff val="0"/>
                 <a:lumOff val="0"/>
@@ -2409,99 +4469,276 @@
         <a:effectRef idx="3">
           <a:scrgbClr r="0" g="0" b="0"/>
         </a:effectRef>
-        <a:fontRef idx="minor"/>
+        <a:fontRef idx="minor">
+          <a:schemeClr val="lt1"/>
+        </a:fontRef>
       </dsp:style>
-    </dsp:sp>
-    <dsp:sp modelId="{888BD5F6-E168-4438-A0E6-974B0CA81C7C}">
-      <dsp:nvSpPr>
-        <dsp:cNvPr id="0" name=""/>
-        <dsp:cNvSpPr/>
-      </dsp:nvSpPr>
-      <dsp:spPr>
-        <a:xfrm rot="10800000">
-          <a:off x="3631241" y="2663132"/>
-          <a:ext cx="865517" cy="752624"/>
-        </a:xfrm>
-        <a:prstGeom prst="circularArrow">
-          <a:avLst/>
-        </a:prstGeom>
-        <a:gradFill rotWithShape="0">
-          <a:gsLst>
-            <a:gs pos="0">
-              <a:schemeClr val="accent2">
-                <a:tint val="40000"/>
-                <a:hueOff val="0"/>
-                <a:satOff val="0"/>
-                <a:lumOff val="0"/>
-                <a:alphaOff val="0"/>
-                <a:satMod val="103000"/>
-                <a:lumMod val="102000"/>
-                <a:tint val="94000"/>
-              </a:schemeClr>
-            </a:gs>
-            <a:gs pos="50000">
-              <a:schemeClr val="accent2">
-                <a:tint val="40000"/>
-                <a:hueOff val="0"/>
-                <a:satOff val="0"/>
-                <a:lumOff val="0"/>
-                <a:alphaOff val="0"/>
-                <a:satMod val="110000"/>
-                <a:lumMod val="100000"/>
-                <a:shade val="100000"/>
-              </a:schemeClr>
-            </a:gs>
-            <a:gs pos="100000">
-              <a:schemeClr val="accent2">
-                <a:tint val="40000"/>
-                <a:hueOff val="0"/>
-                <a:satOff val="0"/>
-                <a:lumOff val="0"/>
-                <a:alphaOff val="0"/>
-                <a:lumMod val="99000"/>
-                <a:satMod val="120000"/>
-                <a:shade val="78000"/>
-              </a:schemeClr>
-            </a:gs>
-          </a:gsLst>
-          <a:lin ang="5400000" scaled="0"/>
-        </a:gradFill>
-        <a:ln>
-          <a:noFill/>
-        </a:ln>
-        <a:effectLst>
-          <a:outerShdw blurRad="57150" dist="19050" dir="5400000" algn="ctr" rotWithShape="0">
-            <a:srgbClr val="000000">
-              <a:alpha val="63000"/>
-            </a:srgbClr>
-          </a:outerShdw>
-        </a:effectLst>
-      </dsp:spPr>
-      <dsp:style>
-        <a:lnRef idx="0">
-          <a:scrgbClr r="0" g="0" b="0"/>
-        </a:lnRef>
-        <a:fillRef idx="3">
-          <a:scrgbClr r="0" g="0" b="0"/>
-        </a:fillRef>
-        <a:effectRef idx="3">
-          <a:scrgbClr r="0" g="0" b="0"/>
-        </a:effectRef>
-        <a:fontRef idx="minor"/>
-      </dsp:style>
+      <dsp:txBody>
+        <a:bodyPr spcFirstLastPara="0" vert="horz" wrap="square" lIns="45720" tIns="34290" rIns="45720" bIns="34290" numCol="1" spcCol="1270" anchor="ctr" anchorCtr="0">
+          <a:noAutofit/>
+        </a:bodyPr>
+        <a:lstStyle/>
+        <a:p>
+          <a:pPr marL="0" lvl="0" indent="0" algn="ctr" defTabSz="800100">
+            <a:lnSpc>
+              <a:spcPct val="90000"/>
+            </a:lnSpc>
+            <a:spcBef>
+              <a:spcPct val="0"/>
+            </a:spcBef>
+            <a:spcAft>
+              <a:spcPct val="35000"/>
+            </a:spcAft>
+            <a:buNone/>
+          </a:pPr>
+          <a:r>
+            <a:rPr lang="en-US" sz="1800" kern="1200" dirty="0"/>
+            <a:t>Describes in the header and the guide itself all used and optional components, redirecting to the store</a:t>
+          </a:r>
+          <a:endParaRPr lang="it-IT" sz="1800" kern="1200" dirty="0"/>
+        </a:p>
+      </dsp:txBody>
+      <dsp:txXfrm>
+        <a:off x="9789759" y="1836167"/>
+        <a:ext cx="1665739" cy="3762428"/>
+      </dsp:txXfrm>
     </dsp:sp>
   </dsp:spTree>
 </dsp:drawing>
 </file>
 
 <file path=ppt/diagrams/layout1.xml><?xml version="1.0" encoding="utf-8"?>
-<dgm:layoutDef xmlns:dgm="http://schemas.openxmlformats.org/drawingml/2006/diagram" xmlns:a="http://schemas.openxmlformats.org/drawingml/2006/main" uniqueId="urn:microsoft.com/office/officeart/2005/8/layout/cycle4">
+<dgm:layoutDef xmlns:dgm="http://schemas.openxmlformats.org/drawingml/2006/diagram" xmlns:a="http://schemas.openxmlformats.org/drawingml/2006/main" uniqueId="urn:microsoft.com/office/officeart/2005/8/layout/list1">
   <dgm:title val=""/>
   <dgm:desc val=""/>
   <dgm:catLst>
-    <dgm:cat type="relationship" pri="26000"/>
-    <dgm:cat type="cycle" pri="13000"/>
-    <dgm:cat type="matrix" pri="4000"/>
+    <dgm:cat type="list" pri="4000"/>
+  </dgm:catLst>
+  <dgm:sampData>
+    <dgm:dataModel>
+      <dgm:ptLst>
+        <dgm:pt modelId="0" type="doc"/>
+        <dgm:pt modelId="1">
+          <dgm:prSet phldr="1"/>
+        </dgm:pt>
+        <dgm:pt modelId="2">
+          <dgm:prSet phldr="1"/>
+        </dgm:pt>
+        <dgm:pt modelId="3">
+          <dgm:prSet phldr="1"/>
+        </dgm:pt>
+      </dgm:ptLst>
+      <dgm:cxnLst>
+        <dgm:cxn modelId="4" srcId="0" destId="1" srcOrd="0" destOrd="0"/>
+        <dgm:cxn modelId="5" srcId="0" destId="2" srcOrd="1" destOrd="0"/>
+        <dgm:cxn modelId="6" srcId="0" destId="3" srcOrd="2" destOrd="0"/>
+      </dgm:cxnLst>
+      <dgm:bg/>
+      <dgm:whole/>
+    </dgm:dataModel>
+  </dgm:sampData>
+  <dgm:styleData>
+    <dgm:dataModel>
+      <dgm:ptLst>
+        <dgm:pt modelId="0" type="doc"/>
+        <dgm:pt modelId="1"/>
+        <dgm:pt modelId="2"/>
+      </dgm:ptLst>
+      <dgm:cxnLst>
+        <dgm:cxn modelId="4" srcId="0" destId="1" srcOrd="0" destOrd="0"/>
+        <dgm:cxn modelId="5" srcId="0" destId="2" srcOrd="1" destOrd="0"/>
+      </dgm:cxnLst>
+      <dgm:bg/>
+      <dgm:whole/>
+    </dgm:dataModel>
+  </dgm:styleData>
+  <dgm:clrData>
+    <dgm:dataModel>
+      <dgm:ptLst>
+        <dgm:pt modelId="0" type="doc"/>
+        <dgm:pt modelId="1"/>
+        <dgm:pt modelId="2"/>
+        <dgm:pt modelId="3"/>
+        <dgm:pt modelId="4"/>
+      </dgm:ptLst>
+      <dgm:cxnLst>
+        <dgm:cxn modelId="5" srcId="0" destId="1" srcOrd="0" destOrd="0"/>
+        <dgm:cxn modelId="6" srcId="0" destId="2" srcOrd="1" destOrd="0"/>
+        <dgm:cxn modelId="7" srcId="0" destId="3" srcOrd="2" destOrd="0"/>
+        <dgm:cxn modelId="8" srcId="0" destId="4" srcOrd="3" destOrd="0"/>
+      </dgm:cxnLst>
+      <dgm:bg/>
+      <dgm:whole/>
+    </dgm:dataModel>
+  </dgm:clrData>
+  <dgm:layoutNode name="linear">
+    <dgm:varLst>
+      <dgm:dir/>
+      <dgm:animLvl val="lvl"/>
+      <dgm:resizeHandles val="exact"/>
+    </dgm:varLst>
+    <dgm:choose name="Name0">
+      <dgm:if name="Name1" func="var" arg="dir" op="equ" val="norm">
+        <dgm:alg type="lin">
+          <dgm:param type="linDir" val="fromT"/>
+          <dgm:param type="vertAlign" val="mid"/>
+          <dgm:param type="horzAlign" val="l"/>
+          <dgm:param type="nodeHorzAlign" val="l"/>
+        </dgm:alg>
+      </dgm:if>
+      <dgm:else name="Name2">
+        <dgm:alg type="lin">
+          <dgm:param type="linDir" val="fromT"/>
+          <dgm:param type="vertAlign" val="mid"/>
+          <dgm:param type="horzAlign" val="r"/>
+          <dgm:param type="nodeHorzAlign" val="r"/>
+        </dgm:alg>
+      </dgm:else>
+    </dgm:choose>
+    <dgm:shape xmlns:r="http://schemas.openxmlformats.org/officeDocument/2006/relationships" r:blip="">
+      <dgm:adjLst/>
+    </dgm:shape>
+    <dgm:presOf/>
+    <dgm:constrLst>
+      <dgm:constr type="w" for="ch" forName="parentLin" refType="w"/>
+      <dgm:constr type="h" for="ch" forName="parentLin" val="INF"/>
+      <dgm:constr type="w" for="des" forName="parentLeftMargin" refType="w" fact="0.05"/>
+      <dgm:constr type="w" for="des" forName="parentText" refType="w" fact="0.7"/>
+      <dgm:constr type="h" for="des" forName="parentText" refType="primFontSz" refFor="des" refForName="parentText" fact="0.82"/>
+      <dgm:constr type="h" for="ch" forName="negativeSpace" refType="primFontSz" refFor="des" refForName="parentText" fact="-0.41"/>
+      <dgm:constr type="h" for="ch" forName="negativeSpace" refType="h" refFor="des" refForName="parentText" op="lte" fact="-0.82"/>
+      <dgm:constr type="h" for="ch" forName="negativeSpace" refType="h" refFor="des" refForName="parentText" op="gte" fact="-0.82"/>
+      <dgm:constr type="w" for="ch" forName="childText" refType="w"/>
+      <dgm:constr type="h" for="ch" forName="childText" refType="primFontSz" refFor="des" refForName="parentText" fact="0.7"/>
+      <dgm:constr type="primFontSz" for="des" forName="parentText" val="65"/>
+      <dgm:constr type="primFontSz" for="ch" forName="childText" refType="primFontSz" refFor="des" refForName="parentText"/>
+      <dgm:constr type="tMarg" for="ch" forName="childText" refType="primFontSz" refFor="des" refForName="parentText" fact="1.64"/>
+      <dgm:constr type="tMarg" for="ch" forName="childText" refType="h" refFor="des" refForName="parentText" op="lte" fact="3.28"/>
+      <dgm:constr type="tMarg" for="ch" forName="childText" refType="h" refFor="des" refForName="parentText" op="gte" fact="3.28"/>
+      <dgm:constr type="lMarg" for="ch" forName="childText" refType="w" fact="0.22"/>
+      <dgm:constr type="rMarg" for="ch" forName="childText" refType="lMarg" refFor="ch" refForName="childText"/>
+      <dgm:constr type="lMarg" for="des" forName="parentText" refType="w" fact="0.075"/>
+      <dgm:constr type="rMarg" for="des" forName="parentText" refType="lMarg" refFor="des" refForName="parentText"/>
+      <dgm:constr type="h" for="ch" forName="spaceBetweenRectangles" refType="primFontSz" refFor="des" refForName="parentText" fact="0.15"/>
+    </dgm:constrLst>
+    <dgm:ruleLst>
+      <dgm:rule type="primFontSz" for="des" forName="parentText" val="5" fact="NaN" max="NaN"/>
+    </dgm:ruleLst>
+    <dgm:forEach name="Name3" axis="ch" ptType="node">
+      <dgm:layoutNode name="parentLin">
+        <dgm:choose name="Name4">
+          <dgm:if name="Name5" func="var" arg="dir" op="equ" val="norm">
+            <dgm:alg type="lin">
+              <dgm:param type="linDir" val="fromL"/>
+              <dgm:param type="horzAlign" val="l"/>
+              <dgm:param type="nodeHorzAlign" val="l"/>
+            </dgm:alg>
+          </dgm:if>
+          <dgm:else name="Name6">
+            <dgm:alg type="lin">
+              <dgm:param type="linDir" val="fromR"/>
+              <dgm:param type="horzAlign" val="r"/>
+              <dgm:param type="nodeHorzAlign" val="r"/>
+            </dgm:alg>
+          </dgm:else>
+        </dgm:choose>
+        <dgm:shape xmlns:r="http://schemas.openxmlformats.org/officeDocument/2006/relationships" r:blip="">
+          <dgm:adjLst/>
+        </dgm:shape>
+        <dgm:presOf/>
+        <dgm:constrLst/>
+        <dgm:ruleLst/>
+        <dgm:layoutNode name="parentLeftMargin">
+          <dgm:alg type="sp"/>
+          <dgm:shape xmlns:r="http://schemas.openxmlformats.org/officeDocument/2006/relationships" type="rect" r:blip="" hideGeom="1">
+            <dgm:adjLst/>
+          </dgm:shape>
+          <dgm:presOf axis="self"/>
+          <dgm:constrLst>
+            <dgm:constr type="h"/>
+          </dgm:constrLst>
+          <dgm:ruleLst/>
+        </dgm:layoutNode>
+        <dgm:layoutNode name="parentText" styleLbl="node1">
+          <dgm:varLst>
+            <dgm:chMax val="0"/>
+            <dgm:bulletEnabled val="1"/>
+          </dgm:varLst>
+          <dgm:choose name="Name7">
+            <dgm:if name="Name8" func="var" arg="dir" op="equ" val="norm">
+              <dgm:alg type="tx">
+                <dgm:param type="parTxLTRAlign" val="l"/>
+                <dgm:param type="parTxRTLAlign" val="l"/>
+              </dgm:alg>
+            </dgm:if>
+            <dgm:else name="Name9">
+              <dgm:alg type="tx">
+                <dgm:param type="parTxLTRAlign" val="r"/>
+                <dgm:param type="parTxRTLAlign" val="r"/>
+              </dgm:alg>
+            </dgm:else>
+          </dgm:choose>
+          <dgm:shape xmlns:r="http://schemas.openxmlformats.org/officeDocument/2006/relationships" type="roundRect" r:blip="">
+            <dgm:adjLst/>
+          </dgm:shape>
+          <dgm:presOf axis="self" ptType="node"/>
+          <dgm:constrLst>
+            <dgm:constr type="tMarg"/>
+            <dgm:constr type="bMarg"/>
+          </dgm:constrLst>
+          <dgm:ruleLst/>
+        </dgm:layoutNode>
+      </dgm:layoutNode>
+      <dgm:layoutNode name="negativeSpace">
+        <dgm:alg type="sp"/>
+        <dgm:shape xmlns:r="http://schemas.openxmlformats.org/officeDocument/2006/relationships" r:blip="">
+          <dgm:adjLst/>
+        </dgm:shape>
+        <dgm:presOf/>
+        <dgm:constrLst/>
+        <dgm:ruleLst/>
+      </dgm:layoutNode>
+      <dgm:layoutNode name="childText" styleLbl="conFgAcc1">
+        <dgm:varLst>
+          <dgm:bulletEnabled val="1"/>
+        </dgm:varLst>
+        <dgm:alg type="tx">
+          <dgm:param type="stBulletLvl" val="1"/>
+        </dgm:alg>
+        <dgm:shape xmlns:r="http://schemas.openxmlformats.org/officeDocument/2006/relationships" type="rect" r:blip="" zOrderOff="-2">
+          <dgm:adjLst/>
+        </dgm:shape>
+        <dgm:presOf axis="des" ptType="node"/>
+        <dgm:constrLst>
+          <dgm:constr type="secFontSz" refType="primFontSz"/>
+        </dgm:constrLst>
+        <dgm:ruleLst>
+          <dgm:rule type="h" val="INF" fact="NaN" max="NaN"/>
+        </dgm:ruleLst>
+      </dgm:layoutNode>
+      <dgm:forEach name="Name10" axis="followSib" ptType="sibTrans" cnt="1">
+        <dgm:layoutNode name="spaceBetweenRectangles">
+          <dgm:alg type="sp"/>
+          <dgm:shape xmlns:r="http://schemas.openxmlformats.org/officeDocument/2006/relationships" r:blip="">
+            <dgm:adjLst/>
+          </dgm:shape>
+          <dgm:presOf/>
+          <dgm:constrLst/>
+          <dgm:ruleLst/>
+        </dgm:layoutNode>
+      </dgm:forEach>
+    </dgm:forEach>
+  </dgm:layoutNode>
+</dgm:layoutDef>
+</file>
+
+<file path=ppt/diagrams/layout2.xml><?xml version="1.0" encoding="utf-8"?>
+<dgm:layoutDef xmlns:dgm="http://schemas.openxmlformats.org/drawingml/2006/diagram" xmlns:a="http://schemas.openxmlformats.org/drawingml/2006/main" uniqueId="urn:microsoft.com/office/officeart/2005/8/layout/lProcess2">
+  <dgm:title val=""/>
+  <dgm:desc val=""/>
+  <dgm:catLst>
+    <dgm:cat type="list" pri="10000"/>
+    <dgm:cat type="relationship" pri="13000"/>
   </dgm:catLst>
   <dgm:sampData>
     <dgm:dataModel>
@@ -2513,10 +4750,16 @@
         <dgm:pt modelId="11">
           <dgm:prSet phldr="1"/>
         </dgm:pt>
+        <dgm:pt modelId="12">
+          <dgm:prSet phldr="1"/>
+        </dgm:pt>
         <dgm:pt modelId="2">
           <dgm:prSet phldr="1"/>
         </dgm:pt>
         <dgm:pt modelId="21">
+          <dgm:prSet phldr="1"/>
+        </dgm:pt>
+        <dgm:pt modelId="22">
           <dgm:prSet phldr="1"/>
         </dgm:pt>
         <dgm:pt modelId="3">
@@ -2525,473 +4768,182 @@
         <dgm:pt modelId="31">
           <dgm:prSet phldr="1"/>
         </dgm:pt>
-        <dgm:pt modelId="4">
-          <dgm:prSet phldr="1"/>
-        </dgm:pt>
-        <dgm:pt modelId="41">
+        <dgm:pt modelId="32">
           <dgm:prSet phldr="1"/>
         </dgm:pt>
       </dgm:ptLst>
       <dgm:cxnLst>
-        <dgm:cxn modelId="5" srcId="0" destId="1" srcOrd="0" destOrd="0"/>
-        <dgm:cxn modelId="6" srcId="0" destId="2" srcOrd="1" destOrd="0"/>
-        <dgm:cxn modelId="7" srcId="0" destId="3" srcOrd="2" destOrd="0"/>
-        <dgm:cxn modelId="8" srcId="0" destId="4" srcOrd="3" destOrd="0"/>
+        <dgm:cxn modelId="4" srcId="0" destId="1" srcOrd="0" destOrd="0"/>
+        <dgm:cxn modelId="5" srcId="0" destId="2" srcOrd="1" destOrd="0"/>
         <dgm:cxn modelId="13" srcId="1" destId="11" srcOrd="0" destOrd="0"/>
+        <dgm:cxn modelId="14" srcId="1" destId="12" srcOrd="0" destOrd="0"/>
         <dgm:cxn modelId="23" srcId="2" destId="21" srcOrd="0" destOrd="0"/>
+        <dgm:cxn modelId="24" srcId="2" destId="22" srcOrd="0" destOrd="0"/>
         <dgm:cxn modelId="33" srcId="3" destId="31" srcOrd="0" destOrd="0"/>
-        <dgm:cxn modelId="43" srcId="4" destId="41" srcOrd="0" destOrd="0"/>
+        <dgm:cxn modelId="34" srcId="3" destId="32" srcOrd="0" destOrd="0"/>
       </dgm:cxnLst>
       <dgm:bg/>
       <dgm:whole/>
     </dgm:dataModel>
   </dgm:sampData>
-  <dgm:styleData>
+  <dgm:styleData useDef="1">
     <dgm:dataModel>
-      <dgm:ptLst>
-        <dgm:pt modelId="0" type="doc"/>
-        <dgm:pt modelId="1"/>
-        <dgm:pt modelId="11"/>
-        <dgm:pt modelId="2"/>
-        <dgm:pt modelId="21"/>
-        <dgm:pt modelId="3"/>
-        <dgm:pt modelId="31"/>
-        <dgm:pt modelId="4"/>
-        <dgm:pt modelId="41"/>
-      </dgm:ptLst>
-      <dgm:cxnLst>
-        <dgm:cxn modelId="5" srcId="0" destId="1" srcOrd="0" destOrd="0"/>
-        <dgm:cxn modelId="6" srcId="0" destId="2" srcOrd="1" destOrd="0"/>
-        <dgm:cxn modelId="7" srcId="0" destId="3" srcOrd="2" destOrd="0"/>
-        <dgm:cxn modelId="8" srcId="0" destId="4" srcOrd="3" destOrd="0"/>
-        <dgm:cxn modelId="13" srcId="1" destId="11" srcOrd="0" destOrd="0"/>
-        <dgm:cxn modelId="23" srcId="2" destId="21" srcOrd="0" destOrd="0"/>
-        <dgm:cxn modelId="33" srcId="3" destId="31" srcOrd="0" destOrd="0"/>
-        <dgm:cxn modelId="43" srcId="4" destId="41" srcOrd="0" destOrd="0"/>
-      </dgm:cxnLst>
+      <dgm:ptLst/>
       <dgm:bg/>
       <dgm:whole/>
     </dgm:dataModel>
   </dgm:styleData>
-  <dgm:clrData>
+  <dgm:clrData useDef="1">
     <dgm:dataModel>
-      <dgm:ptLst>
-        <dgm:pt modelId="0" type="doc"/>
-        <dgm:pt modelId="1"/>
-        <dgm:pt modelId="11"/>
-        <dgm:pt modelId="2"/>
-        <dgm:pt modelId="21"/>
-        <dgm:pt modelId="3"/>
-        <dgm:pt modelId="31"/>
-        <dgm:pt modelId="4"/>
-        <dgm:pt modelId="41"/>
-      </dgm:ptLst>
-      <dgm:cxnLst>
-        <dgm:cxn modelId="5" srcId="0" destId="1" srcOrd="0" destOrd="0"/>
-        <dgm:cxn modelId="6" srcId="0" destId="2" srcOrd="1" destOrd="0"/>
-        <dgm:cxn modelId="7" srcId="0" destId="3" srcOrd="2" destOrd="0"/>
-        <dgm:cxn modelId="8" srcId="0" destId="4" srcOrd="3" destOrd="0"/>
-        <dgm:cxn modelId="13" srcId="1" destId="11" srcOrd="0" destOrd="0"/>
-        <dgm:cxn modelId="23" srcId="2" destId="21" srcOrd="0" destOrd="0"/>
-        <dgm:cxn modelId="33" srcId="3" destId="31" srcOrd="0" destOrd="0"/>
-        <dgm:cxn modelId="43" srcId="4" destId="41" srcOrd="0" destOrd="0"/>
-      </dgm:cxnLst>
+      <dgm:ptLst/>
       <dgm:bg/>
       <dgm:whole/>
     </dgm:dataModel>
   </dgm:clrData>
-  <dgm:layoutNode name="cycleMatrixDiagram">
+  <dgm:layoutNode name="theList">
     <dgm:varLst>
-      <dgm:chMax val="1"/>
       <dgm:dir/>
       <dgm:animLvl val="lvl"/>
       <dgm:resizeHandles val="exact"/>
     </dgm:varLst>
-    <dgm:alg type="composite">
-      <dgm:param type="ar" val="1.3"/>
-    </dgm:alg>
+    <dgm:choose name="Name0">
+      <dgm:if name="Name1" func="var" arg="dir" op="equ" val="norm">
+        <dgm:alg type="lin"/>
+      </dgm:if>
+      <dgm:else name="Name2">
+        <dgm:alg type="lin">
+          <dgm:param type="linDir" val="fromR"/>
+        </dgm:alg>
+      </dgm:else>
+    </dgm:choose>
     <dgm:shape xmlns:r="http://schemas.openxmlformats.org/officeDocument/2006/relationships" r:blip="">
       <dgm:adjLst/>
     </dgm:shape>
     <dgm:presOf/>
     <dgm:constrLst>
-      <dgm:constr type="w" for="ch" forName="children" refType="w"/>
-      <dgm:constr type="h" for="ch" forName="children" refType="w" refFor="ch" refForName="children" fact="0.77"/>
-      <dgm:constr type="ctrX" for="ch" forName="children" refType="w" fact="0.5"/>
-      <dgm:constr type="ctrY" for="ch" forName="children" refType="h" fact="0.5"/>
-      <dgm:constr type="w" for="ch" forName="circle" refType="w"/>
-      <dgm:constr type="h" for="ch" forName="circle" refType="h"/>
-      <dgm:constr type="ctrX" for="ch" forName="circle" refType="w" fact="0.5"/>
-      <dgm:constr type="ctrY" for="ch" forName="circle" refType="h" fact="0.5"/>
-      <dgm:constr type="w" for="ch" forName="center1" refType="w" fact="0.115"/>
-      <dgm:constr type="h" for="ch" forName="center1" refType="w" fact="0.1"/>
-      <dgm:constr type="ctrX" for="ch" forName="center1" refType="w" fact="0.5"/>
-      <dgm:constr type="ctrY" for="ch" forName="center1" refType="h" fact="0.475"/>
-      <dgm:constr type="w" for="ch" forName="center2" refType="w" fact="0.115"/>
-      <dgm:constr type="h" for="ch" forName="center2" refType="w" fact="0.1"/>
-      <dgm:constr type="ctrX" for="ch" forName="center2" refType="w" fact="0.5"/>
-      <dgm:constr type="ctrY" for="ch" forName="center2" refType="h" fact="0.525"/>
+      <dgm:constr type="w" for="ch" forName="compNode" refType="w"/>
+      <dgm:constr type="h" for="ch" forName="compNode" refType="h"/>
+      <dgm:constr type="w" for="ch" forName="aSpace" refType="w" fact="0.075"/>
+      <dgm:constr type="h" for="des" forName="aSpace2" refType="h" fact="0.1"/>
+      <dgm:constr type="primFontSz" for="des" forName="textNode" op="equ"/>
+      <dgm:constr type="primFontSz" for="des" forName="childNode" op="equ"/>
     </dgm:constrLst>
     <dgm:ruleLst/>
-    <dgm:choose name="Name0">
-      <dgm:if name="Name1" axis="ch" ptType="node" func="cnt" op="gte" val="1">
-        <dgm:layoutNode name="children">
-          <dgm:alg type="composite">
-            <dgm:param type="ar" val="1.3"/>
-          </dgm:alg>
+    <dgm:forEach name="aNodeForEach" axis="ch" ptType="node">
+      <dgm:layoutNode name="compNode">
+        <dgm:alg type="composite"/>
+        <dgm:shape xmlns:r="http://schemas.openxmlformats.org/officeDocument/2006/relationships" r:blip="">
+          <dgm:adjLst/>
+        </dgm:shape>
+        <dgm:presOf/>
+        <dgm:constrLst>
+          <dgm:constr type="w" for="ch" forName="aNode" refType="w"/>
+          <dgm:constr type="h" for="ch" forName="aNode" refType="h"/>
+          <dgm:constr type="w" for="ch" forName="textNode" refType="w"/>
+          <dgm:constr type="h" for="ch" forName="textNode" refType="h" fact="0.3"/>
+          <dgm:constr type="ctrX" for="ch" forName="textNode" refType="w" fact="0.5"/>
+          <dgm:constr type="w" for="ch" forName="compChildNode" refType="w" fact="0.8"/>
+          <dgm:constr type="h" for="ch" forName="compChildNode" refType="h" fact="0.65"/>
+          <dgm:constr type="t" for="ch" forName="compChildNode" refType="h" fact="0.3"/>
+          <dgm:constr type="ctrX" for="ch" forName="compChildNode" refType="w" fact="0.5"/>
+        </dgm:constrLst>
+        <dgm:ruleLst/>
+        <dgm:layoutNode name="aNode" styleLbl="bgShp">
+          <dgm:alg type="sp"/>
+          <dgm:shape xmlns:r="http://schemas.openxmlformats.org/officeDocument/2006/relationships" type="roundRect" r:blip="">
+            <dgm:adjLst>
+              <dgm:adj idx="1" val="0.1"/>
+            </dgm:adjLst>
+          </dgm:shape>
+          <dgm:presOf axis="self"/>
+          <dgm:constrLst/>
+          <dgm:ruleLst/>
+        </dgm:layoutNode>
+        <dgm:layoutNode name="textNode" styleLbl="bgShp">
+          <dgm:alg type="tx"/>
+          <dgm:shape xmlns:r="http://schemas.openxmlformats.org/officeDocument/2006/relationships" type="rect" r:blip="" hideGeom="1">
+            <dgm:adjLst>
+              <dgm:adj idx="1" val="0.1"/>
+            </dgm:adjLst>
+          </dgm:shape>
+          <dgm:presOf axis="self"/>
+          <dgm:constrLst>
+            <dgm:constr type="primFontSz" val="65"/>
+            <dgm:constr type="lMarg" refType="primFontSz" fact="0.3"/>
+            <dgm:constr type="rMarg" refType="primFontSz" fact="0.3"/>
+            <dgm:constr type="tMarg" refType="primFontSz" fact="0.3"/>
+            <dgm:constr type="bMarg" refType="primFontSz" fact="0.3"/>
+          </dgm:constrLst>
+          <dgm:ruleLst>
+            <dgm:rule type="primFontSz" val="5" fact="NaN" max="NaN"/>
+          </dgm:ruleLst>
+        </dgm:layoutNode>
+        <dgm:layoutNode name="compChildNode">
+          <dgm:alg type="composite"/>
           <dgm:shape xmlns:r="http://schemas.openxmlformats.org/officeDocument/2006/relationships" r:blip="">
             <dgm:adjLst/>
           </dgm:shape>
           <dgm:presOf/>
-          <dgm:choose name="Name2">
-            <dgm:if name="Name3" func="var" arg="dir" op="equ" val="norm">
-              <dgm:constrLst>
-                <dgm:constr type="primFontSz" for="des" ptType="node" op="equ" val="65"/>
-                <dgm:constr type="w" for="ch" forName="child1group" refType="w" fact="0.38"/>
-                <dgm:constr type="h" for="ch" forName="child1group" refType="h" fact="0.32"/>
-                <dgm:constr type="t" for="ch" forName="child1group"/>
-                <dgm:constr type="l" for="ch" forName="child1group"/>
-                <dgm:constr type="w" for="ch" forName="child2group" refType="w" fact="0.38"/>
-                <dgm:constr type="h" for="ch" forName="child2group" refType="h" fact="0.32"/>
-                <dgm:constr type="t" for="ch" forName="child2group"/>
-                <dgm:constr type="r" for="ch" forName="child2group" refType="w"/>
-                <dgm:constr type="w" for="ch" forName="child3group" refType="w" fact="0.38"/>
-                <dgm:constr type="h" for="ch" forName="child3group" refType="h" fact="0.32"/>
-                <dgm:constr type="b" for="ch" forName="child3group" refType="h"/>
-                <dgm:constr type="r" for="ch" forName="child3group" refType="w"/>
-                <dgm:constr type="w" for="ch" forName="child4group" refType="w" fact="0.38"/>
-                <dgm:constr type="h" for="ch" forName="child4group" refType="h" fact="0.32"/>
-                <dgm:constr type="b" for="ch" forName="child4group" refType="h"/>
-                <dgm:constr type="l" for="ch" forName="child4group"/>
-              </dgm:constrLst>
-            </dgm:if>
-            <dgm:else name="Name4">
-              <dgm:constrLst>
-                <dgm:constr type="primFontSz" for="des" ptType="node" op="equ" val="65"/>
-                <dgm:constr type="w" for="ch" forName="child1group" refType="w" fact="0.38"/>
-                <dgm:constr type="h" for="ch" forName="child1group" refType="h" fact="0.32"/>
-                <dgm:constr type="t" for="ch" forName="child1group"/>
-                <dgm:constr type="r" for="ch" forName="child1group" refType="w"/>
-                <dgm:constr type="w" for="ch" forName="child2group" refType="w" fact="0.38"/>
-                <dgm:constr type="h" for="ch" forName="child2group" refType="h" fact="0.32"/>
-                <dgm:constr type="t" for="ch" forName="child2group"/>
-                <dgm:constr type="l" for="ch" forName="child2group"/>
-                <dgm:constr type="w" for="ch" forName="child3group" refType="w" fact="0.38"/>
-                <dgm:constr type="h" for="ch" forName="child3group" refType="h" fact="0.32"/>
-                <dgm:constr type="b" for="ch" forName="child3group" refType="h"/>
-                <dgm:constr type="l" for="ch" forName="child3group"/>
-                <dgm:constr type="w" for="ch" forName="child4group" refType="w" fact="0.38"/>
-                <dgm:constr type="h" for="ch" forName="child4group" refType="h" fact="0.32"/>
-                <dgm:constr type="b" for="ch" forName="child4group" refType="h"/>
-                <dgm:constr type="r" for="ch" forName="child4group" refType="w"/>
-              </dgm:constrLst>
-            </dgm:else>
-          </dgm:choose>
+          <dgm:constrLst>
+            <dgm:constr type="w" for="des" forName="childNode" refType="w"/>
+            <dgm:constr type="h" for="des" forName="childNode" refType="h"/>
+          </dgm:constrLst>
           <dgm:ruleLst/>
-          <dgm:choose name="Name5">
-            <dgm:if name="Name6" axis="ch ch" ptType="node node" st="1 1" cnt="1 0" func="cnt" op="gte" val="1">
-              <dgm:layoutNode name="child1group">
-                <dgm:alg type="composite">
-                  <dgm:param type="horzAlign" val="none"/>
-                  <dgm:param type="vertAlign" val="none"/>
-                </dgm:alg>
-                <dgm:shape xmlns:r="http://schemas.openxmlformats.org/officeDocument/2006/relationships" r:blip="">
-                  <dgm:adjLst/>
+          <dgm:layoutNode name="theInnerList">
+            <dgm:alg type="lin">
+              <dgm:param type="linDir" val="fromT"/>
+            </dgm:alg>
+            <dgm:shape xmlns:r="http://schemas.openxmlformats.org/officeDocument/2006/relationships" r:blip="">
+              <dgm:adjLst/>
+            </dgm:shape>
+            <dgm:presOf/>
+            <dgm:constrLst/>
+            <dgm:ruleLst/>
+            <dgm:forEach name="childNodeForEach" axis="ch" ptType="node">
+              <dgm:layoutNode name="childNode" styleLbl="node1">
+                <dgm:varLst>
+                  <dgm:bulletEnabled val="1"/>
+                </dgm:varLst>
+                <dgm:alg type="tx"/>
+                <dgm:shape xmlns:r="http://schemas.openxmlformats.org/officeDocument/2006/relationships" type="roundRect" r:blip="">
+                  <dgm:adjLst>
+                    <dgm:adj idx="1" val="0.1"/>
+                  </dgm:adjLst>
                 </dgm:shape>
-                <dgm:presOf/>
-                <dgm:choose name="Name7">
-                  <dgm:if name="Name8" func="var" arg="dir" op="equ" val="norm">
-                    <dgm:constrLst>
-                      <dgm:constr type="w" for="ch" forName="child1" refType="w"/>
-                      <dgm:constr type="h" for="ch" forName="child1" refType="h"/>
-                      <dgm:constr type="t" for="ch" forName="child1"/>
-                      <dgm:constr type="l" for="ch" forName="child1"/>
-                      <dgm:constr type="w" for="ch" forName="child1Text" refType="w" fact="0.7"/>
-                      <dgm:constr type="h" for="ch" forName="child1Text" refType="h" fact="0.75"/>
-                      <dgm:constr type="t" for="ch" forName="child1Text"/>
-                      <dgm:constr type="l" for="ch" forName="child1Text"/>
-                    </dgm:constrLst>
-                  </dgm:if>
-                  <dgm:else name="Name9">
-                    <dgm:constrLst>
-                      <dgm:constr type="w" for="ch" forName="child1" refType="w"/>
-                      <dgm:constr type="h" for="ch" forName="child1" refType="h"/>
-                      <dgm:constr type="t" for="ch" forName="child1"/>
-                      <dgm:constr type="r" for="ch" forName="child1" refType="w"/>
-                      <dgm:constr type="w" for="ch" forName="child1Text" refType="w" fact="0.7"/>
-                      <dgm:constr type="h" for="ch" forName="child1Text" refType="h" fact="0.75"/>
-                      <dgm:constr type="t" for="ch" forName="child1Text"/>
-                      <dgm:constr type="r" for="ch" forName="child1Text" refType="w"/>
-                    </dgm:constrLst>
-                  </dgm:else>
-                </dgm:choose>
-                <dgm:ruleLst/>
-                <dgm:layoutNode name="child1" styleLbl="bgAcc1">
-                  <dgm:alg type="sp"/>
-                  <dgm:shape xmlns:r="http://schemas.openxmlformats.org/officeDocument/2006/relationships" type="roundRect" r:blip="" zOrderOff="-2">
-                    <dgm:adjLst>
-                      <dgm:adj idx="1" val="0.1"/>
-                    </dgm:adjLst>
-                  </dgm:shape>
-                  <dgm:presOf axis="ch des" ptType="node node" st="1 1" cnt="1 0"/>
-                  <dgm:constrLst/>
-                  <dgm:ruleLst/>
-                </dgm:layoutNode>
-                <dgm:layoutNode name="child1Text" styleLbl="bgAcc1">
-                  <dgm:varLst>
-                    <dgm:bulletEnabled val="1"/>
-                  </dgm:varLst>
-                  <dgm:alg type="tx">
-                    <dgm:param type="stBulletLvl" val="1"/>
-                  </dgm:alg>
-                  <dgm:shape xmlns:r="http://schemas.openxmlformats.org/officeDocument/2006/relationships" type="roundRect" r:blip="" zOrderOff="-2" hideGeom="1">
-                    <dgm:adjLst>
-                      <dgm:adj idx="1" val="0.1"/>
-                    </dgm:adjLst>
-                  </dgm:shape>
-                  <dgm:presOf axis="ch des" ptType="node node" st="1 1" cnt="1 0"/>
-                  <dgm:constrLst>
-                    <dgm:constr type="tMarg" refType="primFontSz" fact="0.3"/>
-                    <dgm:constr type="bMarg" refType="primFontSz" fact="0.3"/>
-                    <dgm:constr type="lMarg" refType="primFontSz" fact="0.3"/>
-                    <dgm:constr type="rMarg" refType="primFontSz" fact="0.3"/>
-                  </dgm:constrLst>
-                  <dgm:ruleLst>
-                    <dgm:rule type="primFontSz" val="5" fact="NaN" max="NaN"/>
-                  </dgm:ruleLst>
-                </dgm:layoutNode>
+                <dgm:presOf axis="desOrSelf" ptType="node"/>
+                <dgm:constrLst>
+                  <dgm:constr type="primFontSz" val="65"/>
+                  <dgm:constr type="tMarg" refType="primFontSz" fact="0.15"/>
+                  <dgm:constr type="bMarg" refType="primFontSz" fact="0.15"/>
+                  <dgm:constr type="lMarg" refType="primFontSz" fact="0.2"/>
+                  <dgm:constr type="rMarg" refType="primFontSz" fact="0.2"/>
+                </dgm:constrLst>
+                <dgm:ruleLst>
+                  <dgm:rule type="primFontSz" val="5" fact="NaN" max="NaN"/>
+                </dgm:ruleLst>
               </dgm:layoutNode>
-            </dgm:if>
-            <dgm:else name="Name10"/>
-          </dgm:choose>
-          <dgm:choose name="Name11">
-            <dgm:if name="Name12" axis="ch ch" ptType="node node" st="2 1" cnt="1 0" func="cnt" op="gte" val="1">
-              <dgm:layoutNode name="child2group">
-                <dgm:alg type="composite">
-                  <dgm:param type="horzAlign" val="none"/>
-                  <dgm:param type="vertAlign" val="none"/>
-                </dgm:alg>
-                <dgm:shape xmlns:r="http://schemas.openxmlformats.org/officeDocument/2006/relationships" r:blip="">
-                  <dgm:adjLst/>
-                </dgm:shape>
-                <dgm:choose name="Name13">
-                  <dgm:if name="Name14" func="var" arg="dir" op="equ" val="norm">
-                    <dgm:constrLst>
-                      <dgm:constr type="w" for="ch" forName="child2" refType="w"/>
-                      <dgm:constr type="h" for="ch" forName="child2" refType="h"/>
-                      <dgm:constr type="t" for="ch" forName="child2"/>
-                      <dgm:constr type="r" for="ch" forName="child2" refType="w"/>
-                      <dgm:constr type="w" for="ch" forName="child2Text" refType="w" fact="0.7"/>
-                      <dgm:constr type="h" for="ch" forName="child2Text" refType="h" fact="0.75"/>
-                      <dgm:constr type="t" for="ch" forName="child2Text"/>
-                      <dgm:constr type="r" for="ch" forName="child2Text" refType="w"/>
-                    </dgm:constrLst>
-                  </dgm:if>
-                  <dgm:else name="Name15">
-                    <dgm:constrLst>
-                      <dgm:constr type="w" for="ch" forName="child2" refType="w"/>
-                      <dgm:constr type="h" for="ch" forName="child2" refType="h"/>
-                      <dgm:constr type="t" for="ch" forName="child2"/>
-                      <dgm:constr type="l" for="ch" forName="child2"/>
-                      <dgm:constr type="w" for="ch" forName="child2Text" refType="w" fact="0.7"/>
-                      <dgm:constr type="h" for="ch" forName="child2Text" refType="h" fact="0.75"/>
-                      <dgm:constr type="t" for="ch" forName="child2Text"/>
-                      <dgm:constr type="l" for="ch" forName="child2Text"/>
-                    </dgm:constrLst>
-                  </dgm:else>
-                </dgm:choose>
-                <dgm:ruleLst/>
-                <dgm:layoutNode name="child2" styleLbl="bgAcc1">
-                  <dgm:alg type="sp"/>
-                  <dgm:shape xmlns:r="http://schemas.openxmlformats.org/officeDocument/2006/relationships" type="roundRect" r:blip="" zOrderOff="-2">
-                    <dgm:adjLst>
-                      <dgm:adj idx="1" val="0.1"/>
-                    </dgm:adjLst>
-                  </dgm:shape>
-                  <dgm:presOf axis="ch des" ptType="node node" st="2 1" cnt="1 0"/>
-                  <dgm:constrLst/>
-                  <dgm:ruleLst/>
-                </dgm:layoutNode>
-                <dgm:layoutNode name="child2Text" styleLbl="bgAcc1">
-                  <dgm:varLst>
-                    <dgm:bulletEnabled val="1"/>
-                  </dgm:varLst>
-                  <dgm:alg type="tx">
-                    <dgm:param type="stBulletLvl" val="1"/>
-                  </dgm:alg>
-                  <dgm:shape xmlns:r="http://schemas.openxmlformats.org/officeDocument/2006/relationships" type="roundRect" r:blip="" zOrderOff="-2" hideGeom="1">
-                    <dgm:adjLst>
-                      <dgm:adj idx="1" val="0.1"/>
-                    </dgm:adjLst>
-                  </dgm:shape>
-                  <dgm:presOf axis="ch des" ptType="node node" st="2 1" cnt="1 0"/>
-                  <dgm:constrLst>
-                    <dgm:constr type="tMarg" refType="primFontSz" fact="0.3"/>
-                    <dgm:constr type="bMarg" refType="primFontSz" fact="0.3"/>
-                    <dgm:constr type="lMarg" refType="primFontSz" fact="0.3"/>
-                    <dgm:constr type="rMarg" refType="primFontSz" fact="0.3"/>
-                  </dgm:constrLst>
-                  <dgm:ruleLst>
-                    <dgm:rule type="primFontSz" val="5" fact="NaN" max="NaN"/>
-                  </dgm:ruleLst>
-                </dgm:layoutNode>
-              </dgm:layoutNode>
-            </dgm:if>
-            <dgm:else name="Name16"/>
-          </dgm:choose>
-          <dgm:choose name="Name17">
-            <dgm:if name="Name18" axis="ch ch" ptType="node node" st="3 1" cnt="1 0" func="cnt" op="gte" val="1">
-              <dgm:layoutNode name="child3group">
-                <dgm:alg type="composite">
-                  <dgm:param type="horzAlign" val="none"/>
-                  <dgm:param type="vertAlign" val="none"/>
-                </dgm:alg>
-                <dgm:shape xmlns:r="http://schemas.openxmlformats.org/officeDocument/2006/relationships" r:blip="">
-                  <dgm:adjLst/>
-                </dgm:shape>
-                <dgm:presOf/>
-                <dgm:choose name="Name19">
-                  <dgm:if name="Name20" func="var" arg="dir" op="equ" val="norm">
-                    <dgm:constrLst>
-                      <dgm:constr type="w" for="ch" forName="child3" refType="w"/>
-                      <dgm:constr type="h" for="ch" forName="child3" refType="h"/>
-                      <dgm:constr type="b" for="ch" forName="child3" refType="h"/>
-                      <dgm:constr type="r" for="ch" forName="child3" refType="w"/>
-                      <dgm:constr type="w" for="ch" forName="child3Text" refType="w" fact="0.7"/>
-                      <dgm:constr type="h" for="ch" forName="child3Text" refType="h" fact="0.75"/>
-                      <dgm:constr type="b" for="ch" forName="child3Text" refType="h"/>
-                      <dgm:constr type="r" for="ch" forName="child3Text" refType="w"/>
-                    </dgm:constrLst>
-                  </dgm:if>
-                  <dgm:else name="Name21">
-                    <dgm:constrLst>
-                      <dgm:constr type="w" for="ch" forName="child3" refType="w"/>
-                      <dgm:constr type="h" for="ch" forName="child3" refType="h"/>
-                      <dgm:constr type="b" for="ch" forName="child3" refType="h"/>
-                      <dgm:constr type="l" for="ch" forName="child3"/>
-                      <dgm:constr type="w" for="ch" forName="child3Text" refType="w" fact="0.7"/>
-                      <dgm:constr type="h" for="ch" forName="child3Text" refType="h" fact="0.75"/>
-                      <dgm:constr type="b" for="ch" forName="child3Text" refType="h"/>
-                      <dgm:constr type="l" for="ch" forName="child3Text"/>
-                    </dgm:constrLst>
-                  </dgm:else>
-                </dgm:choose>
-                <dgm:ruleLst/>
-                <dgm:layoutNode name="child3" styleLbl="bgAcc1">
-                  <dgm:alg type="sp"/>
-                  <dgm:shape xmlns:r="http://schemas.openxmlformats.org/officeDocument/2006/relationships" type="roundRect" r:blip="" zOrderOff="-4">
-                    <dgm:adjLst>
-                      <dgm:adj idx="1" val="0.1"/>
-                    </dgm:adjLst>
-                  </dgm:shape>
-                  <dgm:presOf axis="ch des" ptType="node node" st="3 1" cnt="1 0"/>
-                  <dgm:constrLst/>
-                  <dgm:ruleLst/>
-                </dgm:layoutNode>
-                <dgm:layoutNode name="child3Text" styleLbl="bgAcc1">
-                  <dgm:varLst>
-                    <dgm:bulletEnabled val="1"/>
-                  </dgm:varLst>
-                  <dgm:alg type="tx">
-                    <dgm:param type="stBulletLvl" val="1"/>
-                  </dgm:alg>
-                  <dgm:shape xmlns:r="http://schemas.openxmlformats.org/officeDocument/2006/relationships" type="roundRect" r:blip="" zOrderOff="-4" hideGeom="1">
-                    <dgm:adjLst>
-                      <dgm:adj idx="1" val="0.1"/>
-                    </dgm:adjLst>
-                  </dgm:shape>
-                  <dgm:presOf axis="ch des" ptType="node node" st="3 1" cnt="1 0"/>
-                  <dgm:constrLst>
-                    <dgm:constr type="tMarg" refType="primFontSz" fact="0.3"/>
-                    <dgm:constr type="bMarg" refType="primFontSz" fact="0.3"/>
-                    <dgm:constr type="lMarg" refType="primFontSz" fact="0.3"/>
-                    <dgm:constr type="rMarg" refType="primFontSz" fact="0.3"/>
-                  </dgm:constrLst>
-                  <dgm:ruleLst>
-                    <dgm:rule type="primFontSz" val="5" fact="NaN" max="NaN"/>
-                  </dgm:ruleLst>
-                </dgm:layoutNode>
-              </dgm:layoutNode>
-            </dgm:if>
-            <dgm:else name="Name22"/>
-          </dgm:choose>
-          <dgm:choose name="Name23">
-            <dgm:if name="Name24" axis="ch ch" ptType="node node" st="4 1" cnt="1 0" func="cnt" op="gte" val="1">
-              <dgm:layoutNode name="child4group">
-                <dgm:alg type="composite">
-                  <dgm:param type="horzAlign" val="none"/>
-                  <dgm:param type="vertAlign" val="none"/>
-                </dgm:alg>
-                <dgm:shape xmlns:r="http://schemas.openxmlformats.org/officeDocument/2006/relationships" r:blip="">
-                  <dgm:adjLst/>
-                </dgm:shape>
-                <dgm:presOf/>
-                <dgm:choose name="Name25">
-                  <dgm:if name="Name26" func="var" arg="dir" op="equ" val="norm">
-                    <dgm:constrLst>
-                      <dgm:constr type="w" for="ch" forName="child4" refType="w"/>
-                      <dgm:constr type="h" for="ch" forName="child4" refType="h"/>
-                      <dgm:constr type="b" for="ch" forName="child4" refType="h"/>
-                      <dgm:constr type="l" for="ch" forName="child4"/>
-                      <dgm:constr type="w" for="ch" forName="child4Text" refType="w" fact="0.7"/>
-                      <dgm:constr type="h" for="ch" forName="child4Text" refType="h" fact="0.75"/>
-                      <dgm:constr type="b" for="ch" forName="child4Text" refType="h"/>
-                      <dgm:constr type="l" for="ch" forName="child4Text"/>
-                    </dgm:constrLst>
-                  </dgm:if>
-                  <dgm:else name="Name27">
-                    <dgm:constrLst>
-                      <dgm:constr type="w" for="ch" forName="child4" refType="w"/>
-                      <dgm:constr type="h" for="ch" forName="child4" refType="h"/>
-                      <dgm:constr type="b" for="ch" forName="child4" refType="h"/>
-                      <dgm:constr type="r" for="ch" forName="child4" refType="w"/>
-                      <dgm:constr type="w" for="ch" forName="child4Text" refType="w" fact="0.7"/>
-                      <dgm:constr type="h" for="ch" forName="child4Text" refType="h" fact="0.75"/>
-                      <dgm:constr type="b" for="ch" forName="child4Text" refType="h"/>
-                      <dgm:constr type="r" for="ch" forName="child4Text" refType="w"/>
-                    </dgm:constrLst>
-                  </dgm:else>
-                </dgm:choose>
-                <dgm:ruleLst/>
-                <dgm:layoutNode name="child4" styleLbl="bgAcc1">
-                  <dgm:alg type="sp"/>
-                  <dgm:shape xmlns:r="http://schemas.openxmlformats.org/officeDocument/2006/relationships" type="roundRect" r:blip="" zOrderOff="-4">
-                    <dgm:adjLst>
-                      <dgm:adj idx="1" val="0.1"/>
-                    </dgm:adjLst>
-                  </dgm:shape>
-                  <dgm:presOf axis="ch des" ptType="node node" st="4 1" cnt="1 0"/>
-                  <dgm:constrLst/>
-                  <dgm:ruleLst/>
-                </dgm:layoutNode>
-                <dgm:layoutNode name="child4Text" styleLbl="bgAcc1">
-                  <dgm:varLst>
-                    <dgm:bulletEnabled val="1"/>
-                  </dgm:varLst>
-                  <dgm:alg type="tx">
-                    <dgm:param type="stBulletLvl" val="1"/>
-                  </dgm:alg>
-                  <dgm:shape xmlns:r="http://schemas.openxmlformats.org/officeDocument/2006/relationships" type="roundRect" r:blip="" zOrderOff="-4" hideGeom="1">
-                    <dgm:adjLst>
-                      <dgm:adj idx="1" val="0.1"/>
-                    </dgm:adjLst>
-                  </dgm:shape>
-                  <dgm:presOf axis="ch des" ptType="node node" st="4 1" cnt="1 0"/>
-                  <dgm:constrLst>
-                    <dgm:constr type="tMarg" refType="primFontSz" fact="0.3"/>
-                    <dgm:constr type="bMarg" refType="primFontSz" fact="0.3"/>
-                    <dgm:constr type="lMarg" refType="primFontSz" fact="0.3"/>
-                    <dgm:constr type="rMarg" refType="primFontSz" fact="0.3"/>
-                  </dgm:constrLst>
-                  <dgm:ruleLst>
-                    <dgm:rule type="primFontSz" val="5" fact="NaN" max="NaN"/>
-                  </dgm:ruleLst>
-                </dgm:layoutNode>
-              </dgm:layoutNode>
-            </dgm:if>
-            <dgm:else name="Name28"/>
-          </dgm:choose>
-          <dgm:layoutNode name="childPlaceholder">
+              <dgm:choose name="Name3">
+                <dgm:if name="Name4" axis="self" ptType="node" func="revPos" op="equ" val="1"/>
+                <dgm:else name="Name5">
+                  <dgm:layoutNode name="aSpace2">
+                    <dgm:alg type="sp"/>
+                    <dgm:shape xmlns:r="http://schemas.openxmlformats.org/officeDocument/2006/relationships" r:blip="">
+                      <dgm:adjLst/>
+                    </dgm:shape>
+                    <dgm:presOf/>
+                    <dgm:constrLst/>
+                    <dgm:ruleLst/>
+                  </dgm:layoutNode>
+                </dgm:else>
+              </dgm:choose>
+            </dgm:forEach>
+          </dgm:layoutNode>
+        </dgm:layoutNode>
+      </dgm:layoutNode>
+      <dgm:choose name="Name6">
+        <dgm:if name="Name7" axis="self" ptType="node" func="revPos" op="equ" val="1"/>
+        <dgm:else name="Name8">
+          <dgm:layoutNode name="aSpace">
             <dgm:alg type="sp"/>
             <dgm:shape xmlns:r="http://schemas.openxmlformats.org/officeDocument/2006/relationships" r:blip="">
               <dgm:adjLst/>
@@ -3000,226 +4952,1048 @@
             <dgm:constrLst/>
             <dgm:ruleLst/>
           </dgm:layoutNode>
-        </dgm:layoutNode>
-        <dgm:layoutNode name="circle">
-          <dgm:alg type="composite">
-            <dgm:param type="ar" val="1"/>
-          </dgm:alg>
-          <dgm:shape xmlns:r="http://schemas.openxmlformats.org/officeDocument/2006/relationships" r:blip="">
-            <dgm:adjLst/>
-          </dgm:shape>
-          <dgm:presOf/>
-          <dgm:choose name="Name29">
-            <dgm:if name="Name30" func="var" arg="dir" op="equ" val="norm">
-              <dgm:constrLst>
-                <dgm:constr type="primFontSz" for="ch" ptType="node" op="equ" val="65"/>
-                <dgm:constr type="w" for="ch" forName="quadrant1" refType="w" fact="0.433"/>
-                <dgm:constr type="h" for="ch" forName="quadrant1" refType="h" fact="0.433"/>
-                <dgm:constr type="b" for="ch" forName="quadrant1" refType="h" fact="0.5"/>
-                <dgm:constr type="bOff" for="ch" forName="quadrant1" refType="h" fact="-0.01"/>
-                <dgm:constr type="r" for="ch" forName="quadrant1" refType="w" fact="0.5"/>
-                <dgm:constr type="rOff" for="ch" forName="quadrant1" refType="w" fact="-0.01"/>
-                <dgm:constr type="w" for="ch" forName="quadrant2" refType="w" fact="0.433"/>
-                <dgm:constr type="h" for="ch" forName="quadrant2" refType="h" fact="0.433"/>
-                <dgm:constr type="b" for="ch" forName="quadrant2" refType="h" fact="0.5"/>
-                <dgm:constr type="bOff" for="ch" forName="quadrant2" refType="h" fact="-0.01"/>
-                <dgm:constr type="l" for="ch" forName="quadrant2" refType="w" fact="0.5"/>
-                <dgm:constr type="lOff" for="ch" forName="quadrant2" refType="w" fact="0.01"/>
-                <dgm:constr type="w" for="ch" forName="quadrant3" refType="w" fact="0.433"/>
-                <dgm:constr type="h" for="ch" forName="quadrant3" refType="h" fact="0.433"/>
-                <dgm:constr type="t" for="ch" forName="quadrant3" refType="h" fact="0.5"/>
-                <dgm:constr type="tOff" for="ch" forName="quadrant3" refType="h" fact="0.01"/>
-                <dgm:constr type="l" for="ch" forName="quadrant3" refType="w" fact="0.5"/>
-                <dgm:constr type="lOff" for="ch" forName="quadrant3" refType="w" fact="0.01"/>
-                <dgm:constr type="w" for="ch" forName="quadrant4" refType="w" fact="0.433"/>
-                <dgm:constr type="h" for="ch" forName="quadrant4" refType="h" fact="0.433"/>
-                <dgm:constr type="t" for="ch" forName="quadrant4" refType="h" fact="0.5"/>
-                <dgm:constr type="tOff" for="ch" forName="quadrant4" refType="h" fact="0.01"/>
-                <dgm:constr type="r" for="ch" forName="quadrant4" refType="w" fact="0.5"/>
-                <dgm:constr type="rOff" for="ch" forName="quadrant4" refType="w" fact="-0.01"/>
-              </dgm:constrLst>
-            </dgm:if>
-            <dgm:else name="Name31">
-              <dgm:constrLst>
-                <dgm:constr type="primFontSz" for="ch" ptType="node" op="equ" val="65"/>
-                <dgm:constr type="w" for="ch" forName="quadrant1" refType="w" fact="0.433"/>
-                <dgm:constr type="h" for="ch" forName="quadrant1" refType="h" fact="0.433"/>
-                <dgm:constr type="b" for="ch" forName="quadrant1" refType="h" fact="0.5"/>
-                <dgm:constr type="bOff" for="ch" forName="quadrant1" refType="h" fact="-0.01"/>
-                <dgm:constr type="l" for="ch" forName="quadrant1" refType="w" fact="0.5"/>
-                <dgm:constr type="lOff" for="ch" forName="quadrant1" refType="w" fact="0.01"/>
-                <dgm:constr type="w" for="ch" forName="quadrant2" refType="w" fact="0.433"/>
-                <dgm:constr type="h" for="ch" forName="quadrant2" refType="h" fact="0.433"/>
-                <dgm:constr type="b" for="ch" forName="quadrant2" refType="h" fact="0.5"/>
-                <dgm:constr type="bOff" for="ch" forName="quadrant2" refType="h" fact="-0.01"/>
-                <dgm:constr type="r" for="ch" forName="quadrant2" refType="w" fact="0.5"/>
-                <dgm:constr type="rOff" for="ch" forName="quadrant2" refType="w" fact="-0.01"/>
-                <dgm:constr type="w" for="ch" forName="quadrant3" refType="w" fact="0.433"/>
-                <dgm:constr type="h" for="ch" forName="quadrant3" refType="h" fact="0.433"/>
-                <dgm:constr type="t" for="ch" forName="quadrant3" refType="h" fact="0.5"/>
-                <dgm:constr type="tOff" for="ch" forName="quadrant3" refType="h" fact="0.01"/>
-                <dgm:constr type="r" for="ch" forName="quadrant3" refType="w" fact="0.5"/>
-                <dgm:constr type="rOff" for="ch" forName="quadrant3" refType="w" fact="-0.01"/>
-                <dgm:constr type="w" for="ch" forName="quadrant4" refType="w" fact="0.433"/>
-                <dgm:constr type="h" for="ch" forName="quadrant4" refType="h" fact="0.433"/>
-                <dgm:constr type="t" for="ch" forName="quadrant4" refType="h" fact="0.5"/>
-                <dgm:constr type="tOff" for="ch" forName="quadrant4" refType="h" fact="0.01"/>
-                <dgm:constr type="l" for="ch" forName="quadrant4" refType="w" fact="0.5"/>
-                <dgm:constr type="lOff" for="ch" forName="quadrant4" refType="w" fact="0.01"/>
-              </dgm:constrLst>
-            </dgm:else>
-          </dgm:choose>
-          <dgm:ruleLst/>
-          <dgm:layoutNode name="quadrant1" styleLbl="node1">
-            <dgm:varLst>
-              <dgm:chMax val="1"/>
-              <dgm:bulletEnabled val="1"/>
-            </dgm:varLst>
-            <dgm:alg type="tx"/>
-            <dgm:choose name="Name32">
-              <dgm:if name="Name33" func="var" arg="dir" op="equ" val="norm">
-                <dgm:shape xmlns:r="http://schemas.openxmlformats.org/officeDocument/2006/relationships" type="pieWedge" r:blip="">
-                  <dgm:adjLst/>
-                </dgm:shape>
-              </dgm:if>
-              <dgm:else name="Name34">
-                <dgm:shape xmlns:r="http://schemas.openxmlformats.org/officeDocument/2006/relationships" rot="90" type="pieWedge" r:blip="">
-                  <dgm:adjLst/>
-                </dgm:shape>
-              </dgm:else>
-            </dgm:choose>
-            <dgm:presOf axis="ch" ptType="node" cnt="1"/>
-            <dgm:constrLst/>
-            <dgm:ruleLst>
-              <dgm:rule type="primFontSz" val="5" fact="NaN" max="NaN"/>
-            </dgm:ruleLst>
-          </dgm:layoutNode>
-          <dgm:layoutNode name="quadrant2" styleLbl="node1">
-            <dgm:varLst>
-              <dgm:chMax val="1"/>
-              <dgm:bulletEnabled val="1"/>
-            </dgm:varLst>
-            <dgm:alg type="tx"/>
-            <dgm:choose name="Name35">
-              <dgm:if name="Name36" func="var" arg="dir" op="equ" val="norm">
-                <dgm:shape xmlns:r="http://schemas.openxmlformats.org/officeDocument/2006/relationships" rot="90" type="pieWedge" r:blip="">
-                  <dgm:adjLst/>
-                </dgm:shape>
-              </dgm:if>
-              <dgm:else name="Name37">
-                <dgm:shape xmlns:r="http://schemas.openxmlformats.org/officeDocument/2006/relationships" type="pieWedge" r:blip="">
-                  <dgm:adjLst/>
-                </dgm:shape>
-              </dgm:else>
-            </dgm:choose>
-            <dgm:presOf axis="ch" ptType="node" st="2" cnt="1"/>
-            <dgm:constrLst/>
-            <dgm:ruleLst>
-              <dgm:rule type="primFontSz" val="5" fact="NaN" max="NaN"/>
-            </dgm:ruleLst>
-          </dgm:layoutNode>
-          <dgm:layoutNode name="quadrant3" styleLbl="node1">
-            <dgm:varLst>
-              <dgm:chMax val="1"/>
-              <dgm:bulletEnabled val="1"/>
-            </dgm:varLst>
-            <dgm:alg type="tx"/>
-            <dgm:choose name="Name38">
-              <dgm:if name="Name39" func="var" arg="dir" op="equ" val="norm">
-                <dgm:shape xmlns:r="http://schemas.openxmlformats.org/officeDocument/2006/relationships" rot="180" type="pieWedge" r:blip="">
-                  <dgm:adjLst/>
-                </dgm:shape>
-              </dgm:if>
-              <dgm:else name="Name40">
-                <dgm:shape xmlns:r="http://schemas.openxmlformats.org/officeDocument/2006/relationships" rot="270" type="pieWedge" r:blip="">
-                  <dgm:adjLst/>
-                </dgm:shape>
-              </dgm:else>
-            </dgm:choose>
-            <dgm:presOf axis="ch" ptType="node" st="3" cnt="1"/>
-            <dgm:constrLst/>
-            <dgm:ruleLst>
-              <dgm:rule type="primFontSz" val="5" fact="NaN" max="NaN"/>
-            </dgm:ruleLst>
-          </dgm:layoutNode>
-          <dgm:layoutNode name="quadrant4" styleLbl="node1">
-            <dgm:varLst>
-              <dgm:chMax val="1"/>
-              <dgm:bulletEnabled val="1"/>
-            </dgm:varLst>
-            <dgm:alg type="tx"/>
-            <dgm:choose name="Name41">
-              <dgm:if name="Name42" func="var" arg="dir" op="equ" val="norm">
-                <dgm:shape xmlns:r="http://schemas.openxmlformats.org/officeDocument/2006/relationships" rot="270" type="pieWedge" r:blip="">
-                  <dgm:adjLst/>
-                </dgm:shape>
-              </dgm:if>
-              <dgm:else name="Name43">
-                <dgm:shape xmlns:r="http://schemas.openxmlformats.org/officeDocument/2006/relationships" rot="180" type="pieWedge" r:blip="">
-                  <dgm:adjLst/>
-                </dgm:shape>
-              </dgm:else>
-            </dgm:choose>
-            <dgm:presOf axis="ch" ptType="node" st="4" cnt="1"/>
-            <dgm:constrLst/>
-            <dgm:ruleLst>
-              <dgm:rule type="primFontSz" val="5" fact="NaN" max="NaN"/>
-            </dgm:ruleLst>
-          </dgm:layoutNode>
-          <dgm:layoutNode name="quadrantPlaceholder">
-            <dgm:alg type="sp"/>
-            <dgm:shape xmlns:r="http://schemas.openxmlformats.org/officeDocument/2006/relationships" r:blip="">
-              <dgm:adjLst/>
-            </dgm:shape>
-            <dgm:presOf/>
-            <dgm:constrLst/>
-            <dgm:ruleLst/>
-          </dgm:layoutNode>
-        </dgm:layoutNode>
-        <dgm:layoutNode name="center1" styleLbl="fgShp">
-          <dgm:alg type="sp"/>
-          <dgm:choose name="Name44">
-            <dgm:if name="Name45" func="var" arg="dir" op="equ" val="norm">
-              <dgm:shape xmlns:r="http://schemas.openxmlformats.org/officeDocument/2006/relationships" type="circularArrow" r:blip="" zOrderOff="16">
-                <dgm:adjLst/>
-              </dgm:shape>
-            </dgm:if>
-            <dgm:else name="Name46">
-              <dgm:shape xmlns:r="http://schemas.openxmlformats.org/officeDocument/2006/relationships" rot="180" type="leftCircularArrow" r:blip="" zOrderOff="16">
-                <dgm:adjLst/>
-              </dgm:shape>
-            </dgm:else>
-          </dgm:choose>
-          <dgm:presOf/>
-          <dgm:constrLst/>
-          <dgm:ruleLst/>
-        </dgm:layoutNode>
-        <dgm:layoutNode name="center2" styleLbl="fgShp">
-          <dgm:alg type="sp"/>
-          <dgm:choose name="Name47">
-            <dgm:if name="Name48" func="var" arg="dir" op="equ" val="norm">
-              <dgm:shape xmlns:r="http://schemas.openxmlformats.org/officeDocument/2006/relationships" rot="180" type="circularArrow" r:blip="" zOrderOff="16">
-                <dgm:adjLst/>
-              </dgm:shape>
-            </dgm:if>
-            <dgm:else name="Name49">
-              <dgm:shape xmlns:r="http://schemas.openxmlformats.org/officeDocument/2006/relationships" type="leftCircularArrow" r:blip="" zOrderOff="16">
-                <dgm:adjLst/>
-              </dgm:shape>
-            </dgm:else>
-          </dgm:choose>
-          <dgm:presOf/>
-          <dgm:constrLst/>
-          <dgm:ruleLst/>
-        </dgm:layoutNode>
-      </dgm:if>
-      <dgm:else name="Name50"/>
-    </dgm:choose>
+        </dgm:else>
+      </dgm:choose>
+    </dgm:forEach>
   </dgm:layoutNode>
 </dgm:layoutDef>
 </file>
 
 <file path=ppt/diagrams/quickStyle1.xml><?xml version="1.0" encoding="utf-8"?>
+<dgm:styleDef xmlns:dgm="http://schemas.openxmlformats.org/drawingml/2006/diagram" xmlns:a="http://schemas.openxmlformats.org/drawingml/2006/main" uniqueId="urn:microsoft.com/office/officeart/2005/8/quickstyle/simple5">
+  <dgm:title val=""/>
+  <dgm:desc val=""/>
+  <dgm:catLst>
+    <dgm:cat type="simple" pri="10500"/>
+  </dgm:catLst>
+  <dgm:scene3d>
+    <a:camera prst="orthographicFront"/>
+    <a:lightRig rig="threePt" dir="t"/>
+  </dgm:scene3d>
+  <dgm:styleLbl name="node0">
+    <dgm:scene3d>
+      <a:camera prst="orthographicFront"/>
+      <a:lightRig rig="threePt" dir="t"/>
+    </dgm:scene3d>
+    <dgm:sp3d/>
+    <dgm:txPr/>
+    <dgm:style>
+      <a:lnRef idx="0">
+        <a:scrgbClr r="0" g="0" b="0"/>
+      </a:lnRef>
+      <a:fillRef idx="3">
+        <a:scrgbClr r="0" g="0" b="0"/>
+      </a:fillRef>
+      <a:effectRef idx="3">
+        <a:scrgbClr r="0" g="0" b="0"/>
+      </a:effectRef>
+      <a:fontRef idx="minor">
+        <a:schemeClr val="lt1"/>
+      </a:fontRef>
+    </dgm:style>
+  </dgm:styleLbl>
+  <dgm:styleLbl name="lnNode1">
+    <dgm:scene3d>
+      <a:camera prst="orthographicFront"/>
+      <a:lightRig rig="threePt" dir="t"/>
+    </dgm:scene3d>
+    <dgm:sp3d/>
+    <dgm:txPr/>
+    <dgm:style>
+      <a:lnRef idx="0">
+        <a:scrgbClr r="0" g="0" b="0"/>
+      </a:lnRef>
+      <a:fillRef idx="3">
+        <a:scrgbClr r="0" g="0" b="0"/>
+      </a:fillRef>
+      <a:effectRef idx="3">
+        <a:scrgbClr r="0" g="0" b="0"/>
+      </a:effectRef>
+      <a:fontRef idx="minor">
+        <a:schemeClr val="lt1"/>
+      </a:fontRef>
+    </dgm:style>
+  </dgm:styleLbl>
+  <dgm:styleLbl name="vennNode1">
+    <dgm:scene3d>
+      <a:camera prst="orthographicFront"/>
+      <a:lightRig rig="threePt" dir="t"/>
+    </dgm:scene3d>
+    <dgm:sp3d/>
+    <dgm:txPr/>
+    <dgm:style>
+      <a:lnRef idx="0">
+        <a:scrgbClr r="0" g="0" b="0"/>
+      </a:lnRef>
+      <a:fillRef idx="3">
+        <a:scrgbClr r="0" g="0" b="0"/>
+      </a:fillRef>
+      <a:effectRef idx="3">
+        <a:scrgbClr r="0" g="0" b="0"/>
+      </a:effectRef>
+      <a:fontRef idx="minor">
+        <a:schemeClr val="tx1"/>
+      </a:fontRef>
+    </dgm:style>
+  </dgm:styleLbl>
+  <dgm:styleLbl name="alignNode1">
+    <dgm:scene3d>
+      <a:camera prst="orthographicFront"/>
+      <a:lightRig rig="threePt" dir="t"/>
+    </dgm:scene3d>
+    <dgm:sp3d/>
+    <dgm:txPr/>
+    <dgm:style>
+      <a:lnRef idx="1">
+        <a:scrgbClr r="0" g="0" b="0"/>
+      </a:lnRef>
+      <a:fillRef idx="3">
+        <a:scrgbClr r="0" g="0" b="0"/>
+      </a:fillRef>
+      <a:effectRef idx="3">
+        <a:scrgbClr r="0" g="0" b="0"/>
+      </a:effectRef>
+      <a:fontRef idx="minor">
+        <a:schemeClr val="lt1"/>
+      </a:fontRef>
+    </dgm:style>
+  </dgm:styleLbl>
+  <dgm:styleLbl name="node1">
+    <dgm:scene3d>
+      <a:camera prst="orthographicFront"/>
+      <a:lightRig rig="threePt" dir="t"/>
+    </dgm:scene3d>
+    <dgm:sp3d/>
+    <dgm:txPr/>
+    <dgm:style>
+      <a:lnRef idx="0">
+        <a:scrgbClr r="0" g="0" b="0"/>
+      </a:lnRef>
+      <a:fillRef idx="3">
+        <a:scrgbClr r="0" g="0" b="0"/>
+      </a:fillRef>
+      <a:effectRef idx="3">
+        <a:scrgbClr r="0" g="0" b="0"/>
+      </a:effectRef>
+      <a:fontRef idx="minor">
+        <a:schemeClr val="lt1"/>
+      </a:fontRef>
+    </dgm:style>
+  </dgm:styleLbl>
+  <dgm:styleLbl name="node2">
+    <dgm:scene3d>
+      <a:camera prst="orthographicFront"/>
+      <a:lightRig rig="threePt" dir="t"/>
+    </dgm:scene3d>
+    <dgm:sp3d/>
+    <dgm:txPr/>
+    <dgm:style>
+      <a:lnRef idx="0">
+        <a:scrgbClr r="0" g="0" b="0"/>
+      </a:lnRef>
+      <a:fillRef idx="3">
+        <a:scrgbClr r="0" g="0" b="0"/>
+      </a:fillRef>
+      <a:effectRef idx="3">
+        <a:scrgbClr r="0" g="0" b="0"/>
+      </a:effectRef>
+      <a:fontRef idx="minor">
+        <a:schemeClr val="lt1"/>
+      </a:fontRef>
+    </dgm:style>
+  </dgm:styleLbl>
+  <dgm:styleLbl name="node3">
+    <dgm:scene3d>
+      <a:camera prst="orthographicFront"/>
+      <a:lightRig rig="threePt" dir="t"/>
+    </dgm:scene3d>
+    <dgm:sp3d/>
+    <dgm:txPr/>
+    <dgm:style>
+      <a:lnRef idx="0">
+        <a:scrgbClr r="0" g="0" b="0"/>
+      </a:lnRef>
+      <a:fillRef idx="3">
+        <a:scrgbClr r="0" g="0" b="0"/>
+      </a:fillRef>
+      <a:effectRef idx="3">
+        <a:scrgbClr r="0" g="0" b="0"/>
+      </a:effectRef>
+      <a:fontRef idx="minor">
+        <a:schemeClr val="lt1"/>
+      </a:fontRef>
+    </dgm:style>
+  </dgm:styleLbl>
+  <dgm:styleLbl name="node4">
+    <dgm:scene3d>
+      <a:camera prst="orthographicFront"/>
+      <a:lightRig rig="threePt" dir="t"/>
+    </dgm:scene3d>
+    <dgm:sp3d/>
+    <dgm:txPr/>
+    <dgm:style>
+      <a:lnRef idx="0">
+        <a:scrgbClr r="0" g="0" b="0"/>
+      </a:lnRef>
+      <a:fillRef idx="3">
+        <a:scrgbClr r="0" g="0" b="0"/>
+      </a:fillRef>
+      <a:effectRef idx="3">
+        <a:scrgbClr r="0" g="0" b="0"/>
+      </a:effectRef>
+      <a:fontRef idx="minor">
+        <a:schemeClr val="lt1"/>
+      </a:fontRef>
+    </dgm:style>
+  </dgm:styleLbl>
+  <dgm:styleLbl name="fgImgPlace1">
+    <dgm:scene3d>
+      <a:camera prst="orthographicFront"/>
+      <a:lightRig rig="threePt" dir="t"/>
+    </dgm:scene3d>
+    <dgm:sp3d/>
+    <dgm:txPr/>
+    <dgm:style>
+      <a:lnRef idx="0">
+        <a:scrgbClr r="0" g="0" b="0"/>
+      </a:lnRef>
+      <a:fillRef idx="1">
+        <a:scrgbClr r="0" g="0" b="0"/>
+      </a:fillRef>
+      <a:effectRef idx="3">
+        <a:scrgbClr r="0" g="0" b="0"/>
+      </a:effectRef>
+      <a:fontRef idx="minor"/>
+    </dgm:style>
+  </dgm:styleLbl>
+  <dgm:styleLbl name="alignImgPlace1">
+    <dgm:scene3d>
+      <a:camera prst="orthographicFront"/>
+      <a:lightRig rig="threePt" dir="t"/>
+    </dgm:scene3d>
+    <dgm:sp3d/>
+    <dgm:txPr/>
+    <dgm:style>
+      <a:lnRef idx="0">
+        <a:scrgbClr r="0" g="0" b="0"/>
+      </a:lnRef>
+      <a:fillRef idx="1">
+        <a:scrgbClr r="0" g="0" b="0"/>
+      </a:fillRef>
+      <a:effectRef idx="3">
+        <a:scrgbClr r="0" g="0" b="0"/>
+      </a:effectRef>
+      <a:fontRef idx="minor"/>
+    </dgm:style>
+  </dgm:styleLbl>
+  <dgm:styleLbl name="bgImgPlace1">
+    <dgm:scene3d>
+      <a:camera prst="orthographicFront"/>
+      <a:lightRig rig="threePt" dir="t"/>
+    </dgm:scene3d>
+    <dgm:sp3d/>
+    <dgm:txPr/>
+    <dgm:style>
+      <a:lnRef idx="0">
+        <a:scrgbClr r="0" g="0" b="0"/>
+      </a:lnRef>
+      <a:fillRef idx="1">
+        <a:scrgbClr r="0" g="0" b="0"/>
+      </a:fillRef>
+      <a:effectRef idx="3">
+        <a:scrgbClr r="0" g="0" b="0"/>
+      </a:effectRef>
+      <a:fontRef idx="minor"/>
+    </dgm:style>
+  </dgm:styleLbl>
+  <dgm:styleLbl name="sibTrans2D1">
+    <dgm:scene3d>
+      <a:camera prst="orthographicFront"/>
+      <a:lightRig rig="threePt" dir="t"/>
+    </dgm:scene3d>
+    <dgm:sp3d/>
+    <dgm:txPr/>
+    <dgm:style>
+      <a:lnRef idx="0">
+        <a:scrgbClr r="0" g="0" b="0"/>
+      </a:lnRef>
+      <a:fillRef idx="3">
+        <a:scrgbClr r="0" g="0" b="0"/>
+      </a:fillRef>
+      <a:effectRef idx="3">
+        <a:scrgbClr r="0" g="0" b="0"/>
+      </a:effectRef>
+      <a:fontRef idx="minor">
+        <a:schemeClr val="lt1"/>
+      </a:fontRef>
+    </dgm:style>
+  </dgm:styleLbl>
+  <dgm:styleLbl name="fgSibTrans2D1">
+    <dgm:scene3d>
+      <a:camera prst="orthographicFront"/>
+      <a:lightRig rig="threePt" dir="t"/>
+    </dgm:scene3d>
+    <dgm:sp3d/>
+    <dgm:txPr/>
+    <dgm:style>
+      <a:lnRef idx="0">
+        <a:scrgbClr r="0" g="0" b="0"/>
+      </a:lnRef>
+      <a:fillRef idx="3">
+        <a:scrgbClr r="0" g="0" b="0"/>
+      </a:fillRef>
+      <a:effectRef idx="3">
+        <a:scrgbClr r="0" g="0" b="0"/>
+      </a:effectRef>
+      <a:fontRef idx="minor">
+        <a:schemeClr val="lt1"/>
+      </a:fontRef>
+    </dgm:style>
+  </dgm:styleLbl>
+  <dgm:styleLbl name="bgSibTrans2D1">
+    <dgm:scene3d>
+      <a:camera prst="orthographicFront"/>
+      <a:lightRig rig="threePt" dir="t"/>
+    </dgm:scene3d>
+    <dgm:sp3d/>
+    <dgm:txPr/>
+    <dgm:style>
+      <a:lnRef idx="0">
+        <a:scrgbClr r="0" g="0" b="0"/>
+      </a:lnRef>
+      <a:fillRef idx="3">
+        <a:scrgbClr r="0" g="0" b="0"/>
+      </a:fillRef>
+      <a:effectRef idx="3">
+        <a:scrgbClr r="0" g="0" b="0"/>
+      </a:effectRef>
+      <a:fontRef idx="minor">
+        <a:schemeClr val="lt1"/>
+      </a:fontRef>
+    </dgm:style>
+  </dgm:styleLbl>
+  <dgm:styleLbl name="sibTrans1D1">
+    <dgm:scene3d>
+      <a:camera prst="orthographicFront"/>
+      <a:lightRig rig="threePt" dir="t"/>
+    </dgm:scene3d>
+    <dgm:sp3d/>
+    <dgm:txPr/>
+    <dgm:style>
+      <a:lnRef idx="1">
+        <a:scrgbClr r="0" g="0" b="0"/>
+      </a:lnRef>
+      <a:fillRef idx="0">
+        <a:scrgbClr r="0" g="0" b="0"/>
+      </a:fillRef>
+      <a:effectRef idx="0">
+        <a:scrgbClr r="0" g="0" b="0"/>
+      </a:effectRef>
+      <a:fontRef idx="minor"/>
+    </dgm:style>
+  </dgm:styleLbl>
+  <dgm:styleLbl name="callout">
+    <dgm:scene3d>
+      <a:camera prst="orthographicFront"/>
+      <a:lightRig rig="threePt" dir="t"/>
+    </dgm:scene3d>
+    <dgm:sp3d/>
+    <dgm:txPr/>
+    <dgm:style>
+      <a:lnRef idx="1">
+        <a:scrgbClr r="0" g="0" b="0"/>
+      </a:lnRef>
+      <a:fillRef idx="0">
+        <a:scrgbClr r="0" g="0" b="0"/>
+      </a:fillRef>
+      <a:effectRef idx="1">
+        <a:scrgbClr r="0" g="0" b="0"/>
+      </a:effectRef>
+      <a:fontRef idx="minor"/>
+    </dgm:style>
+  </dgm:styleLbl>
+  <dgm:styleLbl name="asst0">
+    <dgm:scene3d>
+      <a:camera prst="orthographicFront"/>
+      <a:lightRig rig="threePt" dir="t"/>
+    </dgm:scene3d>
+    <dgm:sp3d/>
+    <dgm:txPr/>
+    <dgm:style>
+      <a:lnRef idx="0">
+        <a:scrgbClr r="0" g="0" b="0"/>
+      </a:lnRef>
+      <a:fillRef idx="3">
+        <a:scrgbClr r="0" g="0" b="0"/>
+      </a:fillRef>
+      <a:effectRef idx="3">
+        <a:scrgbClr r="0" g="0" b="0"/>
+      </a:effectRef>
+      <a:fontRef idx="minor">
+        <a:schemeClr val="lt1"/>
+      </a:fontRef>
+    </dgm:style>
+  </dgm:styleLbl>
+  <dgm:styleLbl name="asst1">
+    <dgm:scene3d>
+      <a:camera prst="orthographicFront"/>
+      <a:lightRig rig="threePt" dir="t"/>
+    </dgm:scene3d>
+    <dgm:sp3d/>
+    <dgm:txPr/>
+    <dgm:style>
+      <a:lnRef idx="0">
+        <a:scrgbClr r="0" g="0" b="0"/>
+      </a:lnRef>
+      <a:fillRef idx="3">
+        <a:scrgbClr r="0" g="0" b="0"/>
+      </a:fillRef>
+      <a:effectRef idx="3">
+        <a:scrgbClr r="0" g="0" b="0"/>
+      </a:effectRef>
+      <a:fontRef idx="minor">
+        <a:schemeClr val="lt1"/>
+      </a:fontRef>
+    </dgm:style>
+  </dgm:styleLbl>
+  <dgm:styleLbl name="asst2">
+    <dgm:scene3d>
+      <a:camera prst="orthographicFront"/>
+      <a:lightRig rig="threePt" dir="t"/>
+    </dgm:scene3d>
+    <dgm:sp3d/>
+    <dgm:txPr/>
+    <dgm:style>
+      <a:lnRef idx="0">
+        <a:scrgbClr r="0" g="0" b="0"/>
+      </a:lnRef>
+      <a:fillRef idx="3">
+        <a:scrgbClr r="0" g="0" b="0"/>
+      </a:fillRef>
+      <a:effectRef idx="3">
+        <a:scrgbClr r="0" g="0" b="0"/>
+      </a:effectRef>
+      <a:fontRef idx="minor">
+        <a:schemeClr val="lt1"/>
+      </a:fontRef>
+    </dgm:style>
+  </dgm:styleLbl>
+  <dgm:styleLbl name="asst3">
+    <dgm:scene3d>
+      <a:camera prst="orthographicFront"/>
+      <a:lightRig rig="threePt" dir="t"/>
+    </dgm:scene3d>
+    <dgm:sp3d/>
+    <dgm:txPr/>
+    <dgm:style>
+      <a:lnRef idx="0">
+        <a:scrgbClr r="0" g="0" b="0"/>
+      </a:lnRef>
+      <a:fillRef idx="3">
+        <a:scrgbClr r="0" g="0" b="0"/>
+      </a:fillRef>
+      <a:effectRef idx="3">
+        <a:scrgbClr r="0" g="0" b="0"/>
+      </a:effectRef>
+      <a:fontRef idx="minor">
+        <a:schemeClr val="lt1"/>
+      </a:fontRef>
+    </dgm:style>
+  </dgm:styleLbl>
+  <dgm:styleLbl name="asst4">
+    <dgm:scene3d>
+      <a:camera prst="orthographicFront"/>
+      <a:lightRig rig="threePt" dir="t"/>
+    </dgm:scene3d>
+    <dgm:sp3d/>
+    <dgm:txPr/>
+    <dgm:style>
+      <a:lnRef idx="0">
+        <a:scrgbClr r="0" g="0" b="0"/>
+      </a:lnRef>
+      <a:fillRef idx="3">
+        <a:scrgbClr r="0" g="0" b="0"/>
+      </a:fillRef>
+      <a:effectRef idx="3">
+        <a:scrgbClr r="0" g="0" b="0"/>
+      </a:effectRef>
+      <a:fontRef idx="minor">
+        <a:schemeClr val="lt1"/>
+      </a:fontRef>
+    </dgm:style>
+  </dgm:styleLbl>
+  <dgm:styleLbl name="parChTrans2D1">
+    <dgm:scene3d>
+      <a:camera prst="orthographicFront"/>
+      <a:lightRig rig="threePt" dir="t"/>
+    </dgm:scene3d>
+    <dgm:sp3d/>
+    <dgm:txPr/>
+    <dgm:style>
+      <a:lnRef idx="0">
+        <a:scrgbClr r="0" g="0" b="0"/>
+      </a:lnRef>
+      <a:fillRef idx="3">
+        <a:scrgbClr r="0" g="0" b="0"/>
+      </a:fillRef>
+      <a:effectRef idx="3">
+        <a:scrgbClr r="0" g="0" b="0"/>
+      </a:effectRef>
+      <a:fontRef idx="minor">
+        <a:schemeClr val="lt1"/>
+      </a:fontRef>
+    </dgm:style>
+  </dgm:styleLbl>
+  <dgm:styleLbl name="parChTrans2D2">
+    <dgm:scene3d>
+      <a:camera prst="orthographicFront"/>
+      <a:lightRig rig="threePt" dir="t"/>
+    </dgm:scene3d>
+    <dgm:sp3d/>
+    <dgm:txPr/>
+    <dgm:style>
+      <a:lnRef idx="0">
+        <a:scrgbClr r="0" g="0" b="0"/>
+      </a:lnRef>
+      <a:fillRef idx="3">
+        <a:scrgbClr r="0" g="0" b="0"/>
+      </a:fillRef>
+      <a:effectRef idx="3">
+        <a:scrgbClr r="0" g="0" b="0"/>
+      </a:effectRef>
+      <a:fontRef idx="minor">
+        <a:schemeClr val="lt1"/>
+      </a:fontRef>
+    </dgm:style>
+  </dgm:styleLbl>
+  <dgm:styleLbl name="parChTrans2D3">
+    <dgm:scene3d>
+      <a:camera prst="orthographicFront"/>
+      <a:lightRig rig="threePt" dir="t"/>
+    </dgm:scene3d>
+    <dgm:sp3d/>
+    <dgm:txPr/>
+    <dgm:style>
+      <a:lnRef idx="0">
+        <a:scrgbClr r="0" g="0" b="0"/>
+      </a:lnRef>
+      <a:fillRef idx="3">
+        <a:scrgbClr r="0" g="0" b="0"/>
+      </a:fillRef>
+      <a:effectRef idx="3">
+        <a:scrgbClr r="0" g="0" b="0"/>
+      </a:effectRef>
+      <a:fontRef idx="minor">
+        <a:schemeClr val="lt1"/>
+      </a:fontRef>
+    </dgm:style>
+  </dgm:styleLbl>
+  <dgm:styleLbl name="parChTrans2D4">
+    <dgm:scene3d>
+      <a:camera prst="orthographicFront"/>
+      <a:lightRig rig="threePt" dir="t"/>
+    </dgm:scene3d>
+    <dgm:sp3d/>
+    <dgm:txPr/>
+    <dgm:style>
+      <a:lnRef idx="0">
+        <a:scrgbClr r="0" g="0" b="0"/>
+      </a:lnRef>
+      <a:fillRef idx="3">
+        <a:scrgbClr r="0" g="0" b="0"/>
+      </a:fillRef>
+      <a:effectRef idx="3">
+        <a:scrgbClr r="0" g="0" b="0"/>
+      </a:effectRef>
+      <a:fontRef idx="minor">
+        <a:schemeClr val="lt1"/>
+      </a:fontRef>
+    </dgm:style>
+  </dgm:styleLbl>
+  <dgm:styleLbl name="parChTrans1D1">
+    <dgm:scene3d>
+      <a:camera prst="orthographicFront"/>
+      <a:lightRig rig="threePt" dir="t"/>
+    </dgm:scene3d>
+    <dgm:sp3d/>
+    <dgm:txPr/>
+    <dgm:style>
+      <a:lnRef idx="2">
+        <a:scrgbClr r="0" g="0" b="0"/>
+      </a:lnRef>
+      <a:fillRef idx="0">
+        <a:scrgbClr r="0" g="0" b="0"/>
+      </a:fillRef>
+      <a:effectRef idx="0">
+        <a:scrgbClr r="0" g="0" b="0"/>
+      </a:effectRef>
+      <a:fontRef idx="minor"/>
+    </dgm:style>
+  </dgm:styleLbl>
+  <dgm:styleLbl name="parChTrans1D2">
+    <dgm:scene3d>
+      <a:camera prst="orthographicFront"/>
+      <a:lightRig rig="threePt" dir="t"/>
+    </dgm:scene3d>
+    <dgm:sp3d/>
+    <dgm:txPr/>
+    <dgm:style>
+      <a:lnRef idx="2">
+        <a:scrgbClr r="0" g="0" b="0"/>
+      </a:lnRef>
+      <a:fillRef idx="0">
+        <a:scrgbClr r="0" g="0" b="0"/>
+      </a:fillRef>
+      <a:effectRef idx="0">
+        <a:scrgbClr r="0" g="0" b="0"/>
+      </a:effectRef>
+      <a:fontRef idx="minor"/>
+    </dgm:style>
+  </dgm:styleLbl>
+  <dgm:styleLbl name="parChTrans1D3">
+    <dgm:scene3d>
+      <a:camera prst="orthographicFront"/>
+      <a:lightRig rig="threePt" dir="t"/>
+    </dgm:scene3d>
+    <dgm:sp3d/>
+    <dgm:txPr/>
+    <dgm:style>
+      <a:lnRef idx="2">
+        <a:scrgbClr r="0" g="0" b="0"/>
+      </a:lnRef>
+      <a:fillRef idx="0">
+        <a:scrgbClr r="0" g="0" b="0"/>
+      </a:fillRef>
+      <a:effectRef idx="0">
+        <a:scrgbClr r="0" g="0" b="0"/>
+      </a:effectRef>
+      <a:fontRef idx="minor"/>
+    </dgm:style>
+  </dgm:styleLbl>
+  <dgm:styleLbl name="parChTrans1D4">
+    <dgm:scene3d>
+      <a:camera prst="orthographicFront"/>
+      <a:lightRig rig="threePt" dir="t"/>
+    </dgm:scene3d>
+    <dgm:sp3d/>
+    <dgm:txPr/>
+    <dgm:style>
+      <a:lnRef idx="2">
+        <a:scrgbClr r="0" g="0" b="0"/>
+      </a:lnRef>
+      <a:fillRef idx="0">
+        <a:scrgbClr r="0" g="0" b="0"/>
+      </a:fillRef>
+      <a:effectRef idx="0">
+        <a:scrgbClr r="0" g="0" b="0"/>
+      </a:effectRef>
+      <a:fontRef idx="minor"/>
+    </dgm:style>
+  </dgm:styleLbl>
+  <dgm:styleLbl name="fgAcc1">
+    <dgm:scene3d>
+      <a:camera prst="orthographicFront"/>
+      <a:lightRig rig="threePt" dir="t"/>
+    </dgm:scene3d>
+    <dgm:sp3d/>
+    <dgm:txPr/>
+    <dgm:style>
+      <a:lnRef idx="1">
+        <a:scrgbClr r="0" g="0" b="0"/>
+      </a:lnRef>
+      <a:fillRef idx="1">
+        <a:scrgbClr r="0" g="0" b="0"/>
+      </a:fillRef>
+      <a:effectRef idx="2">
+        <a:scrgbClr r="0" g="0" b="0"/>
+      </a:effectRef>
+      <a:fontRef idx="minor"/>
+    </dgm:style>
+  </dgm:styleLbl>
+  <dgm:styleLbl name="conFgAcc1">
+    <dgm:scene3d>
+      <a:camera prst="orthographicFront"/>
+      <a:lightRig rig="threePt" dir="t"/>
+    </dgm:scene3d>
+    <dgm:sp3d/>
+    <dgm:txPr/>
+    <dgm:style>
+      <a:lnRef idx="1">
+        <a:scrgbClr r="0" g="0" b="0"/>
+      </a:lnRef>
+      <a:fillRef idx="1">
+        <a:scrgbClr r="0" g="0" b="0"/>
+      </a:fillRef>
+      <a:effectRef idx="2">
+        <a:scrgbClr r="0" g="0" b="0"/>
+      </a:effectRef>
+      <a:fontRef idx="minor"/>
+    </dgm:style>
+  </dgm:styleLbl>
+  <dgm:styleLbl name="alignAcc1">
+    <dgm:scene3d>
+      <a:camera prst="orthographicFront"/>
+      <a:lightRig rig="threePt" dir="t"/>
+    </dgm:scene3d>
+    <dgm:sp3d/>
+    <dgm:txPr/>
+    <dgm:style>
+      <a:lnRef idx="1">
+        <a:scrgbClr r="0" g="0" b="0"/>
+      </a:lnRef>
+      <a:fillRef idx="1">
+        <a:scrgbClr r="0" g="0" b="0"/>
+      </a:fillRef>
+      <a:effectRef idx="2">
+        <a:scrgbClr r="0" g="0" b="0"/>
+      </a:effectRef>
+      <a:fontRef idx="minor"/>
+    </dgm:style>
+  </dgm:styleLbl>
+  <dgm:styleLbl name="trAlignAcc1">
+    <dgm:scene3d>
+      <a:camera prst="orthographicFront"/>
+      <a:lightRig rig="threePt" dir="t"/>
+    </dgm:scene3d>
+    <dgm:sp3d/>
+    <dgm:txPr/>
+    <dgm:style>
+      <a:lnRef idx="1">
+        <a:scrgbClr r="0" g="0" b="0"/>
+      </a:lnRef>
+      <a:fillRef idx="1">
+        <a:scrgbClr r="0" g="0" b="0"/>
+      </a:fillRef>
+      <a:effectRef idx="0">
+        <a:scrgbClr r="0" g="0" b="0"/>
+      </a:effectRef>
+      <a:fontRef idx="minor"/>
+    </dgm:style>
+  </dgm:styleLbl>
+  <dgm:styleLbl name="bgAcc1">
+    <dgm:scene3d>
+      <a:camera prst="orthographicFront"/>
+      <a:lightRig rig="threePt" dir="t"/>
+    </dgm:scene3d>
+    <dgm:sp3d/>
+    <dgm:txPr/>
+    <dgm:style>
+      <a:lnRef idx="1">
+        <a:scrgbClr r="0" g="0" b="0"/>
+      </a:lnRef>
+      <a:fillRef idx="1">
+        <a:scrgbClr r="0" g="0" b="0"/>
+      </a:fillRef>
+      <a:effectRef idx="2">
+        <a:scrgbClr r="0" g="0" b="0"/>
+      </a:effectRef>
+      <a:fontRef idx="minor"/>
+    </dgm:style>
+  </dgm:styleLbl>
+  <dgm:styleLbl name="solidFgAcc1">
+    <dgm:scene3d>
+      <a:camera prst="orthographicFront"/>
+      <a:lightRig rig="threePt" dir="t"/>
+    </dgm:scene3d>
+    <dgm:sp3d/>
+    <dgm:txPr/>
+    <dgm:style>
+      <a:lnRef idx="1">
+        <a:scrgbClr r="0" g="0" b="0"/>
+      </a:lnRef>
+      <a:fillRef idx="1">
+        <a:scrgbClr r="0" g="0" b="0"/>
+      </a:fillRef>
+      <a:effectRef idx="2">
+        <a:scrgbClr r="0" g="0" b="0"/>
+      </a:effectRef>
+      <a:fontRef idx="minor"/>
+    </dgm:style>
+  </dgm:styleLbl>
+  <dgm:styleLbl name="solidAlignAcc1">
+    <dgm:scene3d>
+      <a:camera prst="orthographicFront"/>
+      <a:lightRig rig="threePt" dir="t"/>
+    </dgm:scene3d>
+    <dgm:sp3d/>
+    <dgm:txPr/>
+    <dgm:style>
+      <a:lnRef idx="1">
+        <a:scrgbClr r="0" g="0" b="0"/>
+      </a:lnRef>
+      <a:fillRef idx="1">
+        <a:scrgbClr r="0" g="0" b="0"/>
+      </a:fillRef>
+      <a:effectRef idx="3">
+        <a:scrgbClr r="0" g="0" b="0"/>
+      </a:effectRef>
+      <a:fontRef idx="minor"/>
+    </dgm:style>
+  </dgm:styleLbl>
+  <dgm:styleLbl name="solidBgAcc1">
+    <dgm:scene3d>
+      <a:camera prst="orthographicFront"/>
+      <a:lightRig rig="threePt" dir="t"/>
+    </dgm:scene3d>
+    <dgm:sp3d/>
+    <dgm:txPr/>
+    <dgm:style>
+      <a:lnRef idx="1">
+        <a:scrgbClr r="0" g="0" b="0"/>
+      </a:lnRef>
+      <a:fillRef idx="1">
+        <a:scrgbClr r="0" g="0" b="0"/>
+      </a:fillRef>
+      <a:effectRef idx="3">
+        <a:scrgbClr r="0" g="0" b="0"/>
+      </a:effectRef>
+      <a:fontRef idx="minor"/>
+    </dgm:style>
+  </dgm:styleLbl>
+  <dgm:styleLbl name="fgAccFollowNode1">
+    <dgm:scene3d>
+      <a:camera prst="orthographicFront"/>
+      <a:lightRig rig="threePt" dir="t"/>
+    </dgm:scene3d>
+    <dgm:sp3d/>
+    <dgm:txPr/>
+    <dgm:style>
+      <a:lnRef idx="1">
+        <a:scrgbClr r="0" g="0" b="0"/>
+      </a:lnRef>
+      <a:fillRef idx="1">
+        <a:scrgbClr r="0" g="0" b="0"/>
+      </a:fillRef>
+      <a:effectRef idx="2">
+        <a:scrgbClr r="0" g="0" b="0"/>
+      </a:effectRef>
+      <a:fontRef idx="minor"/>
+    </dgm:style>
+  </dgm:styleLbl>
+  <dgm:styleLbl name="alignAccFollowNode1">
+    <dgm:scene3d>
+      <a:camera prst="orthographicFront"/>
+      <a:lightRig rig="threePt" dir="t"/>
+    </dgm:scene3d>
+    <dgm:sp3d/>
+    <dgm:txPr/>
+    <dgm:style>
+      <a:lnRef idx="1">
+        <a:scrgbClr r="0" g="0" b="0"/>
+      </a:lnRef>
+      <a:fillRef idx="1">
+        <a:scrgbClr r="0" g="0" b="0"/>
+      </a:fillRef>
+      <a:effectRef idx="2">
+        <a:scrgbClr r="0" g="0" b="0"/>
+      </a:effectRef>
+      <a:fontRef idx="minor"/>
+    </dgm:style>
+  </dgm:styleLbl>
+  <dgm:styleLbl name="bgAccFollowNode1">
+    <dgm:scene3d>
+      <a:camera prst="orthographicFront"/>
+      <a:lightRig rig="threePt" dir="t"/>
+    </dgm:scene3d>
+    <dgm:sp3d/>
+    <dgm:txPr/>
+    <dgm:style>
+      <a:lnRef idx="1">
+        <a:scrgbClr r="0" g="0" b="0"/>
+      </a:lnRef>
+      <a:fillRef idx="1">
+        <a:scrgbClr r="0" g="0" b="0"/>
+      </a:fillRef>
+      <a:effectRef idx="2">
+        <a:scrgbClr r="0" g="0" b="0"/>
+      </a:effectRef>
+      <a:fontRef idx="minor"/>
+    </dgm:style>
+  </dgm:styleLbl>
+  <dgm:styleLbl name="fgAcc0">
+    <dgm:scene3d>
+      <a:camera prst="orthographicFront"/>
+      <a:lightRig rig="threePt" dir="t"/>
+    </dgm:scene3d>
+    <dgm:sp3d/>
+    <dgm:txPr/>
+    <dgm:style>
+      <a:lnRef idx="1">
+        <a:scrgbClr r="0" g="0" b="0"/>
+      </a:lnRef>
+      <a:fillRef idx="1">
+        <a:scrgbClr r="0" g="0" b="0"/>
+      </a:fillRef>
+      <a:effectRef idx="2">
+        <a:scrgbClr r="0" g="0" b="0"/>
+      </a:effectRef>
+      <a:fontRef idx="minor"/>
+    </dgm:style>
+  </dgm:styleLbl>
+  <dgm:styleLbl name="fgAcc2">
+    <dgm:scene3d>
+      <a:camera prst="orthographicFront"/>
+      <a:lightRig rig="threePt" dir="t"/>
+    </dgm:scene3d>
+    <dgm:sp3d/>
+    <dgm:txPr/>
+    <dgm:style>
+      <a:lnRef idx="1">
+        <a:scrgbClr r="0" g="0" b="0"/>
+      </a:lnRef>
+      <a:fillRef idx="1">
+        <a:scrgbClr r="0" g="0" b="0"/>
+      </a:fillRef>
+      <a:effectRef idx="2">
+        <a:scrgbClr r="0" g="0" b="0"/>
+      </a:effectRef>
+      <a:fontRef idx="minor"/>
+    </dgm:style>
+  </dgm:styleLbl>
+  <dgm:styleLbl name="fgAcc3">
+    <dgm:scene3d>
+      <a:camera prst="orthographicFront"/>
+      <a:lightRig rig="threePt" dir="t"/>
+    </dgm:scene3d>
+    <dgm:sp3d/>
+    <dgm:txPr/>
+    <dgm:style>
+      <a:lnRef idx="1">
+        <a:scrgbClr r="0" g="0" b="0"/>
+      </a:lnRef>
+      <a:fillRef idx="1">
+        <a:scrgbClr r="0" g="0" b="0"/>
+      </a:fillRef>
+      <a:effectRef idx="2">
+        <a:scrgbClr r="0" g="0" b="0"/>
+      </a:effectRef>
+      <a:fontRef idx="minor"/>
+    </dgm:style>
+  </dgm:styleLbl>
+  <dgm:styleLbl name="fgAcc4">
+    <dgm:scene3d>
+      <a:camera prst="orthographicFront"/>
+      <a:lightRig rig="threePt" dir="t"/>
+    </dgm:scene3d>
+    <dgm:sp3d/>
+    <dgm:txPr/>
+    <dgm:style>
+      <a:lnRef idx="1">
+        <a:scrgbClr r="0" g="0" b="0"/>
+      </a:lnRef>
+      <a:fillRef idx="1">
+        <a:scrgbClr r="0" g="0" b="0"/>
+      </a:fillRef>
+      <a:effectRef idx="2">
+        <a:scrgbClr r="0" g="0" b="0"/>
+      </a:effectRef>
+      <a:fontRef idx="minor"/>
+    </dgm:style>
+  </dgm:styleLbl>
+  <dgm:styleLbl name="bgShp">
+    <dgm:scene3d>
+      <a:camera prst="orthographicFront"/>
+      <a:lightRig rig="threePt" dir="t"/>
+    </dgm:scene3d>
+    <dgm:sp3d/>
+    <dgm:txPr/>
+    <dgm:style>
+      <a:lnRef idx="0">
+        <a:scrgbClr r="0" g="0" b="0"/>
+      </a:lnRef>
+      <a:fillRef idx="1">
+        <a:scrgbClr r="0" g="0" b="0"/>
+      </a:fillRef>
+      <a:effectRef idx="2">
+        <a:scrgbClr r="0" g="0" b="0"/>
+      </a:effectRef>
+      <a:fontRef idx="minor"/>
+    </dgm:style>
+  </dgm:styleLbl>
+  <dgm:styleLbl name="dkBgShp">
+    <dgm:scene3d>
+      <a:camera prst="orthographicFront"/>
+      <a:lightRig rig="threePt" dir="t"/>
+    </dgm:scene3d>
+    <dgm:sp3d/>
+    <dgm:txPr/>
+    <dgm:style>
+      <a:lnRef idx="0">
+        <a:scrgbClr r="0" g="0" b="0"/>
+      </a:lnRef>
+      <a:fillRef idx="1">
+        <a:scrgbClr r="0" g="0" b="0"/>
+      </a:fillRef>
+      <a:effectRef idx="3">
+        <a:scrgbClr r="0" g="0" b="0"/>
+      </a:effectRef>
+      <a:fontRef idx="minor"/>
+    </dgm:style>
+  </dgm:styleLbl>
+  <dgm:styleLbl name="trBgShp">
+    <dgm:scene3d>
+      <a:camera prst="orthographicFront"/>
+      <a:lightRig rig="threePt" dir="t"/>
+    </dgm:scene3d>
+    <dgm:sp3d/>
+    <dgm:txPr/>
+    <dgm:style>
+      <a:lnRef idx="0">
+        <a:scrgbClr r="0" g="0" b="0"/>
+      </a:lnRef>
+      <a:fillRef idx="1">
+        <a:scrgbClr r="0" g="0" b="0"/>
+      </a:fillRef>
+      <a:effectRef idx="0">
+        <a:scrgbClr r="0" g="0" b="0"/>
+      </a:effectRef>
+      <a:fontRef idx="minor"/>
+    </dgm:style>
+  </dgm:styleLbl>
+  <dgm:styleLbl name="fgShp">
+    <dgm:scene3d>
+      <a:camera prst="orthographicFront"/>
+      <a:lightRig rig="threePt" dir="t"/>
+    </dgm:scene3d>
+    <dgm:sp3d/>
+    <dgm:txPr/>
+    <dgm:style>
+      <a:lnRef idx="0">
+        <a:scrgbClr r="0" g="0" b="0"/>
+      </a:lnRef>
+      <a:fillRef idx="3">
+        <a:scrgbClr r="0" g="0" b="0"/>
+      </a:fillRef>
+      <a:effectRef idx="3">
+        <a:scrgbClr r="0" g="0" b="0"/>
+      </a:effectRef>
+      <a:fontRef idx="minor"/>
+    </dgm:style>
+  </dgm:styleLbl>
+  <dgm:styleLbl name="revTx">
+    <dgm:scene3d>
+      <a:camera prst="orthographicFront"/>
+      <a:lightRig rig="threePt" dir="t"/>
+    </dgm:scene3d>
+    <dgm:sp3d/>
+    <dgm:txPr/>
+    <dgm:style>
+      <a:lnRef idx="0">
+        <a:scrgbClr r="0" g="0" b="0"/>
+      </a:lnRef>
+      <a:fillRef idx="0">
+        <a:scrgbClr r="0" g="0" b="0"/>
+      </a:fillRef>
+      <a:effectRef idx="0">
+        <a:scrgbClr r="0" g="0" b="0"/>
+      </a:effectRef>
+      <a:fontRef idx="minor"/>
+    </dgm:style>
+  </dgm:styleLbl>
+</dgm:styleDef>
+</file>
+
+<file path=ppt/diagrams/quickStyle2.xml><?xml version="1.0" encoding="utf-8"?>
 <dgm:styleDef xmlns:dgm="http://schemas.openxmlformats.org/drawingml/2006/diagram" xmlns:a="http://schemas.openxmlformats.org/drawingml/2006/main" uniqueId="urn:microsoft.com/office/officeart/2005/8/quickstyle/simple5">
   <dgm:title val=""/>
   <dgm:desc val=""/>
@@ -4349,7 +7123,7 @@
             <a:pPr rtl="0"/>
             <a:fld id="{EB190EFE-CCCB-4DCD-B1CF-8C3CB119D6FE}" type="datetime1">
               <a:rPr lang="it-IT" smtClean="0"/>
-              <a:t>14/11/2022</a:t>
+              <a:t>15/11/2022</a:t>
             </a:fld>
             <a:endParaRPr lang="it-IT" dirty="0"/>
           </a:p>
@@ -4530,7 +7304,7 @@
             <a:fld id="{526AC070-77AE-44FC-B0C8-108B581F9765}" type="datetime1">
               <a:rPr lang="it-IT" noProof="0" smtClean="0"/>
               <a:pPr/>
-              <a:t>14/11/2022</a:t>
+              <a:t>15/11/2022</a:t>
             </a:fld>
             <a:endParaRPr lang="it-IT" noProof="0" dirty="0"/>
           </a:p>
@@ -4962,7 +7736,7 @@
     </p:spTree>
     <p:extLst>
       <p:ext uri="{BB962C8B-B14F-4D97-AF65-F5344CB8AC3E}">
-        <p14:creationId xmlns:p14="http://schemas.microsoft.com/office/powerpoint/2010/main" val="1245352403"/>
+        <p14:creationId xmlns:p14="http://schemas.microsoft.com/office/powerpoint/2010/main" val="188183537"/>
       </p:ext>
     </p:extLst>
   </p:cSld>
@@ -5124,7 +7898,7 @@
             <a:pPr rtl="0"/>
             <a:fld id="{73953276-A596-464E-8131-16FDC4642D35}" type="datetime1">
               <a:rPr lang="it-IT" noProof="0" smtClean="0"/>
-              <a:t>14/11/2022</a:t>
+              <a:t>15/11/2022</a:t>
             </a:fld>
             <a:endParaRPr lang="it-IT" noProof="0" dirty="0"/>
           </a:p>
@@ -5328,7 +8102,7 @@
             <a:pPr rtl="0"/>
             <a:fld id="{59F66E3F-D06F-47DA-A95C-C846DE23F8C0}" type="datetime1">
               <a:rPr lang="it-IT" noProof="0" smtClean="0"/>
-              <a:t>14/11/2022</a:t>
+              <a:t>15/11/2022</a:t>
             </a:fld>
             <a:endParaRPr lang="it-IT" noProof="0" dirty="0"/>
           </a:p>
@@ -5542,7 +8316,7 @@
             <a:pPr rtl="0"/>
             <a:fld id="{46FE6513-E3C7-4048-AC2F-41B0D1F6D895}" type="datetime1">
               <a:rPr lang="it-IT" noProof="0" smtClean="0"/>
-              <a:t>14/11/2022</a:t>
+              <a:t>15/11/2022</a:t>
             </a:fld>
             <a:endParaRPr lang="it-IT" noProof="0" dirty="0"/>
           </a:p>
@@ -5746,7 +8520,7 @@
             <a:pPr rtl="0"/>
             <a:fld id="{4CA1E7DF-6F8F-47CE-8C70-53A994FBF180}" type="datetime1">
               <a:rPr lang="it-IT" noProof="0" smtClean="0"/>
-              <a:t>14/11/2022</a:t>
+              <a:t>15/11/2022</a:t>
             </a:fld>
             <a:endParaRPr lang="it-IT" noProof="0" dirty="0"/>
           </a:p>
@@ -6026,7 +8800,7 @@
             <a:pPr rtl="0"/>
             <a:fld id="{2CFB8710-ABAB-4285-AF31-02779743E1F4}" type="datetime1">
               <a:rPr lang="it-IT" noProof="0" smtClean="0"/>
-              <a:t>14/11/2022</a:t>
+              <a:t>15/11/2022</a:t>
             </a:fld>
             <a:endParaRPr lang="it-IT" noProof="0" dirty="0"/>
           </a:p>
@@ -6298,7 +9072,7 @@
             <a:pPr rtl="0"/>
             <a:fld id="{FE1FD3F1-0F70-4F3C-841E-3B4B1A9982AD}" type="datetime1">
               <a:rPr lang="it-IT" noProof="0" smtClean="0"/>
-              <a:t>14/11/2022</a:t>
+              <a:t>15/11/2022</a:t>
             </a:fld>
             <a:endParaRPr lang="it-IT" noProof="0" dirty="0"/>
           </a:p>
@@ -6717,7 +9491,7 @@
             <a:pPr rtl="0"/>
             <a:fld id="{3195CD94-E959-4436-A899-6BFB5CD81E9E}" type="datetime1">
               <a:rPr lang="it-IT" noProof="0" smtClean="0"/>
-              <a:t>14/11/2022</a:t>
+              <a:t>15/11/2022</a:t>
             </a:fld>
             <a:endParaRPr lang="it-IT" noProof="0" dirty="0"/>
           </a:p>
@@ -6863,7 +9637,7 @@
             <a:pPr rtl="0"/>
             <a:fld id="{327B0C7F-749B-466A-A38A-03B1C8A2F06C}" type="datetime1">
               <a:rPr lang="it-IT" noProof="0" smtClean="0"/>
-              <a:t>14/11/2022</a:t>
+              <a:t>15/11/2022</a:t>
             </a:fld>
             <a:endParaRPr lang="it-IT" noProof="0" dirty="0"/>
           </a:p>
@@ -6979,7 +9753,7 @@
             <a:pPr rtl="0"/>
             <a:fld id="{DEC309BE-2E90-45F2-A626-98CE1308C9C4}" type="datetime1">
               <a:rPr lang="it-IT" noProof="0" smtClean="0"/>
-              <a:t>14/11/2022</a:t>
+              <a:t>15/11/2022</a:t>
             </a:fld>
             <a:endParaRPr lang="it-IT" noProof="0" dirty="0"/>
           </a:p>
@@ -7296,7 +10070,7 @@
             <a:pPr rtl="0"/>
             <a:fld id="{D7D791A9-9A19-4C7D-9EDF-F6B9F670B73C}" type="datetime1">
               <a:rPr lang="it-IT" noProof="0" smtClean="0"/>
-              <a:t>14/11/2022</a:t>
+              <a:t>15/11/2022</a:t>
             </a:fld>
             <a:endParaRPr lang="it-IT" noProof="0" dirty="0"/>
           </a:p>
@@ -7594,7 +10368,7 @@
             <a:pPr rtl="0"/>
             <a:fld id="{1C87147A-BE07-4D89-850F-642EAF1AAEA9}" type="datetime1">
               <a:rPr lang="it-IT" noProof="0" smtClean="0"/>
-              <a:t>14/11/2022</a:t>
+              <a:t>15/11/2022</a:t>
             </a:fld>
             <a:endParaRPr lang="it-IT" noProof="0" dirty="0"/>
           </a:p>
@@ -7839,7 +10613,7 @@
             <a:pPr rtl="0"/>
             <a:fld id="{750AD8DE-E201-43F1-B9CB-48547493CA6A}" type="datetime1">
               <a:rPr lang="it-IT" noProof="0" smtClean="0"/>
-              <a:t>14/11/2022</a:t>
+              <a:t>15/11/2022</a:t>
             </a:fld>
             <a:endParaRPr lang="it-IT" noProof="0" dirty="0"/>
           </a:p>
@@ -8294,7 +11068,7 @@
         </p:nvSpPr>
         <p:spPr>
           <a:xfrm>
-            <a:off x="1542585" y="2070832"/>
+            <a:off x="1542585" y="2348704"/>
             <a:ext cx="9106829" cy="2160591"/>
           </a:xfrm>
         </p:spPr>
@@ -8499,7 +11273,7 @@
         </p:nvSpPr>
         <p:spPr>
           <a:xfrm>
-            <a:off x="4773734" y="-1602968"/>
+            <a:off x="4773734" y="-1126148"/>
             <a:ext cx="2607364" cy="2607364"/>
           </a:xfrm>
           <a:prstGeom prst="diamond">
@@ -8554,7 +11328,7 @@
         </p:nvSpPr>
         <p:spPr>
           <a:xfrm>
-            <a:off x="4325257" y="-2765469"/>
+            <a:off x="4325257" y="-2288649"/>
             <a:ext cx="3541486" cy="3541486"/>
           </a:xfrm>
           <a:prstGeom prst="diamond">
@@ -8606,7 +11380,7 @@
         </p:nvGrpSpPr>
         <p:grpSpPr>
           <a:xfrm>
-            <a:off x="5777001" y="1358064"/>
+            <a:off x="5777001" y="1635936"/>
             <a:ext cx="600829" cy="580454"/>
             <a:chOff x="2025650" y="4786313"/>
             <a:chExt cx="285750" cy="287338"/>
@@ -10197,820 +12971,40 @@
           </a:fontRef>
         </p:style>
       </p:cxnSp>
-      <p:sp>
-        <p:nvSpPr>
-          <p:cNvPr id="2" name="Trapezio 1">
+      <p:graphicFrame>
+        <p:nvGraphicFramePr>
+          <p:cNvPr id="3" name="Diagramma 2">
             <a:extLst>
               <a:ext uri="{FF2B5EF4-FFF2-40B4-BE49-F238E27FC236}">
-                <a16:creationId xmlns:a16="http://schemas.microsoft.com/office/drawing/2014/main" id="{5B804E9F-B6B5-41F9-9B63-9AF435FDC2B7}"/>
-              </a:ext>
-              <a:ext uri="{C183D7F6-B498-43B3-948B-1728B52AA6E4}">
-                <adec:decorative xmlns:adec="http://schemas.microsoft.com/office/drawing/2017/decorative" val="1"/>
+                <a16:creationId xmlns:a16="http://schemas.microsoft.com/office/drawing/2014/main" id="{43169208-8587-2932-6BD1-732041A2EDE8}"/>
               </a:ext>
             </a:extLst>
           </p:cNvPr>
-          <p:cNvSpPr/>
-          <p:nvPr/>
-        </p:nvSpPr>
-        <p:spPr>
-          <a:xfrm rot="5400000">
-            <a:off x="738787" y="2586750"/>
-            <a:ext cx="4336142" cy="2044685"/>
-          </a:xfrm>
-          <a:prstGeom prst="trapezoid">
-            <a:avLst/>
-          </a:prstGeom>
-          <a:solidFill>
-            <a:schemeClr val="accent3">
-              <a:lumMod val="75000"/>
-            </a:schemeClr>
-          </a:solidFill>
-          <a:ln>
-            <a:noFill/>
-          </a:ln>
-        </p:spPr>
-        <p:style>
-          <a:lnRef idx="2">
-            <a:schemeClr val="accent1">
-              <a:shade val="50000"/>
-            </a:schemeClr>
-          </a:lnRef>
-          <a:fillRef idx="1">
-            <a:schemeClr val="accent1"/>
-          </a:fillRef>
-          <a:effectRef idx="0">
-            <a:schemeClr val="accent1"/>
-          </a:effectRef>
-          <a:fontRef idx="minor">
-            <a:schemeClr val="lt1"/>
-          </a:fontRef>
-        </p:style>
-        <p:txBody>
-          <a:bodyPr rtlCol="0" anchor="ctr"/>
-          <a:lstStyle/>
-          <a:p>
-            <a:pPr algn="ctr" rtl="0"/>
-            <a:endParaRPr lang="it-IT" dirty="0"/>
-          </a:p>
-        </p:txBody>
-      </p:sp>
-      <p:sp>
-        <p:nvSpPr>
-          <p:cNvPr id="43" name="Trapezio 42">
+          <p:cNvGraphicFramePr/>
+          <p:nvPr>
+            <p:extLst>
+              <p:ext uri="{D42A27DB-BD31-4B8C-83A1-F6EECF244321}">
+                <p14:modId xmlns:p14="http://schemas.microsoft.com/office/powerpoint/2010/main" val="4232995554"/>
+              </p:ext>
+            </p:extLst>
+          </p:nvPr>
+        </p:nvGraphicFramePr>
+        <p:xfrm>
+          <a:off x="2032000" y="719666"/>
+          <a:ext cx="8128000" cy="5418667"/>
+        </p:xfrm>
+        <a:graphic>
+          <a:graphicData uri="http://schemas.openxmlformats.org/drawingml/2006/diagram">
+            <dgm:relIds xmlns:dgm="http://schemas.openxmlformats.org/drawingml/2006/diagram" xmlns:r="http://schemas.openxmlformats.org/officeDocument/2006/relationships" r:dm="rId3" r:lo="rId4" r:qs="rId5" r:cs="rId6"/>
+          </a:graphicData>
+        </a:graphic>
+      </p:graphicFrame>
+      <p:pic>
+        <p:nvPicPr>
+          <p:cNvPr id="5" name="Elemento grafico 4" descr="Libri su uno scaffale con riempimento a tinta unita">
             <a:extLst>
               <a:ext uri="{FF2B5EF4-FFF2-40B4-BE49-F238E27FC236}">
-                <a16:creationId xmlns:a16="http://schemas.microsoft.com/office/drawing/2014/main" id="{0092C447-C8E1-4B12-B012-E6D21CBB1FBE}"/>
-              </a:ext>
-              <a:ext uri="{C183D7F6-B498-43B3-948B-1728B52AA6E4}">
-                <adec:decorative xmlns:adec="http://schemas.microsoft.com/office/drawing/2017/decorative" val="1"/>
-              </a:ext>
-            </a:extLst>
-          </p:cNvPr>
-          <p:cNvSpPr/>
-          <p:nvPr/>
-        </p:nvSpPr>
-        <p:spPr>
-          <a:xfrm rot="5400000">
-            <a:off x="2905586" y="2586750"/>
-            <a:ext cx="4336142" cy="2044685"/>
-          </a:xfrm>
-          <a:prstGeom prst="trapezoid">
-            <a:avLst/>
-          </a:prstGeom>
-          <a:solidFill>
-            <a:schemeClr val="accent4">
-              <a:lumMod val="75000"/>
-            </a:schemeClr>
-          </a:solidFill>
-          <a:ln>
-            <a:noFill/>
-          </a:ln>
-        </p:spPr>
-        <p:style>
-          <a:lnRef idx="2">
-            <a:schemeClr val="accent1">
-              <a:shade val="50000"/>
-            </a:schemeClr>
-          </a:lnRef>
-          <a:fillRef idx="1">
-            <a:schemeClr val="accent1"/>
-          </a:fillRef>
-          <a:effectRef idx="0">
-            <a:schemeClr val="accent1"/>
-          </a:effectRef>
-          <a:fontRef idx="minor">
-            <a:schemeClr val="lt1"/>
-          </a:fontRef>
-        </p:style>
-        <p:txBody>
-          <a:bodyPr rtlCol="0" anchor="ctr"/>
-          <a:lstStyle/>
-          <a:p>
-            <a:pPr algn="ctr" rtl="0"/>
-            <a:endParaRPr lang="it-IT" dirty="0"/>
-          </a:p>
-        </p:txBody>
-      </p:sp>
-      <p:sp>
-        <p:nvSpPr>
-          <p:cNvPr id="44" name="Trapezio 43">
-            <a:extLst>
-              <a:ext uri="{FF2B5EF4-FFF2-40B4-BE49-F238E27FC236}">
-                <a16:creationId xmlns:a16="http://schemas.microsoft.com/office/drawing/2014/main" id="{7E139379-1914-4446-8D6D-984A47041A54}"/>
-              </a:ext>
-              <a:ext uri="{C183D7F6-B498-43B3-948B-1728B52AA6E4}">
-                <adec:decorative xmlns:adec="http://schemas.microsoft.com/office/drawing/2017/decorative" val="1"/>
-              </a:ext>
-            </a:extLst>
-          </p:cNvPr>
-          <p:cNvSpPr/>
-          <p:nvPr/>
-        </p:nvSpPr>
-        <p:spPr>
-          <a:xfrm rot="5400000">
-            <a:off x="5072384" y="2586752"/>
-            <a:ext cx="4336142" cy="2044685"/>
-          </a:xfrm>
-          <a:prstGeom prst="trapezoid">
-            <a:avLst/>
-          </a:prstGeom>
-          <a:solidFill>
-            <a:schemeClr val="accent3">
-              <a:lumMod val="75000"/>
-            </a:schemeClr>
-          </a:solidFill>
-          <a:ln>
-            <a:noFill/>
-          </a:ln>
-        </p:spPr>
-        <p:style>
-          <a:lnRef idx="2">
-            <a:schemeClr val="accent1">
-              <a:shade val="50000"/>
-            </a:schemeClr>
-          </a:lnRef>
-          <a:fillRef idx="1">
-            <a:schemeClr val="accent1"/>
-          </a:fillRef>
-          <a:effectRef idx="0">
-            <a:schemeClr val="accent1"/>
-          </a:effectRef>
-          <a:fontRef idx="minor">
-            <a:schemeClr val="lt1"/>
-          </a:fontRef>
-        </p:style>
-        <p:txBody>
-          <a:bodyPr rtlCol="0" anchor="ctr"/>
-          <a:lstStyle/>
-          <a:p>
-            <a:pPr algn="ctr" rtl="0"/>
-            <a:endParaRPr lang="it-IT" dirty="0"/>
-          </a:p>
-        </p:txBody>
-      </p:sp>
-      <p:sp>
-        <p:nvSpPr>
-          <p:cNvPr id="45" name="Trapezio 44">
-            <a:extLst>
-              <a:ext uri="{FF2B5EF4-FFF2-40B4-BE49-F238E27FC236}">
-                <a16:creationId xmlns:a16="http://schemas.microsoft.com/office/drawing/2014/main" id="{F79B51BB-1B30-4ED8-B26D-21EE8BC675B2}"/>
-              </a:ext>
-              <a:ext uri="{C183D7F6-B498-43B3-948B-1728B52AA6E4}">
-                <adec:decorative xmlns:adec="http://schemas.microsoft.com/office/drawing/2017/decorative" val="1"/>
-              </a:ext>
-            </a:extLst>
-          </p:cNvPr>
-          <p:cNvSpPr/>
-          <p:nvPr/>
-        </p:nvSpPr>
-        <p:spPr>
-          <a:xfrm rot="5400000">
-            <a:off x="7239182" y="2544655"/>
-            <a:ext cx="4336142" cy="2044685"/>
-          </a:xfrm>
-          <a:prstGeom prst="trapezoid">
-            <a:avLst/>
-          </a:prstGeom>
-          <a:solidFill>
-            <a:schemeClr val="accent4">
-              <a:lumMod val="75000"/>
-            </a:schemeClr>
-          </a:solidFill>
-          <a:ln>
-            <a:noFill/>
-          </a:ln>
-        </p:spPr>
-        <p:style>
-          <a:lnRef idx="2">
-            <a:schemeClr val="accent1">
-              <a:shade val="50000"/>
-            </a:schemeClr>
-          </a:lnRef>
-          <a:fillRef idx="1">
-            <a:schemeClr val="accent1"/>
-          </a:fillRef>
-          <a:effectRef idx="0">
-            <a:schemeClr val="accent1"/>
-          </a:effectRef>
-          <a:fontRef idx="minor">
-            <a:schemeClr val="lt1"/>
-          </a:fontRef>
-        </p:style>
-        <p:txBody>
-          <a:bodyPr rtlCol="0" anchor="ctr"/>
-          <a:lstStyle/>
-          <a:p>
-            <a:pPr algn="ctr" rtl="0"/>
-            <a:endParaRPr lang="it-IT" dirty="0"/>
-          </a:p>
-        </p:txBody>
-      </p:sp>
-      <p:sp>
-        <p:nvSpPr>
-          <p:cNvPr id="4" name="Rettangolo 3">
-            <a:extLst>
-              <a:ext uri="{FF2B5EF4-FFF2-40B4-BE49-F238E27FC236}">
-                <a16:creationId xmlns:a16="http://schemas.microsoft.com/office/drawing/2014/main" id="{3F19BFA5-D0CA-4CF0-8499-504D956B6563}"/>
-              </a:ext>
-            </a:extLst>
-          </p:cNvPr>
-          <p:cNvSpPr/>
-          <p:nvPr/>
-        </p:nvSpPr>
-        <p:spPr>
-          <a:xfrm>
-            <a:off x="2211828" y="2700006"/>
-            <a:ext cx="1371600" cy="246221"/>
-          </a:xfrm>
-          <a:prstGeom prst="rect">
-            <a:avLst/>
-          </a:prstGeom>
-        </p:spPr>
-        <p:txBody>
-          <a:bodyPr wrap="square" lIns="0" tIns="0" rIns="0" bIns="0" rtlCol="0">
-            <a:spAutoFit/>
-          </a:bodyPr>
-          <a:lstStyle/>
-          <a:p>
-            <a:pPr algn="ctr" rtl="0"/>
-            <a:r>
-              <a:rPr lang="it-IT" sz="1600" b="1" dirty="0">
-                <a:solidFill>
-                  <a:schemeClr val="bg1"/>
-                </a:solidFill>
-              </a:rPr>
-              <a:t>QUICK ACCESS</a:t>
-            </a:r>
-          </a:p>
-        </p:txBody>
-      </p:sp>
-      <p:sp>
-        <p:nvSpPr>
-          <p:cNvPr id="47" name="Rettangolo 46">
-            <a:extLst>
-              <a:ext uri="{FF2B5EF4-FFF2-40B4-BE49-F238E27FC236}">
-                <a16:creationId xmlns:a16="http://schemas.microsoft.com/office/drawing/2014/main" id="{1751D31D-3535-411D-8BAC-95CCC90AB185}"/>
-              </a:ext>
-            </a:extLst>
-          </p:cNvPr>
-          <p:cNvSpPr/>
-          <p:nvPr/>
-        </p:nvSpPr>
-        <p:spPr>
-          <a:xfrm>
-            <a:off x="4387859" y="2700007"/>
-            <a:ext cx="1371600" cy="246221"/>
-          </a:xfrm>
-          <a:prstGeom prst="rect">
-            <a:avLst/>
-          </a:prstGeom>
-        </p:spPr>
-        <p:txBody>
-          <a:bodyPr wrap="square" lIns="0" tIns="0" rIns="0" bIns="0" rtlCol="0">
-            <a:spAutoFit/>
-          </a:bodyPr>
-          <a:lstStyle/>
-          <a:p>
-            <a:pPr algn="ctr" rtl="0"/>
-            <a:r>
-              <a:rPr lang="it-IT" sz="1600" b="1" dirty="0">
-                <a:solidFill>
-                  <a:schemeClr val="bg1"/>
-                </a:solidFill>
-              </a:rPr>
-              <a:t>FEEDBACK</a:t>
-            </a:r>
-            <a:endParaRPr lang="it-IT" sz="1600" b="1" u="sng" dirty="0">
-              <a:solidFill>
-                <a:schemeClr val="bg1"/>
-              </a:solidFill>
-            </a:endParaRPr>
-          </a:p>
-        </p:txBody>
-      </p:sp>
-      <p:sp>
-        <p:nvSpPr>
-          <p:cNvPr id="48" name="Rettangolo 47">
-            <a:extLst>
-              <a:ext uri="{FF2B5EF4-FFF2-40B4-BE49-F238E27FC236}">
-                <a16:creationId xmlns:a16="http://schemas.microsoft.com/office/drawing/2014/main" id="{FA4D735A-8F75-4E2A-8F1A-CC303B0718BA}"/>
-              </a:ext>
-            </a:extLst>
-          </p:cNvPr>
-          <p:cNvSpPr/>
-          <p:nvPr/>
-        </p:nvSpPr>
-        <p:spPr>
-          <a:xfrm>
-            <a:off x="6553576" y="2702994"/>
-            <a:ext cx="1371600" cy="492443"/>
-          </a:xfrm>
-          <a:prstGeom prst="rect">
-            <a:avLst/>
-          </a:prstGeom>
-        </p:spPr>
-        <p:txBody>
-          <a:bodyPr wrap="square" lIns="0" tIns="0" rIns="0" bIns="0" rtlCol="0">
-            <a:spAutoFit/>
-          </a:bodyPr>
-          <a:lstStyle/>
-          <a:p>
-            <a:pPr algn="ctr" rtl="0"/>
-            <a:r>
-              <a:rPr lang="it-IT" sz="1600" b="1" dirty="0">
-                <a:solidFill>
-                  <a:schemeClr val="bg1"/>
-                </a:solidFill>
-              </a:rPr>
-              <a:t>WRITE YOUR OWN GUIDE </a:t>
-            </a:r>
-          </a:p>
-        </p:txBody>
-      </p:sp>
-      <p:sp>
-        <p:nvSpPr>
-          <p:cNvPr id="49" name="Rettangolo 48">
-            <a:extLst>
-              <a:ext uri="{FF2B5EF4-FFF2-40B4-BE49-F238E27FC236}">
-                <a16:creationId xmlns:a16="http://schemas.microsoft.com/office/drawing/2014/main" id="{54AB9282-0505-49EB-AABF-998083225E3A}"/>
-              </a:ext>
-            </a:extLst>
-          </p:cNvPr>
-          <p:cNvSpPr/>
-          <p:nvPr/>
-        </p:nvSpPr>
-        <p:spPr>
-          <a:xfrm>
-            <a:off x="8721453" y="2698879"/>
-            <a:ext cx="1371600" cy="492443"/>
-          </a:xfrm>
-          <a:prstGeom prst="rect">
-            <a:avLst/>
-          </a:prstGeom>
-        </p:spPr>
-        <p:txBody>
-          <a:bodyPr wrap="square" lIns="0" tIns="0" rIns="0" bIns="0" rtlCol="0">
-            <a:spAutoFit/>
-          </a:bodyPr>
-          <a:lstStyle/>
-          <a:p>
-            <a:pPr algn="ctr" rtl="0"/>
-            <a:r>
-              <a:rPr lang="it-IT" sz="1600" b="1" dirty="0">
-                <a:solidFill>
-                  <a:schemeClr val="bg1"/>
-                </a:solidFill>
-              </a:rPr>
-              <a:t>STRUCTURE </a:t>
-            </a:r>
-          </a:p>
-          <a:p>
-            <a:pPr algn="ctr" rtl="0"/>
-            <a:r>
-              <a:rPr lang="it-IT" sz="1600" b="1" dirty="0">
-                <a:solidFill>
-                  <a:schemeClr val="bg1"/>
-                </a:solidFill>
-              </a:rPr>
-              <a:t>OF GUIDES </a:t>
-            </a:r>
-          </a:p>
-        </p:txBody>
-      </p:sp>
-      <p:sp>
-        <p:nvSpPr>
-          <p:cNvPr id="51" name="Rettangolo 50">
-            <a:extLst>
-              <a:ext uri="{FF2B5EF4-FFF2-40B4-BE49-F238E27FC236}">
-                <a16:creationId xmlns:a16="http://schemas.microsoft.com/office/drawing/2014/main" id="{8AA18108-5B8B-4147-84A7-D30A16BEC4EA}"/>
-              </a:ext>
-            </a:extLst>
-          </p:cNvPr>
-          <p:cNvSpPr/>
-          <p:nvPr/>
-        </p:nvSpPr>
-        <p:spPr>
-          <a:xfrm>
-            <a:off x="2021607" y="3356957"/>
-            <a:ext cx="1752042" cy="954364"/>
-          </a:xfrm>
-          <a:prstGeom prst="rect">
-            <a:avLst/>
-          </a:prstGeom>
-        </p:spPr>
-        <p:txBody>
-          <a:bodyPr wrap="square" lIns="0" tIns="0" rIns="0" bIns="0" rtlCol="0" anchor="t">
-            <a:spAutoFit/>
-          </a:bodyPr>
-          <a:lstStyle/>
-          <a:p>
-            <a:pPr algn="ctr" rtl="0">
-              <a:lnSpc>
-                <a:spcPts val="1900"/>
-              </a:lnSpc>
-            </a:pPr>
-            <a:r>
-              <a:rPr lang="en-US" sz="1400" dirty="0">
-                <a:solidFill>
-                  <a:schemeClr val="bg1"/>
-                </a:solidFill>
-                <a:cs typeface="Segoe UI" panose="020B0502040204020203" pitchFamily="34" charset="0"/>
-              </a:rPr>
-              <a:t>Anyone is able to </a:t>
-            </a:r>
-          </a:p>
-          <a:p>
-            <a:pPr algn="ctr" rtl="0">
-              <a:lnSpc>
-                <a:spcPts val="1900"/>
-              </a:lnSpc>
-            </a:pPr>
-            <a:r>
-              <a:rPr lang="en-US" sz="1400" dirty="0">
-                <a:solidFill>
-                  <a:schemeClr val="bg1"/>
-                </a:solidFill>
-                <a:cs typeface="Segoe UI" panose="020B0502040204020203" pitchFamily="34" charset="0"/>
-              </a:rPr>
-              <a:t>consult the contents </a:t>
-            </a:r>
-          </a:p>
-          <a:p>
-            <a:pPr algn="ctr" rtl="0">
-              <a:lnSpc>
-                <a:spcPts val="1900"/>
-              </a:lnSpc>
-            </a:pPr>
-            <a:r>
-              <a:rPr lang="en-US" sz="1400" dirty="0">
-                <a:solidFill>
-                  <a:schemeClr val="bg1"/>
-                </a:solidFill>
-                <a:cs typeface="Segoe UI" panose="020B0502040204020203" pitchFamily="34" charset="0"/>
-              </a:rPr>
-              <a:t>published, profiling not required</a:t>
-            </a:r>
-            <a:endParaRPr lang="it-IT" sz="1400" dirty="0">
-              <a:solidFill>
-                <a:schemeClr val="bg1"/>
-              </a:solidFill>
-              <a:cs typeface="Segoe UI" panose="020B0502040204020203" pitchFamily="34" charset="0"/>
-            </a:endParaRPr>
-          </a:p>
-        </p:txBody>
-      </p:sp>
-      <p:sp>
-        <p:nvSpPr>
-          <p:cNvPr id="52" name="Rettangolo 51">
-            <a:extLst>
-              <a:ext uri="{FF2B5EF4-FFF2-40B4-BE49-F238E27FC236}">
-                <a16:creationId xmlns:a16="http://schemas.microsoft.com/office/drawing/2014/main" id="{A8534162-B6E2-4579-9DAD-AD8DE07459BC}"/>
-              </a:ext>
-            </a:extLst>
-          </p:cNvPr>
-          <p:cNvSpPr/>
-          <p:nvPr/>
-        </p:nvSpPr>
-        <p:spPr>
-          <a:xfrm>
-            <a:off x="4196557" y="3356957"/>
-            <a:ext cx="1752042" cy="1441677"/>
-          </a:xfrm>
-          <a:prstGeom prst="rect">
-            <a:avLst/>
-          </a:prstGeom>
-        </p:spPr>
-        <p:txBody>
-          <a:bodyPr wrap="square" lIns="0" tIns="0" rIns="0" bIns="0" rtlCol="0" anchor="t">
-            <a:spAutoFit/>
-          </a:bodyPr>
-          <a:lstStyle/>
-          <a:p>
-            <a:pPr algn="ctr" rtl="0">
-              <a:lnSpc>
-                <a:spcPts val="1900"/>
-              </a:lnSpc>
-            </a:pPr>
-            <a:r>
-              <a:rPr lang="en-US" sz="1400" dirty="0">
-                <a:solidFill>
-                  <a:schemeClr val="bg1"/>
-                </a:solidFill>
-                <a:cs typeface="Segoe UI" panose="020B0502040204020203" pitchFamily="34" charset="0"/>
-              </a:rPr>
-              <a:t>Registered users </a:t>
-            </a:r>
-          </a:p>
-          <a:p>
-            <a:pPr algn="ctr" rtl="0">
-              <a:lnSpc>
-                <a:spcPts val="1900"/>
-              </a:lnSpc>
-            </a:pPr>
-            <a:r>
-              <a:rPr lang="en-US" sz="1400" dirty="0">
-                <a:solidFill>
-                  <a:schemeClr val="bg1"/>
-                </a:solidFill>
-                <a:cs typeface="Segoe UI" panose="020B0502040204020203" pitchFamily="34" charset="0"/>
-              </a:rPr>
-              <a:t>can comment </a:t>
-            </a:r>
-          </a:p>
-          <a:p>
-            <a:pPr algn="ctr" rtl="0">
-              <a:lnSpc>
-                <a:spcPts val="1900"/>
-              </a:lnSpc>
-            </a:pPr>
-            <a:r>
-              <a:rPr lang="en-US" sz="1400" dirty="0">
-                <a:solidFill>
-                  <a:schemeClr val="bg1"/>
-                </a:solidFill>
-                <a:cs typeface="Segoe UI" panose="020B0502040204020203" pitchFamily="34" charset="0"/>
-              </a:rPr>
-              <a:t>and rate the </a:t>
-            </a:r>
-          </a:p>
-          <a:p>
-            <a:pPr algn="ctr" rtl="0">
-              <a:lnSpc>
-                <a:spcPts val="1900"/>
-              </a:lnSpc>
-            </a:pPr>
-            <a:r>
-              <a:rPr lang="en-US" sz="1400" dirty="0">
-                <a:solidFill>
-                  <a:schemeClr val="bg1"/>
-                </a:solidFill>
-                <a:cs typeface="Segoe UI" panose="020B0502040204020203" pitchFamily="34" charset="0"/>
-              </a:rPr>
-              <a:t>guide, and archive in </a:t>
-            </a:r>
-          </a:p>
-          <a:p>
-            <a:pPr algn="ctr" rtl="0">
-              <a:lnSpc>
-                <a:spcPts val="1900"/>
-              </a:lnSpc>
-            </a:pPr>
-            <a:r>
-              <a:rPr lang="en-US" sz="1400" dirty="0">
-                <a:solidFill>
-                  <a:schemeClr val="bg1"/>
-                </a:solidFill>
-                <a:cs typeface="Segoe UI" panose="020B0502040204020203" pitchFamily="34" charset="0"/>
-              </a:rPr>
-              <a:t>personal lists of their favorites</a:t>
-            </a:r>
-            <a:endParaRPr lang="it-IT" sz="1400" dirty="0">
-              <a:solidFill>
-                <a:schemeClr val="bg1"/>
-              </a:solidFill>
-              <a:cs typeface="Segoe UI" panose="020B0502040204020203" pitchFamily="34" charset="0"/>
-            </a:endParaRPr>
-          </a:p>
-        </p:txBody>
-      </p:sp>
-      <p:sp>
-        <p:nvSpPr>
-          <p:cNvPr id="53" name="Rettangolo 52">
-            <a:extLst>
-              <a:ext uri="{FF2B5EF4-FFF2-40B4-BE49-F238E27FC236}">
-                <a16:creationId xmlns:a16="http://schemas.microsoft.com/office/drawing/2014/main" id="{E1535E1C-6EBC-45D8-BCE1-D5B947A61FB6}"/>
-              </a:ext>
-            </a:extLst>
-          </p:cNvPr>
-          <p:cNvSpPr/>
-          <p:nvPr/>
-        </p:nvSpPr>
-        <p:spPr>
-          <a:xfrm>
-            <a:off x="6363355" y="3356956"/>
-            <a:ext cx="1752042" cy="1928990"/>
-          </a:xfrm>
-          <a:prstGeom prst="rect">
-            <a:avLst/>
-          </a:prstGeom>
-        </p:spPr>
-        <p:txBody>
-          <a:bodyPr wrap="square" lIns="0" tIns="0" rIns="0" bIns="0" rtlCol="0" anchor="t">
-            <a:spAutoFit/>
-          </a:bodyPr>
-          <a:lstStyle/>
-          <a:p>
-            <a:pPr algn="ctr" rtl="0">
-              <a:lnSpc>
-                <a:spcPts val="1900"/>
-              </a:lnSpc>
-            </a:pPr>
-            <a:r>
-              <a:rPr lang="en-US" sz="1400" dirty="0">
-                <a:solidFill>
-                  <a:schemeClr val="bg1"/>
-                </a:solidFill>
-                <a:cs typeface="Segoe UI" panose="020B0502040204020203" pitchFamily="34" charset="0"/>
-              </a:rPr>
-              <a:t>Those who are registered can </a:t>
-            </a:r>
-          </a:p>
-          <a:p>
-            <a:pPr algn="ctr" rtl="0">
-              <a:lnSpc>
-                <a:spcPts val="1900"/>
-              </a:lnSpc>
-            </a:pPr>
-            <a:r>
-              <a:rPr lang="en-US" sz="1400" dirty="0">
-                <a:solidFill>
-                  <a:schemeClr val="bg1"/>
-                </a:solidFill>
-                <a:cs typeface="Segoe UI" panose="020B0502040204020203" pitchFamily="34" charset="0"/>
-              </a:rPr>
-              <a:t>also contribute and </a:t>
-            </a:r>
-          </a:p>
-          <a:p>
-            <a:pPr algn="ctr" rtl="0">
-              <a:lnSpc>
-                <a:spcPts val="1900"/>
-              </a:lnSpc>
-            </a:pPr>
-            <a:r>
-              <a:rPr lang="en-US" sz="1400" dirty="0">
-                <a:solidFill>
-                  <a:schemeClr val="bg1"/>
-                </a:solidFill>
-                <a:cs typeface="Segoe UI" panose="020B0502040204020203" pitchFamily="34" charset="0"/>
-              </a:rPr>
-              <a:t>write their own </a:t>
-            </a:r>
-          </a:p>
-          <a:p>
-            <a:pPr algn="ctr" rtl="0">
-              <a:lnSpc>
-                <a:spcPts val="1900"/>
-              </a:lnSpc>
-            </a:pPr>
-            <a:r>
-              <a:rPr lang="en-US" sz="1400" dirty="0">
-                <a:solidFill>
-                  <a:schemeClr val="bg1"/>
-                </a:solidFill>
-                <a:cs typeface="Segoe UI" panose="020B0502040204020203" pitchFamily="34" charset="0"/>
-              </a:rPr>
-              <a:t>guide. If approved, </a:t>
-            </a:r>
-          </a:p>
-          <a:p>
-            <a:pPr algn="ctr" rtl="0">
-              <a:lnSpc>
-                <a:spcPts val="1900"/>
-              </a:lnSpc>
-            </a:pPr>
-            <a:r>
-              <a:rPr lang="en-US" sz="1400" dirty="0">
-                <a:solidFill>
-                  <a:schemeClr val="bg1"/>
-                </a:solidFill>
-                <a:cs typeface="Segoe UI" panose="020B0502040204020203" pitchFamily="34" charset="0"/>
-              </a:rPr>
-              <a:t>it can be researched </a:t>
-            </a:r>
-          </a:p>
-          <a:p>
-            <a:pPr algn="ctr" rtl="0">
-              <a:lnSpc>
-                <a:spcPts val="1900"/>
-              </a:lnSpc>
-            </a:pPr>
-            <a:r>
-              <a:rPr lang="en-US" sz="1400" dirty="0">
-                <a:solidFill>
-                  <a:schemeClr val="bg1"/>
-                </a:solidFill>
-                <a:cs typeface="Segoe UI" panose="020B0502040204020203" pitchFamily="34" charset="0"/>
-              </a:rPr>
-              <a:t>by anyone under </a:t>
-            </a:r>
-          </a:p>
-          <a:p>
-            <a:pPr algn="ctr" rtl="0">
-              <a:lnSpc>
-                <a:spcPts val="1900"/>
-              </a:lnSpc>
-            </a:pPr>
-            <a:r>
-              <a:rPr lang="en-US" sz="1400" dirty="0">
-                <a:solidFill>
-                  <a:schemeClr val="bg1"/>
-                </a:solidFill>
-                <a:cs typeface="Segoe UI" panose="020B0502040204020203" pitchFamily="34" charset="0"/>
-              </a:rPr>
-              <a:t>given category </a:t>
-            </a:r>
-            <a:endParaRPr lang="it-IT" sz="1400" dirty="0">
-              <a:solidFill>
-                <a:schemeClr val="bg1"/>
-              </a:solidFill>
-              <a:cs typeface="Segoe UI" panose="020B0502040204020203" pitchFamily="34" charset="0"/>
-            </a:endParaRPr>
-          </a:p>
-        </p:txBody>
-      </p:sp>
-      <p:sp>
-        <p:nvSpPr>
-          <p:cNvPr id="54" name="Rettangolo 53">
-            <a:extLst>
-              <a:ext uri="{FF2B5EF4-FFF2-40B4-BE49-F238E27FC236}">
-                <a16:creationId xmlns:a16="http://schemas.microsoft.com/office/drawing/2014/main" id="{28FF18A5-7B4E-4493-B38D-E732E033F82F}"/>
-              </a:ext>
-            </a:extLst>
-          </p:cNvPr>
-          <p:cNvSpPr/>
-          <p:nvPr/>
-        </p:nvSpPr>
-        <p:spPr>
-          <a:xfrm>
-            <a:off x="8531235" y="3366726"/>
-            <a:ext cx="1752042" cy="1928990"/>
-          </a:xfrm>
-          <a:prstGeom prst="rect">
-            <a:avLst/>
-          </a:prstGeom>
-        </p:spPr>
-        <p:txBody>
-          <a:bodyPr wrap="square" lIns="0" tIns="0" rIns="0" bIns="0" rtlCol="0" anchor="t">
-            <a:spAutoFit/>
-          </a:bodyPr>
-          <a:lstStyle/>
-          <a:p>
-            <a:pPr algn="ctr" rtl="0">
-              <a:lnSpc>
-                <a:spcPts val="1900"/>
-              </a:lnSpc>
-            </a:pPr>
-            <a:r>
-              <a:rPr lang="en-US" sz="1400" dirty="0">
-                <a:solidFill>
-                  <a:schemeClr val="bg1"/>
-                </a:solidFill>
-                <a:cs typeface="Segoe UI" panose="020B0502040204020203" pitchFamily="34" charset="0"/>
-              </a:rPr>
-              <a:t>A guide consists of </a:t>
-            </a:r>
-          </a:p>
-          <a:p>
-            <a:pPr algn="ctr" rtl="0">
-              <a:lnSpc>
-                <a:spcPts val="1900"/>
-              </a:lnSpc>
-            </a:pPr>
-            <a:r>
-              <a:rPr lang="en-US" sz="1400" dirty="0">
-                <a:solidFill>
-                  <a:schemeClr val="bg1"/>
-                </a:solidFill>
-                <a:cs typeface="Segoe UI" panose="020B0502040204020203" pitchFamily="34" charset="0"/>
-              </a:rPr>
-              <a:t>by many small steps accompanied by photos, of which are described the difficulty, the number of steps needed, and the tools/software to use</a:t>
-            </a:r>
-            <a:endParaRPr lang="it-IT" sz="1400" dirty="0">
-              <a:solidFill>
-                <a:schemeClr val="bg1"/>
-              </a:solidFill>
-              <a:cs typeface="Segoe UI" panose="020B0502040204020203" pitchFamily="34" charset="0"/>
-            </a:endParaRPr>
-          </a:p>
-        </p:txBody>
-      </p:sp>
-      <p:pic>
-        <p:nvPicPr>
-          <p:cNvPr id="13" name="Elemento grafico 12" descr="Strumenti con riempimento a tinta unita">
-            <a:extLst>
-              <a:ext uri="{FF2B5EF4-FFF2-40B4-BE49-F238E27FC236}">
-                <a16:creationId xmlns:a16="http://schemas.microsoft.com/office/drawing/2014/main" id="{A3FFFC8C-45C4-3CF8-AC43-D76B68DD263F}"/>
+                <a16:creationId xmlns:a16="http://schemas.microsoft.com/office/drawing/2014/main" id="{A9669739-39D4-9880-2942-A03D8971A59A}"/>
               </a:ext>
             </a:extLst>
           </p:cNvPr>
@@ -11020,13 +13014,13 @@
           <p:nvPr/>
         </p:nvPicPr>
         <p:blipFill>
-          <a:blip r:embed="rId3">
+          <a:blip r:embed="rId8">
             <a:extLst>
               <a:ext uri="{28A0092B-C50C-407E-A947-70E740481C1C}">
                 <a14:useLocalDpi xmlns:a14="http://schemas.microsoft.com/office/drawing/2010/main" val="0"/>
               </a:ext>
               <a:ext uri="{96DAC541-7B7A-43D3-8B79-37D633B846F1}">
-                <asvg:svgBlip xmlns:asvg="http://schemas.microsoft.com/office/drawing/2016/SVG/main" r:embed="rId4"/>
+                <asvg:svgBlip xmlns:asvg="http://schemas.microsoft.com/office/drawing/2016/SVG/main" r:embed="rId9"/>
               </a:ext>
             </a:extLst>
           </a:blip>
@@ -11036,8 +13030,8 @@
         </p:blipFill>
         <p:spPr>
           <a:xfrm>
-            <a:off x="6975712" y="2057235"/>
-            <a:ext cx="527327" cy="527327"/>
+            <a:off x="2799528" y="966097"/>
+            <a:ext cx="545616" cy="527328"/>
           </a:xfrm>
           <a:prstGeom prst="rect">
             <a:avLst/>
@@ -11046,10 +13040,10 @@
       </p:pic>
       <p:pic>
         <p:nvPicPr>
-          <p:cNvPr id="16" name="Elemento grafico 15" descr="Chat contorno">
+          <p:cNvPr id="6" name="Elemento grafico 5" descr="Chat contorno">
             <a:extLst>
               <a:ext uri="{FF2B5EF4-FFF2-40B4-BE49-F238E27FC236}">
-                <a16:creationId xmlns:a16="http://schemas.microsoft.com/office/drawing/2014/main" id="{FFBF1ADB-2B84-07F0-0BAD-79E1A1F914AE}"/>
+                <a16:creationId xmlns:a16="http://schemas.microsoft.com/office/drawing/2014/main" id="{D4DAE5C1-1ECE-543E-BABB-35025FAE7810}"/>
               </a:ext>
             </a:extLst>
           </p:cNvPr>
@@ -11059,13 +13053,13 @@
           <p:nvPr/>
         </p:nvPicPr>
         <p:blipFill>
-          <a:blip r:embed="rId5">
+          <a:blip r:embed="rId10">
             <a:extLst>
               <a:ext uri="{28A0092B-C50C-407E-A947-70E740481C1C}">
                 <a14:useLocalDpi xmlns:a14="http://schemas.microsoft.com/office/drawing/2010/main" val="0"/>
               </a:ext>
               <a:ext uri="{96DAC541-7B7A-43D3-8B79-37D633B846F1}">
-                <asvg:svgBlip xmlns:asvg="http://schemas.microsoft.com/office/drawing/2016/SVG/main" r:embed="rId6"/>
+                <asvg:svgBlip xmlns:asvg="http://schemas.microsoft.com/office/drawing/2016/SVG/main" r:embed="rId11"/>
               </a:ext>
             </a:extLst>
           </a:blip>
@@ -11075,8 +13069,8 @@
         </p:blipFill>
         <p:spPr>
           <a:xfrm>
-            <a:off x="4852269" y="2057235"/>
-            <a:ext cx="527328" cy="527328"/>
+            <a:off x="2799528" y="3024887"/>
+            <a:ext cx="545616" cy="527328"/>
           </a:xfrm>
           <a:prstGeom prst="rect">
             <a:avLst/>
@@ -11085,10 +13079,10 @@
       </p:pic>
       <p:pic>
         <p:nvPicPr>
-          <p:cNvPr id="18" name="Elemento grafico 17" descr="Libri su uno scaffale con riempimento a tinta unita">
+          <p:cNvPr id="7" name="Elemento grafico 6" descr="Strumenti con riempimento a tinta unita">
             <a:extLst>
               <a:ext uri="{FF2B5EF4-FFF2-40B4-BE49-F238E27FC236}">
-                <a16:creationId xmlns:a16="http://schemas.microsoft.com/office/drawing/2014/main" id="{473F9662-E72D-242E-1166-27295D074E97}"/>
+                <a16:creationId xmlns:a16="http://schemas.microsoft.com/office/drawing/2014/main" id="{1BF2B994-F820-1514-473D-F5207580D7DD}"/>
               </a:ext>
             </a:extLst>
           </p:cNvPr>
@@ -11098,13 +13092,13 @@
           <p:nvPr/>
         </p:nvPicPr>
         <p:blipFill>
-          <a:blip r:embed="rId7">
+          <a:blip r:embed="rId12">
             <a:extLst>
               <a:ext uri="{28A0092B-C50C-407E-A947-70E740481C1C}">
                 <a14:useLocalDpi xmlns:a14="http://schemas.microsoft.com/office/drawing/2010/main" val="0"/>
               </a:ext>
               <a:ext uri="{96DAC541-7B7A-43D3-8B79-37D633B846F1}">
-                <asvg:svgBlip xmlns:asvg="http://schemas.microsoft.com/office/drawing/2016/SVG/main" r:embed="rId8"/>
+                <asvg:svgBlip xmlns:asvg="http://schemas.microsoft.com/office/drawing/2016/SVG/main" r:embed="rId13"/>
               </a:ext>
             </a:extLst>
           </a:blip>
@@ -11114,47 +13108,8 @@
         </p:blipFill>
         <p:spPr>
           <a:xfrm>
-            <a:off x="2642116" y="2057235"/>
-            <a:ext cx="527328" cy="527328"/>
-          </a:xfrm>
-          <a:prstGeom prst="rect">
-            <a:avLst/>
-          </a:prstGeom>
-        </p:spPr>
-      </p:pic>
-      <p:pic>
-        <p:nvPicPr>
-          <p:cNvPr id="20" name="Elemento grafico 19" descr="Libro chiuso contorno">
-            <a:extLst>
-              <a:ext uri="{FF2B5EF4-FFF2-40B4-BE49-F238E27FC236}">
-                <a16:creationId xmlns:a16="http://schemas.microsoft.com/office/drawing/2014/main" id="{4408BBBD-6EA8-E386-7ABC-12CE57F0BD63}"/>
-              </a:ext>
-            </a:extLst>
-          </p:cNvPr>
-          <p:cNvPicPr>
-            <a:picLocks noChangeAspect="1"/>
-          </p:cNvPicPr>
-          <p:nvPr/>
-        </p:nvPicPr>
-        <p:blipFill>
-          <a:blip r:embed="rId9">
-            <a:extLst>
-              <a:ext uri="{28A0092B-C50C-407E-A947-70E740481C1C}">
-                <a14:useLocalDpi xmlns:a14="http://schemas.microsoft.com/office/drawing/2010/main" val="0"/>
-              </a:ext>
-              <a:ext uri="{96DAC541-7B7A-43D3-8B79-37D633B846F1}">
-                <asvg:svgBlip xmlns:asvg="http://schemas.microsoft.com/office/drawing/2016/SVG/main" r:embed="rId10"/>
-              </a:ext>
-            </a:extLst>
-          </a:blip>
-          <a:stretch>
-            <a:fillRect/>
-          </a:stretch>
-        </p:blipFill>
-        <p:spPr>
-          <a:xfrm>
-            <a:off x="9116434" y="1988845"/>
-            <a:ext cx="598918" cy="598918"/>
+            <a:off x="2887849" y="4287454"/>
+            <a:ext cx="457295" cy="450803"/>
           </a:xfrm>
           <a:prstGeom prst="rect">
             <a:avLst/>
@@ -11164,7 +13119,7 @@
     </p:spTree>
     <p:extLst>
       <p:ext uri="{BB962C8B-B14F-4D97-AF65-F5344CB8AC3E}">
-        <p14:creationId xmlns:p14="http://schemas.microsoft.com/office/powerpoint/2010/main" val="2384418134"/>
+        <p14:creationId xmlns:p14="http://schemas.microsoft.com/office/powerpoint/2010/main" val="1616828755"/>
       </p:ext>
     </p:extLst>
   </p:cSld>
@@ -11403,14 +13358,14 @@
           <p:nvPr>
             <p:extLst>
               <p:ext uri="{D42A27DB-BD31-4B8C-83A1-F6EECF244321}">
-                <p14:modId xmlns:p14="http://schemas.microsoft.com/office/powerpoint/2010/main" val="2815490818"/>
+                <p14:modId xmlns:p14="http://schemas.microsoft.com/office/powerpoint/2010/main" val="3726847515"/>
               </p:ext>
             </p:extLst>
           </p:nvPr>
         </p:nvGraphicFramePr>
         <p:xfrm>
-          <a:off x="2032000" y="719666"/>
-          <a:ext cx="8128000" cy="5789418"/>
+          <a:off x="228600" y="719666"/>
+          <a:ext cx="11734800" cy="5947810"/>
         </p:xfrm>
         <a:graphic>
           <a:graphicData uri="http://schemas.openxmlformats.org/drawingml/2006/diagram">
@@ -12223,33 +14178,36 @@
 </file>
 
 <file path=customXml/item1.xml><?xml version="1.0" encoding="utf-8"?>
-<p:properties xmlns:p="http://schemas.microsoft.com/office/2006/metadata/properties" xmlns:xsi="http://www.w3.org/2001/XMLSchema-instance" xmlns:pc="http://schemas.microsoft.com/office/infopath/2007/PartnerControls">
-  <documentManagement/>
-</p:properties>
-</file>
-
-<file path=customXml/item2.xml><?xml version="1.0" encoding="utf-8"?>
-<?mso-contentType ?>
-<FormTemplates xmlns="http://schemas.microsoft.com/sharepoint/v3/contenttype/forms">
-  <Display>DocumentLibraryForm</Display>
-  <Edit>DocumentLibraryForm</Edit>
-  <New>DocumentLibraryForm</New>
-</FormTemplates>
-</file>
-
-<file path=customXml/item3.xml><?xml version="1.0" encoding="utf-8"?>
-<ct:contentTypeSchema xmlns:ct="http://schemas.microsoft.com/office/2006/metadata/contentType" xmlns:ma="http://schemas.microsoft.com/office/2006/metadata/properties/metaAttributes" ct:_="" ma:_="" ma:contentTypeName="Document" ma:contentTypeID="0x010100659C4E8D67CE414DA65B8AEA8742ACA3" ma:contentTypeVersion="0" ma:contentTypeDescription="Create a new document." ma:contentTypeScope="" ma:versionID="f7c919c443b5320e75960e663fc4bf4f">
-  <xsd:schema xmlns:xsd="http://www.w3.org/2001/XMLSchema" xmlns:xs="http://www.w3.org/2001/XMLSchema" xmlns:p="http://schemas.microsoft.com/office/2006/metadata/properties" targetNamespace="http://schemas.microsoft.com/office/2006/metadata/properties" ma:root="true" ma:fieldsID="1da0ba124a2fbdfba6e828dbac28dc7d">
+<ct:contentTypeSchema xmlns:ct="http://schemas.microsoft.com/office/2006/metadata/contentType" xmlns:ma="http://schemas.microsoft.com/office/2006/metadata/properties/metaAttributes" ct:_="" ma:_="" ma:contentTypeName="Document" ma:contentTypeID="0x010100659C4E8D67CE414DA65B8AEA8742ACA3" ma:contentTypeVersion="2" ma:contentTypeDescription="Create a new document." ma:contentTypeScope="" ma:versionID="43e9e1b65392dba08f823da28555fdde">
+  <xsd:schema xmlns:xsd="http://www.w3.org/2001/XMLSchema" xmlns:xs="http://www.w3.org/2001/XMLSchema" xmlns:p="http://schemas.microsoft.com/office/2006/metadata/properties" xmlns:ns3="d6b6555e-e519-411e-85b6-913ac0de3ff0" targetNamespace="http://schemas.microsoft.com/office/2006/metadata/properties" ma:root="true" ma:fieldsID="638bc6cce2cb188522251e738acc9333" ns3:_="">
+    <xsd:import namespace="d6b6555e-e519-411e-85b6-913ac0de3ff0"/>
     <xsd:element name="properties">
       <xsd:complexType>
         <xsd:sequence>
           <xsd:element name="documentManagement">
             <xsd:complexType>
-              <xsd:all/>
+              <xsd:all>
+                <xsd:element ref="ns3:MediaServiceMetadata" minOccurs="0"/>
+                <xsd:element ref="ns3:MediaServiceFastMetadata" minOccurs="0"/>
+              </xsd:all>
             </xsd:complexType>
           </xsd:element>
         </xsd:sequence>
       </xsd:complexType>
+    </xsd:element>
+  </xsd:schema>
+  <xsd:schema xmlns:xsd="http://www.w3.org/2001/XMLSchema" xmlns:xs="http://www.w3.org/2001/XMLSchema" xmlns:dms="http://schemas.microsoft.com/office/2006/documentManagement/types" xmlns:pc="http://schemas.microsoft.com/office/infopath/2007/PartnerControls" targetNamespace="d6b6555e-e519-411e-85b6-913ac0de3ff0" elementFormDefault="qualified">
+    <xsd:import namespace="http://schemas.microsoft.com/office/2006/documentManagement/types"/>
+    <xsd:import namespace="http://schemas.microsoft.com/office/infopath/2007/PartnerControls"/>
+    <xsd:element name="MediaServiceMetadata" ma:index="8" nillable="true" ma:displayName="MediaServiceMetadata" ma:hidden="true" ma:internalName="MediaServiceMetadata" ma:readOnly="true">
+      <xsd:simpleType>
+        <xsd:restriction base="dms:Note"/>
+      </xsd:simpleType>
+    </xsd:element>
+    <xsd:element name="MediaServiceFastMetadata" ma:index="9" nillable="true" ma:displayName="MediaServiceFastMetadata" ma:hidden="true" ma:internalName="MediaServiceFastMetadata" ma:readOnly="true">
+      <xsd:simpleType>
+        <xsd:restriction base="dms:Note"/>
+      </xsd:simpleType>
     </xsd:element>
   </xsd:schema>
   <xsd:schema xmlns="http://schemas.openxmlformats.org/package/2006/metadata/core-properties" xmlns:xsd="http://www.w3.org/2001/XMLSchema" xmlns:xsi="http://www.w3.org/2001/XMLSchema-instance" xmlns:dc="http://purl.org/dc/elements/1.1/" xmlns:dcterms="http://purl.org/dc/terms/" xmlns:odoc="http://schemas.microsoft.com/internal/obd" targetNamespace="http://schemas.openxmlformats.org/package/2006/metadata/core-properties" elementFormDefault="qualified" attributeFormDefault="unqualified" blockDefault="#all">
@@ -12351,41 +14309,59 @@
 </ct:contentTypeSchema>
 </file>
 
+<file path=customXml/item2.xml><?xml version="1.0" encoding="utf-8"?>
+<p:properties xmlns:p="http://schemas.microsoft.com/office/2006/metadata/properties" xmlns:xsi="http://www.w3.org/2001/XMLSchema-instance" xmlns:pc="http://schemas.microsoft.com/office/infopath/2007/PartnerControls">
+  <documentManagement/>
+</p:properties>
+</file>
+
+<file path=customXml/item3.xml><?xml version="1.0" encoding="utf-8"?>
+<?mso-contentType ?>
+<FormTemplates xmlns="http://schemas.microsoft.com/sharepoint/v3/contenttype/forms">
+  <Display>DocumentLibraryForm</Display>
+  <Edit>DocumentLibraryForm</Edit>
+  <New>DocumentLibraryForm</New>
+</FormTemplates>
+</file>
+
 <file path=customXml/itemProps1.xml><?xml version="1.0" encoding="utf-8"?>
+<ds:datastoreItem xmlns:ds="http://schemas.openxmlformats.org/officeDocument/2006/customXml" ds:itemID="{7476F262-EB56-4FF3-8483-73BE1A615640}">
+  <ds:schemaRefs>
+    <ds:schemaRef ds:uri="http://schemas.microsoft.com/office/2006/metadata/contentType"/>
+    <ds:schemaRef ds:uri="http://schemas.microsoft.com/office/2006/metadata/properties/metaAttributes"/>
+    <ds:schemaRef ds:uri="http://www.w3.org/2001/XMLSchema"/>
+    <ds:schemaRef ds:uri="http://schemas.microsoft.com/office/2006/metadata/properties"/>
+    <ds:schemaRef ds:uri="d6b6555e-e519-411e-85b6-913ac0de3ff0"/>
+    <ds:schemaRef ds:uri="http://schemas.microsoft.com/office/2006/documentManagement/types"/>
+    <ds:schemaRef ds:uri="http://schemas.microsoft.com/office/infopath/2007/PartnerControls"/>
+    <ds:schemaRef ds:uri="http://schemas.openxmlformats.org/package/2006/metadata/core-properties"/>
+    <ds:schemaRef ds:uri="http://purl.org/dc/elements/1.1/"/>
+    <ds:schemaRef ds:uri="http://purl.org/dc/terms/"/>
+    <ds:schemaRef ds:uri="http://schemas.microsoft.com/internal/obd"/>
+  </ds:schemaRefs>
+</ds:datastoreItem>
+</file>
+
+<file path=customXml/itemProps2.xml><?xml version="1.0" encoding="utf-8"?>
 <ds:datastoreItem xmlns:ds="http://schemas.openxmlformats.org/officeDocument/2006/customXml" ds:itemID="{7302B3A4-8FBB-48FB-81C7-761F84144AB5}">
   <ds:schemaRefs>
     <ds:schemaRef ds:uri="http://schemas.microsoft.com/office/2006/documentManagement/types"/>
+    <ds:schemaRef ds:uri="http://purl.org/dc/elements/1.1/"/>
+    <ds:schemaRef ds:uri="http://purl.org/dc/dcmitype/"/>
+    <ds:schemaRef ds:uri="http://schemas.microsoft.com/office/2006/metadata/properties"/>
+    <ds:schemaRef ds:uri="d6b6555e-e519-411e-85b6-913ac0de3ff0"/>
+    <ds:schemaRef ds:uri="http://purl.org/dc/terms/"/>
     <ds:schemaRef ds:uri="http://www.w3.org/XML/1998/namespace"/>
-    <ds:schemaRef ds:uri="http://schemas.microsoft.com/office/2006/metadata/properties"/>
     <ds:schemaRef ds:uri="http://schemas.microsoft.com/office/infopath/2007/PartnerControls"/>
-    <ds:schemaRef ds:uri="http://purl.org/dc/dcmitype/"/>
-    <ds:schemaRef ds:uri="http://purl.org/dc/terms/"/>
-    <ds:schemaRef ds:uri="http://purl.org/dc/elements/1.1/"/>
     <ds:schemaRef ds:uri="http://schemas.openxmlformats.org/package/2006/metadata/core-properties"/>
   </ds:schemaRefs>
 </ds:datastoreItem>
 </file>
 
-<file path=customXml/itemProps2.xml><?xml version="1.0" encoding="utf-8"?>
+<file path=customXml/itemProps3.xml><?xml version="1.0" encoding="utf-8"?>
 <ds:datastoreItem xmlns:ds="http://schemas.openxmlformats.org/officeDocument/2006/customXml" ds:itemID="{03213CAD-27EB-4B4B-8EFE-69EFED1DA99E}">
   <ds:schemaRefs>
     <ds:schemaRef ds:uri="http://schemas.microsoft.com/sharepoint/v3/contenttype/forms"/>
   </ds:schemaRefs>
 </ds:datastoreItem>
-</file>
-
-<file path=customXml/itemProps3.xml><?xml version="1.0" encoding="utf-8"?>
-<ds:datastoreItem xmlns:ds="http://schemas.openxmlformats.org/officeDocument/2006/customXml" ds:itemID="{5908575A-DC6E-4238-9EA4-79F4F70AE1EB}">
-  <ds:schemaRefs>
-    <ds:schemaRef ds:uri="http://schemas.microsoft.com/office/2006/metadata/contentType"/>
-    <ds:schemaRef ds:uri="http://schemas.microsoft.com/office/2006/metadata/properties/metaAttributes"/>
-    <ds:schemaRef ds:uri="http://www.w3.org/2001/XMLSchema"/>
-    <ds:schemaRef ds:uri="http://schemas.microsoft.com/office/2006/metadata/properties"/>
-    <ds:schemaRef ds:uri="http://schemas.openxmlformats.org/package/2006/metadata/core-properties"/>
-    <ds:schemaRef ds:uri="http://purl.org/dc/elements/1.1/"/>
-    <ds:schemaRef ds:uri="http://purl.org/dc/terms/"/>
-    <ds:schemaRef ds:uri="http://schemas.microsoft.com/internal/obd"/>
-    <ds:schemaRef ds:uri="http://schemas.microsoft.com/office/infopath/2007/PartnerControls"/>
-  </ds:schemaRefs>
-</ds:datastoreItem>
 </file>